--- a/docs/ADS507-Team6-Final-Project-Presentation.pptx
+++ b/docs/ADS507-Team6-Final-Project-Presentation.pptx
@@ -500,6 +500,30 @@
     </pc:docChg>
   </pc:docChgLst>
   <pc:docChgLst>
+    <pc:chgData name="Guest User" providerId="Windows Live" clId="Web-{C4A7F6C5-E60D-4D68-95CD-AB5787E17367}"/>
+    <pc:docChg chg="modSld">
+      <pc:chgData name="Guest User" userId="" providerId="Windows Live" clId="Web-{C4A7F6C5-E60D-4D68-95CD-AB5787E17367}" dt="2022-04-18T01:46:55.048" v="78" actId="20577"/>
+      <pc:docMkLst>
+        <pc:docMk/>
+      </pc:docMkLst>
+      <pc:sldChg chg="modSp">
+        <pc:chgData name="Guest User" userId="" providerId="Windows Live" clId="Web-{C4A7F6C5-E60D-4D68-95CD-AB5787E17367}" dt="2022-04-18T01:46:55.048" v="78" actId="20577"/>
+        <pc:sldMkLst>
+          <pc:docMk/>
+          <pc:sldMk cId="3605586502" sldId="308"/>
+        </pc:sldMkLst>
+        <pc:spChg chg="mod">
+          <ac:chgData name="Guest User" userId="" providerId="Windows Live" clId="Web-{C4A7F6C5-E60D-4D68-95CD-AB5787E17367}" dt="2022-04-18T01:46:55.048" v="78" actId="20577"/>
+          <ac:spMkLst>
+            <pc:docMk/>
+            <pc:sldMk cId="3605586502" sldId="308"/>
+            <ac:spMk id="3" creationId="{BF1BBC3E-89F0-5C43-AC5E-A86B89D4B109}"/>
+          </ac:spMkLst>
+        </pc:spChg>
+      </pc:sldChg>
+    </pc:docChg>
+  </pc:docChgLst>
+  <pc:docChgLst>
     <pc:chgData name="Dave Friesen" userId="09798873d1b5be9e" providerId="LiveId" clId="{5122807F-26C1-A14D-B03D-3ECC45035213}"/>
     <pc:docChg chg="undo custSel addSld delSld modSld sldOrd modMainMaster">
       <pc:chgData name="Dave Friesen" userId="09798873d1b5be9e" providerId="LiveId" clId="{5122807F-26C1-A14D-B03D-3ECC45035213}" dt="2022-04-18T01:49:38.851" v="5257" actId="478"/>
@@ -1610,30 +1634,6 @@
           </pc:spChg>
         </pc:sldLayoutChg>
       </pc:sldMasterChg>
-    </pc:docChg>
-  </pc:docChgLst>
-  <pc:docChgLst>
-    <pc:chgData name="Guest User" providerId="Windows Live" clId="Web-{C4A7F6C5-E60D-4D68-95CD-AB5787E17367}"/>
-    <pc:docChg chg="modSld">
-      <pc:chgData name="Guest User" userId="" providerId="Windows Live" clId="Web-{C4A7F6C5-E60D-4D68-95CD-AB5787E17367}" dt="2022-04-18T01:46:55.048" v="78" actId="20577"/>
-      <pc:docMkLst>
-        <pc:docMk/>
-      </pc:docMkLst>
-      <pc:sldChg chg="modSp">
-        <pc:chgData name="Guest User" userId="" providerId="Windows Live" clId="Web-{C4A7F6C5-E60D-4D68-95CD-AB5787E17367}" dt="2022-04-18T01:46:55.048" v="78" actId="20577"/>
-        <pc:sldMkLst>
-          <pc:docMk/>
-          <pc:sldMk cId="3605586502" sldId="308"/>
-        </pc:sldMkLst>
-        <pc:spChg chg="mod">
-          <ac:chgData name="Guest User" userId="" providerId="Windows Live" clId="Web-{C4A7F6C5-E60D-4D68-95CD-AB5787E17367}" dt="2022-04-18T01:46:55.048" v="78" actId="20577"/>
-          <ac:spMkLst>
-            <pc:docMk/>
-            <pc:sldMk cId="3605586502" sldId="308"/>
-            <ac:spMk id="3" creationId="{BF1BBC3E-89F0-5C43-AC5E-A86B89D4B109}"/>
-          </ac:spMkLst>
-        </pc:spChg>
-      </pc:sldChg>
     </pc:docChg>
   </pc:docChgLst>
   <pc:docChgLst>
@@ -9803,20 +9803,12 @@
           <a:p>
             <a:pPr marL="0" lvl="0" indent="0"/>
             <a:r>
-              <a:rPr lang="en-US" dirty="0">
+              <a:rPr lang="en-US">
                 <a:solidFill>
                   <a:schemeClr val="tx1"/>
                 </a:solidFill>
               </a:rPr>
-              <a:t>Lane </a:t>
-            </a:r>
-            <a:r>
-              <a:rPr lang="en-US" dirty="0" err="1">
-                <a:solidFill>
-                  <a:schemeClr val="tx1"/>
-                </a:solidFill>
-              </a:rPr>
-              <a:t>Whitemore</a:t>
+              <a:t>Lane Whitmore</a:t>
             </a:r>
             <a:endParaRPr lang="en-US" dirty="0">
               <a:solidFill>
@@ -9839,10 +9831,10 @@
       </p:sp>
       <p:pic>
         <p:nvPicPr>
-          <p:cNvPr id="16" name="Picture 15">
+          <p:cNvPr id="4" name="Picture 3">
             <a:extLst>
               <a:ext uri="{FF2B5EF4-FFF2-40B4-BE49-F238E27FC236}">
-                <a16:creationId xmlns:a16="http://schemas.microsoft.com/office/drawing/2014/main" id="{25835877-2F11-B811-48C3-27D032917296}"/>
+                <a16:creationId xmlns:a16="http://schemas.microsoft.com/office/drawing/2014/main" id="{85C9D8A7-D86C-C9DC-8A04-695FDDD0C598}"/>
               </a:ext>
             </a:extLst>
           </p:cNvPr>
@@ -9859,8 +9851,8 @@
         </p:blipFill>
         <p:spPr>
           <a:xfrm>
-            <a:off x="5867400" y="971550"/>
-            <a:ext cx="2789218" cy="2801345"/>
+            <a:off x="5852160" y="894080"/>
+            <a:ext cx="2744470" cy="2744470"/>
           </a:xfrm>
           <a:prstGeom prst="rect">
             <a:avLst/>

--- a/docs/ADS507-Team6-Final-Project-Presentation.pptx
+++ b/docs/ADS507-Team6-Final-Project-Presentation.pptx
@@ -5,7 +5,7 @@
     <p:sldMasterId id="2147483661" r:id="rId1"/>
   </p:sldMasterIdLst>
   <p:notesMasterIdLst>
-    <p:notesMasterId r:id="rId12"/>
+    <p:notesMasterId r:id="rId17"/>
   </p:notesMasterIdLst>
   <p:sldIdLst>
     <p:sldId id="335" r:id="rId2"/>
@@ -13,11 +13,16 @@
     <p:sldId id="369" r:id="rId4"/>
     <p:sldId id="379" r:id="rId5"/>
     <p:sldId id="381" r:id="rId6"/>
-    <p:sldId id="382" r:id="rId7"/>
-    <p:sldId id="385" r:id="rId8"/>
-    <p:sldId id="386" r:id="rId9"/>
-    <p:sldId id="387" r:id="rId10"/>
-    <p:sldId id="367" r:id="rId11"/>
+    <p:sldId id="388" r:id="rId7"/>
+    <p:sldId id="389" r:id="rId8"/>
+    <p:sldId id="392" r:id="rId9"/>
+    <p:sldId id="390" r:id="rId10"/>
+    <p:sldId id="391" r:id="rId11"/>
+    <p:sldId id="382" r:id="rId12"/>
+    <p:sldId id="385" r:id="rId13"/>
+    <p:sldId id="386" r:id="rId14"/>
+    <p:sldId id="387" r:id="rId15"/>
+    <p:sldId id="367" r:id="rId16"/>
   </p:sldIdLst>
   <p:sldSz cx="9144000" cy="5143500" type="screen16x9"/>
   <p:notesSz cx="6858000" cy="9144000"/>
@@ -9803,18 +9808,13 @@
           <a:p>
             <a:pPr marL="0" lvl="0" indent="0"/>
             <a:r>
-              <a:rPr lang="en-US">
+              <a:rPr lang="en-US" dirty="0">
                 <a:solidFill>
                   <a:schemeClr val="tx1"/>
                 </a:solidFill>
               </a:rPr>
               <a:t>Lane Whitmore</a:t>
             </a:r>
-            <a:endParaRPr lang="en-US" dirty="0">
-              <a:solidFill>
-                <a:schemeClr val="tx1"/>
-              </a:solidFill>
-            </a:endParaRPr>
           </a:p>
           <a:p>
             <a:pPr marL="0" lvl="0" indent="0"/>
@@ -9873,6 +9873,523 @@
 </file>
 
 <file path=ppt/slides/slide10.xml><?xml version="1.0" encoding="utf-8"?>
+<p:sld xmlns:a="http://schemas.openxmlformats.org/drawingml/2006/main" xmlns:r="http://schemas.openxmlformats.org/officeDocument/2006/relationships" xmlns:p="http://schemas.openxmlformats.org/presentationml/2006/main">
+  <p:cSld>
+    <p:spTree>
+      <p:nvGrpSpPr>
+        <p:cNvPr id="1" name=""/>
+        <p:cNvGrpSpPr/>
+        <p:nvPr/>
+      </p:nvGrpSpPr>
+      <p:grpSpPr>
+        <a:xfrm>
+          <a:off x="0" y="0"/>
+          <a:ext cx="0" cy="0"/>
+          <a:chOff x="0" y="0"/>
+          <a:chExt cx="0" cy="0"/>
+        </a:xfrm>
+      </p:grpSpPr>
+      <p:sp>
+        <p:nvSpPr>
+          <p:cNvPr id="2" name="Title 1">
+            <a:extLst>
+              <a:ext uri="{FF2B5EF4-FFF2-40B4-BE49-F238E27FC236}">
+                <a16:creationId xmlns:a16="http://schemas.microsoft.com/office/drawing/2014/main" id="{58ACDD3C-8F64-20B1-72FA-3CD1A4B7A3E8}"/>
+              </a:ext>
+            </a:extLst>
+          </p:cNvPr>
+          <p:cNvSpPr>
+            <a:spLocks noGrp="1"/>
+          </p:cNvSpPr>
+          <p:nvPr>
+            <p:ph type="title"/>
+          </p:nvPr>
+        </p:nvSpPr>
+        <p:spPr/>
+        <p:txBody>
+          <a:bodyPr/>
+          <a:lstStyle/>
+          <a:p>
+            <a:endParaRPr lang="en-US"/>
+          </a:p>
+        </p:txBody>
+      </p:sp>
+      <p:sp>
+        <p:nvSpPr>
+          <p:cNvPr id="3" name="Text Placeholder 2">
+            <a:extLst>
+              <a:ext uri="{FF2B5EF4-FFF2-40B4-BE49-F238E27FC236}">
+                <a16:creationId xmlns:a16="http://schemas.microsoft.com/office/drawing/2014/main" id="{67D63B6E-3E17-A3FB-27F9-8E81F30EF60E}"/>
+              </a:ext>
+            </a:extLst>
+          </p:cNvPr>
+          <p:cNvSpPr>
+            <a:spLocks noGrp="1"/>
+          </p:cNvSpPr>
+          <p:nvPr>
+            <p:ph type="body" idx="1"/>
+          </p:nvPr>
+        </p:nvSpPr>
+        <p:spPr/>
+        <p:txBody>
+          <a:bodyPr/>
+          <a:lstStyle/>
+          <a:p>
+            <a:endParaRPr lang="en-US"/>
+          </a:p>
+        </p:txBody>
+      </p:sp>
+      <p:sp>
+        <p:nvSpPr>
+          <p:cNvPr id="4" name="Text Placeholder 3">
+            <a:extLst>
+              <a:ext uri="{FF2B5EF4-FFF2-40B4-BE49-F238E27FC236}">
+                <a16:creationId xmlns:a16="http://schemas.microsoft.com/office/drawing/2014/main" id="{CC73258B-5721-F60F-84BF-4F5EF2898F4E}"/>
+              </a:ext>
+            </a:extLst>
+          </p:cNvPr>
+          <p:cNvSpPr>
+            <a:spLocks noGrp="1"/>
+          </p:cNvSpPr>
+          <p:nvPr>
+            <p:ph type="body" sz="quarter" idx="13"/>
+          </p:nvPr>
+        </p:nvSpPr>
+        <p:spPr/>
+        <p:txBody>
+          <a:bodyPr/>
+          <a:lstStyle/>
+          <a:p>
+            <a:endParaRPr lang="en-US"/>
+          </a:p>
+        </p:txBody>
+      </p:sp>
+    </p:spTree>
+    <p:extLst>
+      <p:ext uri="{BB962C8B-B14F-4D97-AF65-F5344CB8AC3E}">
+        <p14:creationId xmlns:p14="http://schemas.microsoft.com/office/powerpoint/2010/main" val="3213545645"/>
+      </p:ext>
+    </p:extLst>
+  </p:cSld>
+  <p:clrMapOvr>
+    <a:masterClrMapping/>
+  </p:clrMapOvr>
+</p:sld>
+</file>
+
+<file path=ppt/slides/slide11.xml><?xml version="1.0" encoding="utf-8"?>
+<p:sld xmlns:a="http://schemas.openxmlformats.org/drawingml/2006/main" xmlns:r="http://schemas.openxmlformats.org/officeDocument/2006/relationships" xmlns:p="http://schemas.openxmlformats.org/presentationml/2006/main">
+  <p:cSld>
+    <p:spTree>
+      <p:nvGrpSpPr>
+        <p:cNvPr id="1" name=""/>
+        <p:cNvGrpSpPr/>
+        <p:nvPr/>
+      </p:nvGrpSpPr>
+      <p:grpSpPr>
+        <a:xfrm>
+          <a:off x="0" y="0"/>
+          <a:ext cx="0" cy="0"/>
+          <a:chOff x="0" y="0"/>
+          <a:chExt cx="0" cy="0"/>
+        </a:xfrm>
+      </p:grpSpPr>
+      <p:sp>
+        <p:nvSpPr>
+          <p:cNvPr id="2" name="Title 1">
+            <a:extLst>
+              <a:ext uri="{FF2B5EF4-FFF2-40B4-BE49-F238E27FC236}">
+                <a16:creationId xmlns:a16="http://schemas.microsoft.com/office/drawing/2014/main" id="{01DA1016-D399-82F8-F71E-0896B423BBEE}"/>
+              </a:ext>
+            </a:extLst>
+          </p:cNvPr>
+          <p:cNvSpPr>
+            <a:spLocks noGrp="1"/>
+          </p:cNvSpPr>
+          <p:nvPr>
+            <p:ph type="title"/>
+          </p:nvPr>
+        </p:nvSpPr>
+        <p:spPr/>
+        <p:txBody>
+          <a:bodyPr/>
+          <a:lstStyle/>
+          <a:p>
+            <a:r>
+              <a:rPr lang="en-US" dirty="0"/>
+              <a:t>BIS Database Design</a:t>
+            </a:r>
+            <a:br>
+              <a:rPr lang="en-US" dirty="0"/>
+            </a:br>
+            <a:r>
+              <a:rPr lang="en-US" sz="1800" b="0" dirty="0"/>
+              <a:t>Entity Relationship Diagram (ERD)</a:t>
+            </a:r>
+          </a:p>
+        </p:txBody>
+      </p:sp>
+      <p:pic>
+        <p:nvPicPr>
+          <p:cNvPr id="5" name="Picture 4" descr="Graphical user interface, text, chat or text message&#10;&#10;Description automatically generated">
+            <a:extLst>
+              <a:ext uri="{FF2B5EF4-FFF2-40B4-BE49-F238E27FC236}">
+                <a16:creationId xmlns:a16="http://schemas.microsoft.com/office/drawing/2014/main" id="{F959423A-573B-02A6-1C5C-126E54AA94AE}"/>
+              </a:ext>
+            </a:extLst>
+          </p:cNvPr>
+          <p:cNvPicPr>
+            <a:picLocks noChangeAspect="1"/>
+          </p:cNvPicPr>
+          <p:nvPr/>
+        </p:nvPicPr>
+        <p:blipFill>
+          <a:blip r:embed="rId2"/>
+          <a:stretch>
+            <a:fillRect/>
+          </a:stretch>
+        </p:blipFill>
+        <p:spPr>
+          <a:xfrm>
+            <a:off x="685800" y="1511351"/>
+            <a:ext cx="7772400" cy="3300679"/>
+          </a:xfrm>
+          <a:prstGeom prst="rect">
+            <a:avLst/>
+          </a:prstGeom>
+        </p:spPr>
+      </p:pic>
+    </p:spTree>
+    <p:extLst>
+      <p:ext uri="{BB962C8B-B14F-4D97-AF65-F5344CB8AC3E}">
+        <p14:creationId xmlns:p14="http://schemas.microsoft.com/office/powerpoint/2010/main" val="2889169274"/>
+      </p:ext>
+    </p:extLst>
+  </p:cSld>
+  <p:clrMapOvr>
+    <a:masterClrMapping/>
+  </p:clrMapOvr>
+</p:sld>
+</file>
+
+<file path=ppt/slides/slide12.xml><?xml version="1.0" encoding="utf-8"?>
+<p:sld xmlns:a="http://schemas.openxmlformats.org/drawingml/2006/main" xmlns:r="http://schemas.openxmlformats.org/officeDocument/2006/relationships" xmlns:p="http://schemas.openxmlformats.org/presentationml/2006/main">
+  <p:cSld>
+    <p:spTree>
+      <p:nvGrpSpPr>
+        <p:cNvPr id="1" name=""/>
+        <p:cNvGrpSpPr/>
+        <p:nvPr/>
+      </p:nvGrpSpPr>
+      <p:grpSpPr>
+        <a:xfrm>
+          <a:off x="0" y="0"/>
+          <a:ext cx="0" cy="0"/>
+          <a:chOff x="0" y="0"/>
+          <a:chExt cx="0" cy="0"/>
+        </a:xfrm>
+      </p:grpSpPr>
+      <p:sp>
+        <p:nvSpPr>
+          <p:cNvPr id="2" name="Title 1">
+            <a:extLst>
+              <a:ext uri="{FF2B5EF4-FFF2-40B4-BE49-F238E27FC236}">
+                <a16:creationId xmlns:a16="http://schemas.microsoft.com/office/drawing/2014/main" id="{A3EB6526-8724-A3D5-A201-D5C7D8E3D20C}"/>
+              </a:ext>
+            </a:extLst>
+          </p:cNvPr>
+          <p:cNvSpPr>
+            <a:spLocks noGrp="1"/>
+          </p:cNvSpPr>
+          <p:nvPr>
+            <p:ph type="title"/>
+          </p:nvPr>
+        </p:nvSpPr>
+        <p:spPr/>
+        <p:txBody>
+          <a:bodyPr/>
+          <a:lstStyle/>
+          <a:p>
+            <a:r>
+              <a:rPr lang="en-US" dirty="0"/>
+              <a:t>Non-Functionals</a:t>
+            </a:r>
+          </a:p>
+        </p:txBody>
+      </p:sp>
+      <p:sp>
+        <p:nvSpPr>
+          <p:cNvPr id="3" name="Text Placeholder 2">
+            <a:extLst>
+              <a:ext uri="{FF2B5EF4-FFF2-40B4-BE49-F238E27FC236}">
+                <a16:creationId xmlns:a16="http://schemas.microsoft.com/office/drawing/2014/main" id="{B4A10F44-7EFC-FDD9-C4C1-C1F3D4D1367A}"/>
+              </a:ext>
+            </a:extLst>
+          </p:cNvPr>
+          <p:cNvSpPr>
+            <a:spLocks noGrp="1"/>
+          </p:cNvSpPr>
+          <p:nvPr>
+            <p:ph type="body" idx="1"/>
+          </p:nvPr>
+        </p:nvSpPr>
+        <p:spPr/>
+        <p:txBody>
+          <a:bodyPr/>
+          <a:lstStyle/>
+          <a:p>
+            <a:r>
+              <a:rPr lang="en-US" b="1" dirty="0">
+                <a:solidFill>
+                  <a:srgbClr val="0070C0"/>
+                </a:solidFill>
+              </a:rPr>
+              <a:t>[. . .]</a:t>
+            </a:r>
+            <a:endParaRPr lang="en-US" dirty="0"/>
+          </a:p>
+        </p:txBody>
+      </p:sp>
+      <p:sp>
+        <p:nvSpPr>
+          <p:cNvPr id="4" name="Text Placeholder 3">
+            <a:extLst>
+              <a:ext uri="{FF2B5EF4-FFF2-40B4-BE49-F238E27FC236}">
+                <a16:creationId xmlns:a16="http://schemas.microsoft.com/office/drawing/2014/main" id="{4C76ECD3-A9EC-7D3B-F7AA-177C450D1EC0}"/>
+              </a:ext>
+            </a:extLst>
+          </p:cNvPr>
+          <p:cNvSpPr>
+            <a:spLocks noGrp="1"/>
+          </p:cNvSpPr>
+          <p:nvPr>
+            <p:ph type="body" sz="quarter" idx="13"/>
+          </p:nvPr>
+        </p:nvSpPr>
+        <p:spPr/>
+        <p:txBody>
+          <a:bodyPr/>
+          <a:lstStyle/>
+          <a:p>
+            <a:r>
+              <a:rPr lang="en-US" dirty="0"/>
+              <a:t>Security, Data Integrity,  Monitoring/Logging, and Scalability</a:t>
+            </a:r>
+          </a:p>
+        </p:txBody>
+      </p:sp>
+    </p:spTree>
+    <p:extLst>
+      <p:ext uri="{BB962C8B-B14F-4D97-AF65-F5344CB8AC3E}">
+        <p14:creationId xmlns:p14="http://schemas.microsoft.com/office/powerpoint/2010/main" val="598757014"/>
+      </p:ext>
+    </p:extLst>
+  </p:cSld>
+  <p:clrMapOvr>
+    <a:masterClrMapping/>
+  </p:clrMapOvr>
+</p:sld>
+</file>
+
+<file path=ppt/slides/slide13.xml><?xml version="1.0" encoding="utf-8"?>
+<p:sld xmlns:a="http://schemas.openxmlformats.org/drawingml/2006/main" xmlns:r="http://schemas.openxmlformats.org/officeDocument/2006/relationships" xmlns:p="http://schemas.openxmlformats.org/presentationml/2006/main">
+  <p:cSld>
+    <p:bg>
+      <p:bgPr>
+        <a:solidFill>
+          <a:srgbClr val="0070C0"/>
+        </a:solidFill>
+        <a:effectLst/>
+      </p:bgPr>
+    </p:bg>
+    <p:spTree>
+      <p:nvGrpSpPr>
+        <p:cNvPr id="1" name=""/>
+        <p:cNvGrpSpPr/>
+        <p:nvPr/>
+      </p:nvGrpSpPr>
+      <p:grpSpPr>
+        <a:xfrm>
+          <a:off x="0" y="0"/>
+          <a:ext cx="0" cy="0"/>
+          <a:chOff x="0" y="0"/>
+          <a:chExt cx="0" cy="0"/>
+        </a:xfrm>
+      </p:grpSpPr>
+      <p:sp>
+        <p:nvSpPr>
+          <p:cNvPr id="6" name="Text Placeholder 5">
+            <a:extLst>
+              <a:ext uri="{FF2B5EF4-FFF2-40B4-BE49-F238E27FC236}">
+                <a16:creationId xmlns:a16="http://schemas.microsoft.com/office/drawing/2014/main" id="{76E1A64D-88C5-7154-6D66-8D8FBD6AC959}"/>
+              </a:ext>
+            </a:extLst>
+          </p:cNvPr>
+          <p:cNvSpPr>
+            <a:spLocks noGrp="1"/>
+          </p:cNvSpPr>
+          <p:nvPr>
+            <p:ph type="body" idx="1"/>
+          </p:nvPr>
+        </p:nvSpPr>
+        <p:spPr>
+          <a:xfrm>
+            <a:off x="609600" y="1108710"/>
+            <a:ext cx="7924800" cy="2933700"/>
+          </a:xfrm>
+        </p:spPr>
+        <p:txBody>
+          <a:bodyPr anchor="ctr"/>
+          <a:lstStyle/>
+          <a:p>
+            <a:pPr marL="114300" indent="0" algn="ctr">
+              <a:buNone/>
+            </a:pPr>
+            <a:r>
+              <a:rPr lang="en-US" sz="5400" b="1" dirty="0">
+                <a:solidFill>
+                  <a:schemeClr val="bg1"/>
+                </a:solidFill>
+              </a:rPr>
+              <a:t>Demo</a:t>
+            </a:r>
+          </a:p>
+        </p:txBody>
+      </p:sp>
+    </p:spTree>
+    <p:extLst>
+      <p:ext uri="{BB962C8B-B14F-4D97-AF65-F5344CB8AC3E}">
+        <p14:creationId xmlns:p14="http://schemas.microsoft.com/office/powerpoint/2010/main" val="3855147692"/>
+      </p:ext>
+    </p:extLst>
+  </p:cSld>
+  <p:clrMapOvr>
+    <a:masterClrMapping/>
+  </p:clrMapOvr>
+</p:sld>
+</file>
+
+<file path=ppt/slides/slide14.xml><?xml version="1.0" encoding="utf-8"?>
+<p:sld xmlns:a="http://schemas.openxmlformats.org/drawingml/2006/main" xmlns:r="http://schemas.openxmlformats.org/officeDocument/2006/relationships" xmlns:p="http://schemas.openxmlformats.org/presentationml/2006/main">
+  <p:cSld>
+    <p:spTree>
+      <p:nvGrpSpPr>
+        <p:cNvPr id="1" name=""/>
+        <p:cNvGrpSpPr/>
+        <p:nvPr/>
+      </p:nvGrpSpPr>
+      <p:grpSpPr>
+        <a:xfrm>
+          <a:off x="0" y="0"/>
+          <a:ext cx="0" cy="0"/>
+          <a:chOff x="0" y="0"/>
+          <a:chExt cx="0" cy="0"/>
+        </a:xfrm>
+      </p:grpSpPr>
+      <p:sp>
+        <p:nvSpPr>
+          <p:cNvPr id="2" name="Title 1">
+            <a:extLst>
+              <a:ext uri="{FF2B5EF4-FFF2-40B4-BE49-F238E27FC236}">
+                <a16:creationId xmlns:a16="http://schemas.microsoft.com/office/drawing/2014/main" id="{29B56964-9D4C-6884-2DC5-721286929ED9}"/>
+              </a:ext>
+            </a:extLst>
+          </p:cNvPr>
+          <p:cNvSpPr>
+            <a:spLocks noGrp="1"/>
+          </p:cNvSpPr>
+          <p:nvPr>
+            <p:ph type="title"/>
+          </p:nvPr>
+        </p:nvSpPr>
+        <p:spPr/>
+        <p:txBody>
+          <a:bodyPr/>
+          <a:lstStyle/>
+          <a:p>
+            <a:r>
+              <a:rPr lang="en-US" dirty="0"/>
+              <a:t>Wrap-up</a:t>
+            </a:r>
+          </a:p>
+        </p:txBody>
+      </p:sp>
+      <p:sp>
+        <p:nvSpPr>
+          <p:cNvPr id="3" name="Text Placeholder 2">
+            <a:extLst>
+              <a:ext uri="{FF2B5EF4-FFF2-40B4-BE49-F238E27FC236}">
+                <a16:creationId xmlns:a16="http://schemas.microsoft.com/office/drawing/2014/main" id="{44621436-45F4-61DA-39DC-7652C20CBFB9}"/>
+              </a:ext>
+            </a:extLst>
+          </p:cNvPr>
+          <p:cNvSpPr>
+            <a:spLocks noGrp="1"/>
+          </p:cNvSpPr>
+          <p:nvPr>
+            <p:ph type="body" idx="1"/>
+          </p:nvPr>
+        </p:nvSpPr>
+        <p:spPr/>
+        <p:txBody>
+          <a:bodyPr/>
+          <a:lstStyle/>
+          <a:p>
+            <a:r>
+              <a:rPr lang="en-US" dirty="0"/>
+              <a:t>[. . .]</a:t>
+            </a:r>
+          </a:p>
+        </p:txBody>
+      </p:sp>
+      <p:sp>
+        <p:nvSpPr>
+          <p:cNvPr id="4" name="Text Placeholder 3">
+            <a:extLst>
+              <a:ext uri="{FF2B5EF4-FFF2-40B4-BE49-F238E27FC236}">
+                <a16:creationId xmlns:a16="http://schemas.microsoft.com/office/drawing/2014/main" id="{602DA5C9-7D0B-F552-7ACC-2C6B73997A14}"/>
+              </a:ext>
+            </a:extLst>
+          </p:cNvPr>
+          <p:cNvSpPr>
+            <a:spLocks noGrp="1"/>
+          </p:cNvSpPr>
+          <p:nvPr>
+            <p:ph type="body" sz="quarter" idx="13"/>
+          </p:nvPr>
+        </p:nvSpPr>
+        <p:spPr/>
+        <p:txBody>
+          <a:bodyPr/>
+          <a:lstStyle/>
+          <a:p>
+            <a:r>
+              <a:rPr lang="en-US" dirty="0"/>
+              <a:t>Gaps and</a:t>
+            </a:r>
+          </a:p>
+          <a:p>
+            <a:r>
+              <a:rPr lang="en-US" dirty="0"/>
+              <a:t>extensibility</a:t>
+            </a:r>
+          </a:p>
+        </p:txBody>
+      </p:sp>
+    </p:spTree>
+    <p:extLst>
+      <p:ext uri="{BB962C8B-B14F-4D97-AF65-F5344CB8AC3E}">
+        <p14:creationId xmlns:p14="http://schemas.microsoft.com/office/powerpoint/2010/main" val="3241294105"/>
+      </p:ext>
+    </p:extLst>
+  </p:cSld>
+  <p:clrMapOvr>
+    <a:masterClrMapping/>
+  </p:clrMapOvr>
+</p:sld>
+</file>
+
+<file path=ppt/slides/slide15.xml><?xml version="1.0" encoding="utf-8"?>
 <p:sld xmlns:a="http://schemas.openxmlformats.org/drawingml/2006/main" xmlns:r="http://schemas.openxmlformats.org/officeDocument/2006/relationships" xmlns:p="http://schemas.openxmlformats.org/presentationml/2006/main">
   <p:cSld>
     <p:spTree>
@@ -10138,7 +10655,7 @@
             </a:r>
             <a:r>
               <a:rPr lang="en-US" dirty="0"/>
-              <a:t> – Security, Data Integrity, 	Monitoring/Logging, and Scalability</a:t>
+              <a:t> – security, data integrity, 	monitoring/logging, and scalability</a:t>
             </a:r>
           </a:p>
           <a:p>
@@ -10595,7 +11112,7 @@
                   <a:srgbClr val="0070C0"/>
                 </a:solidFill>
               </a:rPr>
-              <a:t>include US dollar exchange rates</a:t>
+              <a:t>includes US dollar exchange rates</a:t>
             </a:r>
             <a:r>
               <a:rPr lang="en-US" dirty="0">
@@ -10813,10 +11330,10 @@
       </p:sp>
       <p:grpSp>
         <p:nvGrpSpPr>
-          <p:cNvPr id="50" name="Group 49">
+          <p:cNvPr id="25" name="Group 24">
             <a:extLst>
               <a:ext uri="{FF2B5EF4-FFF2-40B4-BE49-F238E27FC236}">
-                <a16:creationId xmlns:a16="http://schemas.microsoft.com/office/drawing/2014/main" id="{1EE0915B-A4CE-C236-BD08-FB5BD91CEC1B}"/>
+                <a16:creationId xmlns:a16="http://schemas.microsoft.com/office/drawing/2014/main" id="{27326A61-2D40-93D2-5B03-819955BD77F0}"/>
               </a:ext>
             </a:extLst>
           </p:cNvPr>
@@ -10942,7 +11459,7 @@
             <a:p>
               <a:pPr algn="ctr"/>
               <a:r>
-                <a:rPr lang="en-US" sz="1100" i="1" dirty="0"/>
+                <a:rPr lang="en-US" sz="900" i="1" dirty="0"/>
                 <a:t>(.csv)</a:t>
               </a:r>
             </a:p>
@@ -11015,7 +11532,7 @@
             <a:p>
               <a:pPr algn="ctr"/>
               <a:r>
-                <a:rPr lang="en-US" sz="1100" i="1" dirty="0"/>
+                <a:rPr lang="en-US" sz="900" i="1" dirty="0"/>
                 <a:t>(.zip)</a:t>
               </a:r>
             </a:p>
@@ -11088,9 +11605,10 @@
             <a:p>
               <a:pPr algn="ctr"/>
               <a:r>
-                <a:rPr lang="en-US" sz="1100" i="1" dirty="0"/>
+                <a:rPr lang="en-US" sz="900" i="1" dirty="0"/>
                 <a:t>(MySQL)</a:t>
               </a:r>
+              <a:endParaRPr lang="en-US" sz="1100" i="1" dirty="0"/>
             </a:p>
           </p:txBody>
         </p:sp>
@@ -11231,7 +11749,18 @@
                     <a:srgbClr val="595959"/>
                   </a:solidFill>
                 </a:rPr>
-                <a:t>Reporting</a:t>
+                <a:t>Service</a:t>
+              </a:r>
+            </a:p>
+            <a:p>
+              <a:pPr algn="ctr"/>
+              <a:r>
+                <a:rPr lang="en-US" sz="1100" dirty="0">
+                  <a:solidFill>
+                    <a:srgbClr val="595959"/>
+                  </a:solidFill>
+                </a:rPr>
+                <a:t>Endpoints</a:t>
               </a:r>
             </a:p>
           </p:txBody>
@@ -11760,6 +12289,13 @@
               <a:r>
                 <a:rPr lang="en-US" sz="1100" dirty="0"/>
                 <a:t>download</a:t>
+              </a:r>
+            </a:p>
+            <a:p>
+              <a:pPr algn="ctr"/>
+              <a:r>
+                <a:rPr lang="en-US" sz="900" i="1" dirty="0"/>
+                <a:t>(Python)</a:t>
               </a:r>
             </a:p>
           </p:txBody>
@@ -12451,8 +12987,8 @@
           </p:nvSpPr>
           <p:spPr>
             <a:xfrm>
-              <a:off x="2880360" y="2023110"/>
-              <a:ext cx="1463040" cy="365760"/>
+              <a:off x="1874520" y="2023110"/>
+              <a:ext cx="3474720" cy="365760"/>
             </a:xfrm>
             <a:prstGeom prst="rect">
               <a:avLst/>
@@ -12489,7 +13025,7 @@
                     <a:srgbClr val="F26522"/>
                   </a:solidFill>
                 </a:rPr>
-                <a:t>Functional Process</a:t>
+                <a:t>“Cron-triggered” and Automated Functional Process</a:t>
               </a:r>
             </a:p>
           </p:txBody>
@@ -12555,11 +13091,81 @@
             </a:p>
           </p:txBody>
         </p:sp>
+        <p:sp>
+          <p:nvSpPr>
+            <p:cNvPr id="8" name="Rectangle 7">
+              <a:extLst>
+                <a:ext uri="{FF2B5EF4-FFF2-40B4-BE49-F238E27FC236}">
+                  <a16:creationId xmlns:a16="http://schemas.microsoft.com/office/drawing/2014/main" id="{ADBB9D03-32A4-23CA-D5D6-767A30126400}"/>
+                </a:ext>
+              </a:extLst>
+            </p:cNvPr>
+            <p:cNvSpPr/>
+            <p:nvPr/>
+          </p:nvSpPr>
+          <p:spPr>
+            <a:xfrm>
+              <a:off x="1737360" y="4034790"/>
+              <a:ext cx="3749040" cy="457200"/>
+            </a:xfrm>
+            <a:prstGeom prst="rect">
+              <a:avLst/>
+            </a:prstGeom>
+            <a:solidFill>
+              <a:schemeClr val="bg1"/>
+            </a:solidFill>
+            <a:ln>
+              <a:noFill/>
+            </a:ln>
+          </p:spPr>
+          <p:style>
+            <a:lnRef idx="2">
+              <a:schemeClr val="accent1">
+                <a:shade val="50000"/>
+              </a:schemeClr>
+            </a:lnRef>
+            <a:fillRef idx="1">
+              <a:schemeClr val="accent1"/>
+            </a:fillRef>
+            <a:effectRef idx="0">
+              <a:schemeClr val="accent1"/>
+            </a:effectRef>
+            <a:fontRef idx="minor">
+              <a:schemeClr val="lt1"/>
+            </a:fontRef>
+          </p:style>
+          <p:txBody>
+            <a:bodyPr rtlCol="0" anchor="ctr"/>
+            <a:lstStyle/>
+            <a:p>
+              <a:pPr algn="ctr"/>
+              <a:r>
+                <a:rPr lang="en-US" sz="1100" dirty="0">
+                  <a:solidFill>
+                    <a:srgbClr val="F26522"/>
+                  </a:solidFill>
+                </a:rPr>
+                <a:t>Scalability and Extensibility</a:t>
+              </a:r>
+            </a:p>
+            <a:p>
+              <a:pPr algn="ctr"/>
+              <a:r>
+                <a:rPr lang="en-US" sz="1100" dirty="0">
+                  <a:solidFill>
+                    <a:srgbClr val="F26522"/>
+                  </a:solidFill>
+                </a:rPr>
+                <a:t>leveraging relational data and “cloud-compatible” tooling</a:t>
+              </a:r>
+            </a:p>
+          </p:txBody>
+        </p:sp>
       </p:grpSp>
     </p:spTree>
     <p:extLst>
       <p:ext uri="{BB962C8B-B14F-4D97-AF65-F5344CB8AC3E}">
-        <p14:creationId xmlns:p14="http://schemas.microsoft.com/office/powerpoint/2010/main" val="1639121655"/>
+        <p14:creationId xmlns:p14="http://schemas.microsoft.com/office/powerpoint/2010/main" val="453322264"/>
       </p:ext>
     </p:extLst>
   </p:cSld>
@@ -12591,7 +13197,7 @@
           <p:cNvPr id="2" name="Title 1">
             <a:extLst>
               <a:ext uri="{FF2B5EF4-FFF2-40B4-BE49-F238E27FC236}">
-                <a16:creationId xmlns:a16="http://schemas.microsoft.com/office/drawing/2014/main" id="{01DA1016-D399-82F8-F71E-0896B423BBEE}"/>
+                <a16:creationId xmlns:a16="http://schemas.microsoft.com/office/drawing/2014/main" id="{4072AA40-EB13-CD59-740C-8AD3DA20F805}"/>
               </a:ext>
             </a:extLst>
           </p:cNvPr>
@@ -12607,54 +13213,64 @@
           <a:bodyPr/>
           <a:lstStyle/>
           <a:p>
-            <a:r>
-              <a:rPr lang="en-US" dirty="0"/>
-              <a:t>BIS Database Design</a:t>
-            </a:r>
-            <a:br>
-              <a:rPr lang="en-US" dirty="0"/>
-            </a:br>
-            <a:r>
-              <a:rPr lang="en-US" sz="1800" b="0" dirty="0"/>
-              <a:t>Entity Relationship Diagram (ERD)</a:t>
-            </a:r>
+            <a:endParaRPr lang="en-US"/>
           </a:p>
         </p:txBody>
       </p:sp>
-      <p:pic>
-        <p:nvPicPr>
-          <p:cNvPr id="5" name="Picture 4" descr="Graphical user interface, text, chat or text message&#10;&#10;Description automatically generated">
+      <p:sp>
+        <p:nvSpPr>
+          <p:cNvPr id="3" name="Text Placeholder 2">
             <a:extLst>
               <a:ext uri="{FF2B5EF4-FFF2-40B4-BE49-F238E27FC236}">
-                <a16:creationId xmlns:a16="http://schemas.microsoft.com/office/drawing/2014/main" id="{F959423A-573B-02A6-1C5C-126E54AA94AE}"/>
+                <a16:creationId xmlns:a16="http://schemas.microsoft.com/office/drawing/2014/main" id="{F7869030-B99E-DF6D-C0E1-0095E60F8139}"/>
               </a:ext>
             </a:extLst>
           </p:cNvPr>
-          <p:cNvPicPr>
-            <a:picLocks noChangeAspect="1"/>
-          </p:cNvPicPr>
-          <p:nvPr/>
-        </p:nvPicPr>
-        <p:blipFill>
-          <a:blip r:embed="rId2"/>
-          <a:stretch>
-            <a:fillRect/>
-          </a:stretch>
-        </p:blipFill>
-        <p:spPr>
-          <a:xfrm>
-            <a:off x="685800" y="1511351"/>
-            <a:ext cx="7772400" cy="3300679"/>
-          </a:xfrm>
-          <a:prstGeom prst="rect">
-            <a:avLst/>
-          </a:prstGeom>
-        </p:spPr>
-      </p:pic>
+          <p:cNvSpPr>
+            <a:spLocks noGrp="1"/>
+          </p:cNvSpPr>
+          <p:nvPr>
+            <p:ph type="body" idx="1"/>
+          </p:nvPr>
+        </p:nvSpPr>
+        <p:spPr/>
+        <p:txBody>
+          <a:bodyPr/>
+          <a:lstStyle/>
+          <a:p>
+            <a:endParaRPr lang="en-US"/>
+          </a:p>
+        </p:txBody>
+      </p:sp>
+      <p:sp>
+        <p:nvSpPr>
+          <p:cNvPr id="4" name="Text Placeholder 3">
+            <a:extLst>
+              <a:ext uri="{FF2B5EF4-FFF2-40B4-BE49-F238E27FC236}">
+                <a16:creationId xmlns:a16="http://schemas.microsoft.com/office/drawing/2014/main" id="{B1E8FA9F-7980-050E-A6BE-BAD89F293B58}"/>
+              </a:ext>
+            </a:extLst>
+          </p:cNvPr>
+          <p:cNvSpPr>
+            <a:spLocks noGrp="1"/>
+          </p:cNvSpPr>
+          <p:nvPr>
+            <p:ph type="body" sz="quarter" idx="13"/>
+          </p:nvPr>
+        </p:nvSpPr>
+        <p:spPr/>
+        <p:txBody>
+          <a:bodyPr/>
+          <a:lstStyle/>
+          <a:p>
+            <a:endParaRPr lang="en-US"/>
+          </a:p>
+        </p:txBody>
+      </p:sp>
     </p:spTree>
     <p:extLst>
       <p:ext uri="{BB962C8B-B14F-4D97-AF65-F5344CB8AC3E}">
-        <p14:creationId xmlns:p14="http://schemas.microsoft.com/office/powerpoint/2010/main" val="2889169274"/>
+        <p14:creationId xmlns:p14="http://schemas.microsoft.com/office/powerpoint/2010/main" val="1670365207"/>
       </p:ext>
     </p:extLst>
   </p:cSld>
@@ -12686,7 +13302,7 @@
           <p:cNvPr id="2" name="Title 1">
             <a:extLst>
               <a:ext uri="{FF2B5EF4-FFF2-40B4-BE49-F238E27FC236}">
-                <a16:creationId xmlns:a16="http://schemas.microsoft.com/office/drawing/2014/main" id="{A3EB6526-8724-A3D5-A201-D5C7D8E3D20C}"/>
+                <a16:creationId xmlns:a16="http://schemas.microsoft.com/office/drawing/2014/main" id="{2B44E82B-FE50-CCCF-25D2-53862CAFFBFF}"/>
               </a:ext>
             </a:extLst>
           </p:cNvPr>
@@ -12702,10 +13318,7 @@
           <a:bodyPr/>
           <a:lstStyle/>
           <a:p>
-            <a:r>
-              <a:rPr lang="en-US" dirty="0"/>
-              <a:t>Non-Functionals</a:t>
-            </a:r>
+            <a:endParaRPr lang="en-US"/>
           </a:p>
         </p:txBody>
       </p:sp>
@@ -12714,7 +13327,7 @@
           <p:cNvPr id="3" name="Text Placeholder 2">
             <a:extLst>
               <a:ext uri="{FF2B5EF4-FFF2-40B4-BE49-F238E27FC236}">
-                <a16:creationId xmlns:a16="http://schemas.microsoft.com/office/drawing/2014/main" id="{B4A10F44-7EFC-FDD9-C4C1-C1F3D4D1367A}"/>
+                <a16:creationId xmlns:a16="http://schemas.microsoft.com/office/drawing/2014/main" id="{D0A7967F-0719-7664-FDBE-E9B027F69E76}"/>
               </a:ext>
             </a:extLst>
           </p:cNvPr>
@@ -12730,15 +13343,7 @@
           <a:bodyPr/>
           <a:lstStyle/>
           <a:p>
-            <a:r>
-              <a:rPr lang="en-US" b="1" dirty="0">
-                <a:solidFill>
-                  <a:srgbClr val="0070C0"/>
-                </a:solidFill>
-              </a:rPr>
-              <a:t>[. . .]</a:t>
-            </a:r>
-            <a:endParaRPr lang="en-US" dirty="0"/>
+            <a:endParaRPr lang="en-US"/>
           </a:p>
         </p:txBody>
       </p:sp>
@@ -12747,7 +13352,7 @@
           <p:cNvPr id="4" name="Text Placeholder 3">
             <a:extLst>
               <a:ext uri="{FF2B5EF4-FFF2-40B4-BE49-F238E27FC236}">
-                <a16:creationId xmlns:a16="http://schemas.microsoft.com/office/drawing/2014/main" id="{4C76ECD3-A9EC-7D3B-F7AA-177C450D1EC0}"/>
+                <a16:creationId xmlns:a16="http://schemas.microsoft.com/office/drawing/2014/main" id="{CCB5367C-BFB6-054D-1E25-FC8CBB0DCA3E}"/>
               </a:ext>
             </a:extLst>
           </p:cNvPr>
@@ -12763,17 +13368,14 @@
           <a:bodyPr/>
           <a:lstStyle/>
           <a:p>
-            <a:r>
-              <a:rPr lang="en-US" dirty="0"/>
-              <a:t>Security, Data Integrity,  Monitoring/Logging, and Scalability</a:t>
-            </a:r>
+            <a:endParaRPr lang="en-US"/>
           </a:p>
         </p:txBody>
       </p:sp>
     </p:spTree>
     <p:extLst>
       <p:ext uri="{BB962C8B-B14F-4D97-AF65-F5344CB8AC3E}">
-        <p14:creationId xmlns:p14="http://schemas.microsoft.com/office/powerpoint/2010/main" val="598757014"/>
+        <p14:creationId xmlns:p14="http://schemas.microsoft.com/office/powerpoint/2010/main" val="3417225103"/>
       </p:ext>
     </p:extLst>
   </p:cSld>
@@ -12786,14 +13388,6 @@
 <file path=ppt/slides/slide8.xml><?xml version="1.0" encoding="utf-8"?>
 <p:sld xmlns:a="http://schemas.openxmlformats.org/drawingml/2006/main" xmlns:r="http://schemas.openxmlformats.org/officeDocument/2006/relationships" xmlns:p="http://schemas.openxmlformats.org/presentationml/2006/main">
   <p:cSld>
-    <p:bg>
-      <p:bgPr>
-        <a:solidFill>
-          <a:srgbClr val="0070C0"/>
-        </a:solidFill>
-        <a:effectLst/>
-      </p:bgPr>
-    </p:bg>
     <p:spTree>
       <p:nvGrpSpPr>
         <p:cNvPr id="1" name=""/>
@@ -12810,10 +13404,35 @@
       </p:grpSpPr>
       <p:sp>
         <p:nvSpPr>
-          <p:cNvPr id="6" name="Text Placeholder 5">
+          <p:cNvPr id="2" name="Title 1">
             <a:extLst>
               <a:ext uri="{FF2B5EF4-FFF2-40B4-BE49-F238E27FC236}">
-                <a16:creationId xmlns:a16="http://schemas.microsoft.com/office/drawing/2014/main" id="{76E1A64D-88C5-7154-6D66-8D8FBD6AC959}"/>
+                <a16:creationId xmlns:a16="http://schemas.microsoft.com/office/drawing/2014/main" id="{D81C52E9-D720-085B-1A16-31A7A8A90427}"/>
+              </a:ext>
+            </a:extLst>
+          </p:cNvPr>
+          <p:cNvSpPr>
+            <a:spLocks noGrp="1"/>
+          </p:cNvSpPr>
+          <p:nvPr>
+            <p:ph type="title"/>
+          </p:nvPr>
+        </p:nvSpPr>
+        <p:spPr/>
+        <p:txBody>
+          <a:bodyPr/>
+          <a:lstStyle/>
+          <a:p>
+            <a:endParaRPr lang="en-US"/>
+          </a:p>
+        </p:txBody>
+      </p:sp>
+      <p:sp>
+        <p:nvSpPr>
+          <p:cNvPr id="3" name="Text Placeholder 2">
+            <a:extLst>
+              <a:ext uri="{FF2B5EF4-FFF2-40B4-BE49-F238E27FC236}">
+                <a16:creationId xmlns:a16="http://schemas.microsoft.com/office/drawing/2014/main" id="{69ABCC34-62D1-CBAC-C4DB-2FC1762E9416}"/>
               </a:ext>
             </a:extLst>
           </p:cNvPr>
@@ -12824,34 +13443,44 @@
             <p:ph type="body" idx="1"/>
           </p:nvPr>
         </p:nvSpPr>
-        <p:spPr>
-          <a:xfrm>
-            <a:off x="609600" y="1108710"/>
-            <a:ext cx="7924800" cy="2933700"/>
-          </a:xfrm>
-        </p:spPr>
+        <p:spPr/>
         <p:txBody>
-          <a:bodyPr anchor="ctr"/>
+          <a:bodyPr/>
           <a:lstStyle/>
           <a:p>
-            <a:pPr marL="114300" indent="0" algn="ctr">
-              <a:buNone/>
-            </a:pPr>
-            <a:r>
-              <a:rPr lang="en-US" sz="5400" b="1" dirty="0">
-                <a:solidFill>
-                  <a:schemeClr val="bg1"/>
-                </a:solidFill>
-              </a:rPr>
-              <a:t>Demo</a:t>
-            </a:r>
+            <a:endParaRPr lang="en-US"/>
+          </a:p>
+        </p:txBody>
+      </p:sp>
+      <p:sp>
+        <p:nvSpPr>
+          <p:cNvPr id="4" name="Text Placeholder 3">
+            <a:extLst>
+              <a:ext uri="{FF2B5EF4-FFF2-40B4-BE49-F238E27FC236}">
+                <a16:creationId xmlns:a16="http://schemas.microsoft.com/office/drawing/2014/main" id="{3795E638-BBC7-2FE5-AF91-50D5DBAF80A5}"/>
+              </a:ext>
+            </a:extLst>
+          </p:cNvPr>
+          <p:cNvSpPr>
+            <a:spLocks noGrp="1"/>
+          </p:cNvSpPr>
+          <p:nvPr>
+            <p:ph type="body" sz="quarter" idx="13"/>
+          </p:nvPr>
+        </p:nvSpPr>
+        <p:spPr/>
+        <p:txBody>
+          <a:bodyPr/>
+          <a:lstStyle/>
+          <a:p>
+            <a:endParaRPr lang="en-US"/>
           </a:p>
         </p:txBody>
       </p:sp>
     </p:spTree>
     <p:extLst>
       <p:ext uri="{BB962C8B-B14F-4D97-AF65-F5344CB8AC3E}">
-        <p14:creationId xmlns:p14="http://schemas.microsoft.com/office/powerpoint/2010/main" val="3855147692"/>
+        <p14:creationId xmlns:p14="http://schemas.microsoft.com/office/powerpoint/2010/main" val="2140171740"/>
       </p:ext>
     </p:extLst>
   </p:cSld>
@@ -12883,7 +13512,7 @@
           <p:cNvPr id="2" name="Title 1">
             <a:extLst>
               <a:ext uri="{FF2B5EF4-FFF2-40B4-BE49-F238E27FC236}">
-                <a16:creationId xmlns:a16="http://schemas.microsoft.com/office/drawing/2014/main" id="{29B56964-9D4C-6884-2DC5-721286929ED9}"/>
+                <a16:creationId xmlns:a16="http://schemas.microsoft.com/office/drawing/2014/main" id="{4F21118F-D9C2-8567-7F1B-B61EE187E7D1}"/>
               </a:ext>
             </a:extLst>
           </p:cNvPr>
@@ -12899,10 +13528,7 @@
           <a:bodyPr/>
           <a:lstStyle/>
           <a:p>
-            <a:r>
-              <a:rPr lang="en-US" dirty="0"/>
-              <a:t>Wrap-up</a:t>
-            </a:r>
+            <a:endParaRPr lang="en-US"/>
           </a:p>
         </p:txBody>
       </p:sp>
@@ -12911,7 +13537,7 @@
           <p:cNvPr id="3" name="Text Placeholder 2">
             <a:extLst>
               <a:ext uri="{FF2B5EF4-FFF2-40B4-BE49-F238E27FC236}">
-                <a16:creationId xmlns:a16="http://schemas.microsoft.com/office/drawing/2014/main" id="{44621436-45F4-61DA-39DC-7652C20CBFB9}"/>
+                <a16:creationId xmlns:a16="http://schemas.microsoft.com/office/drawing/2014/main" id="{FCB026AC-287D-D558-74D2-066D80E7389B}"/>
               </a:ext>
             </a:extLst>
           </p:cNvPr>
@@ -12927,10 +13553,7 @@
           <a:bodyPr/>
           <a:lstStyle/>
           <a:p>
-            <a:r>
-              <a:rPr lang="en-US" dirty="0"/>
-              <a:t>[. . .]</a:t>
-            </a:r>
+            <a:endParaRPr lang="en-US"/>
           </a:p>
         </p:txBody>
       </p:sp>
@@ -12939,7 +13562,7 @@
           <p:cNvPr id="4" name="Text Placeholder 3">
             <a:extLst>
               <a:ext uri="{FF2B5EF4-FFF2-40B4-BE49-F238E27FC236}">
-                <a16:creationId xmlns:a16="http://schemas.microsoft.com/office/drawing/2014/main" id="{602DA5C9-7D0B-F552-7ACC-2C6B73997A14}"/>
+                <a16:creationId xmlns:a16="http://schemas.microsoft.com/office/drawing/2014/main" id="{AED843FE-8A4B-5417-F74D-3A9D65069404}"/>
               </a:ext>
             </a:extLst>
           </p:cNvPr>
@@ -12955,23 +13578,14 @@
           <a:bodyPr/>
           <a:lstStyle/>
           <a:p>
-            <a:r>
-              <a:rPr lang="en-US" dirty="0"/>
-              <a:t>Gaps and</a:t>
-            </a:r>
-          </a:p>
-          <a:p>
-            <a:r>
-              <a:rPr lang="en-US" dirty="0"/>
-              <a:t>extensibility</a:t>
-            </a:r>
+            <a:endParaRPr lang="en-US"/>
           </a:p>
         </p:txBody>
       </p:sp>
     </p:spTree>
     <p:extLst>
       <p:ext uri="{BB962C8B-B14F-4D97-AF65-F5344CB8AC3E}">
-        <p14:creationId xmlns:p14="http://schemas.microsoft.com/office/powerpoint/2010/main" val="3241294105"/>
+        <p14:creationId xmlns:p14="http://schemas.microsoft.com/office/powerpoint/2010/main" val="3859873225"/>
       </p:ext>
     </p:extLst>
   </p:cSld>

--- a/docs/ADS507-Team6-Final-Project-Presentation.pptx
+++ b/docs/ADS507-Team6-Final-Project-Presentation.pptx
@@ -5,7 +5,7 @@
     <p:sldMasterId id="2147483661" r:id="rId1"/>
   </p:sldMasterIdLst>
   <p:notesMasterIdLst>
-    <p:notesMasterId r:id="rId17"/>
+    <p:notesMasterId r:id="rId19"/>
   </p:notesMasterIdLst>
   <p:sldIdLst>
     <p:sldId id="335" r:id="rId2"/>
@@ -13,16 +13,18 @@
     <p:sldId id="369" r:id="rId4"/>
     <p:sldId id="379" r:id="rId5"/>
     <p:sldId id="381" r:id="rId6"/>
-    <p:sldId id="388" r:id="rId7"/>
-    <p:sldId id="389" r:id="rId8"/>
-    <p:sldId id="392" r:id="rId9"/>
-    <p:sldId id="390" r:id="rId10"/>
-    <p:sldId id="391" r:id="rId11"/>
-    <p:sldId id="382" r:id="rId12"/>
-    <p:sldId id="385" r:id="rId13"/>
-    <p:sldId id="386" r:id="rId14"/>
-    <p:sldId id="387" r:id="rId15"/>
-    <p:sldId id="367" r:id="rId16"/>
+    <p:sldId id="382" r:id="rId7"/>
+    <p:sldId id="385" r:id="rId8"/>
+    <p:sldId id="388" r:id="rId9"/>
+    <p:sldId id="393" r:id="rId10"/>
+    <p:sldId id="394" r:id="rId11"/>
+    <p:sldId id="389" r:id="rId12"/>
+    <p:sldId id="392" r:id="rId13"/>
+    <p:sldId id="390" r:id="rId14"/>
+    <p:sldId id="391" r:id="rId15"/>
+    <p:sldId id="386" r:id="rId16"/>
+    <p:sldId id="387" r:id="rId17"/>
+    <p:sldId id="367" r:id="rId18"/>
   </p:sldIdLst>
   <p:sldSz cx="9144000" cy="5143500" type="screen16x9"/>
   <p:notesSz cx="6858000" cy="9144000"/>
@@ -9894,6 +9896,426 @@
           <p:cNvPr id="2" name="Title 1">
             <a:extLst>
               <a:ext uri="{FF2B5EF4-FFF2-40B4-BE49-F238E27FC236}">
+                <a16:creationId xmlns:a16="http://schemas.microsoft.com/office/drawing/2014/main" id="{D0C27350-FE75-4AA5-B47F-D983BA54FCAA}"/>
+              </a:ext>
+            </a:extLst>
+          </p:cNvPr>
+          <p:cNvSpPr>
+            <a:spLocks noGrp="1"/>
+          </p:cNvSpPr>
+          <p:nvPr>
+            <p:ph type="title"/>
+          </p:nvPr>
+        </p:nvSpPr>
+        <p:spPr/>
+        <p:txBody>
+          <a:bodyPr/>
+          <a:lstStyle/>
+          <a:p>
+            <a:endParaRPr lang="en-US"/>
+          </a:p>
+        </p:txBody>
+      </p:sp>
+      <p:sp>
+        <p:nvSpPr>
+          <p:cNvPr id="3" name="Text Placeholder 2">
+            <a:extLst>
+              <a:ext uri="{FF2B5EF4-FFF2-40B4-BE49-F238E27FC236}">
+                <a16:creationId xmlns:a16="http://schemas.microsoft.com/office/drawing/2014/main" id="{60C0CB7C-7680-4211-8B46-21EB4280DE1C}"/>
+              </a:ext>
+            </a:extLst>
+          </p:cNvPr>
+          <p:cNvSpPr>
+            <a:spLocks noGrp="1"/>
+          </p:cNvSpPr>
+          <p:nvPr>
+            <p:ph type="body" idx="1"/>
+          </p:nvPr>
+        </p:nvSpPr>
+        <p:spPr/>
+        <p:txBody>
+          <a:bodyPr/>
+          <a:lstStyle/>
+          <a:p>
+            <a:endParaRPr lang="en-US"/>
+          </a:p>
+        </p:txBody>
+      </p:sp>
+      <p:sp>
+        <p:nvSpPr>
+          <p:cNvPr id="4" name="Text Placeholder 3">
+            <a:extLst>
+              <a:ext uri="{FF2B5EF4-FFF2-40B4-BE49-F238E27FC236}">
+                <a16:creationId xmlns:a16="http://schemas.microsoft.com/office/drawing/2014/main" id="{32492311-84CB-5A87-1C76-6126A878EF02}"/>
+              </a:ext>
+            </a:extLst>
+          </p:cNvPr>
+          <p:cNvSpPr>
+            <a:spLocks noGrp="1"/>
+          </p:cNvSpPr>
+          <p:nvPr>
+            <p:ph type="body" sz="quarter" idx="13"/>
+          </p:nvPr>
+        </p:nvSpPr>
+        <p:spPr/>
+        <p:txBody>
+          <a:bodyPr/>
+          <a:lstStyle/>
+          <a:p>
+            <a:endParaRPr lang="en-US"/>
+          </a:p>
+        </p:txBody>
+      </p:sp>
+    </p:spTree>
+    <p:extLst>
+      <p:ext uri="{BB962C8B-B14F-4D97-AF65-F5344CB8AC3E}">
+        <p14:creationId xmlns:p14="http://schemas.microsoft.com/office/powerpoint/2010/main" val="463853195"/>
+      </p:ext>
+    </p:extLst>
+  </p:cSld>
+  <p:clrMapOvr>
+    <a:masterClrMapping/>
+  </p:clrMapOvr>
+</p:sld>
+</file>
+
+<file path=ppt/slides/slide11.xml><?xml version="1.0" encoding="utf-8"?>
+<p:sld xmlns:a="http://schemas.openxmlformats.org/drawingml/2006/main" xmlns:r="http://schemas.openxmlformats.org/officeDocument/2006/relationships" xmlns:p="http://schemas.openxmlformats.org/presentationml/2006/main">
+  <p:cSld>
+    <p:spTree>
+      <p:nvGrpSpPr>
+        <p:cNvPr id="1" name=""/>
+        <p:cNvGrpSpPr/>
+        <p:nvPr/>
+      </p:nvGrpSpPr>
+      <p:grpSpPr>
+        <a:xfrm>
+          <a:off x="0" y="0"/>
+          <a:ext cx="0" cy="0"/>
+          <a:chOff x="0" y="0"/>
+          <a:chExt cx="0" cy="0"/>
+        </a:xfrm>
+      </p:grpSpPr>
+      <p:sp>
+        <p:nvSpPr>
+          <p:cNvPr id="2" name="Title 1">
+            <a:extLst>
+              <a:ext uri="{FF2B5EF4-FFF2-40B4-BE49-F238E27FC236}">
+                <a16:creationId xmlns:a16="http://schemas.microsoft.com/office/drawing/2014/main" id="{2B44E82B-FE50-CCCF-25D2-53862CAFFBFF}"/>
+              </a:ext>
+            </a:extLst>
+          </p:cNvPr>
+          <p:cNvSpPr>
+            <a:spLocks noGrp="1"/>
+          </p:cNvSpPr>
+          <p:nvPr>
+            <p:ph type="title"/>
+          </p:nvPr>
+        </p:nvSpPr>
+        <p:spPr/>
+        <p:txBody>
+          <a:bodyPr/>
+          <a:lstStyle/>
+          <a:p>
+            <a:endParaRPr lang="en-US"/>
+          </a:p>
+        </p:txBody>
+      </p:sp>
+      <p:sp>
+        <p:nvSpPr>
+          <p:cNvPr id="3" name="Text Placeholder 2">
+            <a:extLst>
+              <a:ext uri="{FF2B5EF4-FFF2-40B4-BE49-F238E27FC236}">
+                <a16:creationId xmlns:a16="http://schemas.microsoft.com/office/drawing/2014/main" id="{D0A7967F-0719-7664-FDBE-E9B027F69E76}"/>
+              </a:ext>
+            </a:extLst>
+          </p:cNvPr>
+          <p:cNvSpPr>
+            <a:spLocks noGrp="1"/>
+          </p:cNvSpPr>
+          <p:nvPr>
+            <p:ph type="body" idx="1"/>
+          </p:nvPr>
+        </p:nvSpPr>
+        <p:spPr/>
+        <p:txBody>
+          <a:bodyPr/>
+          <a:lstStyle/>
+          <a:p>
+            <a:endParaRPr lang="en-US"/>
+          </a:p>
+        </p:txBody>
+      </p:sp>
+      <p:sp>
+        <p:nvSpPr>
+          <p:cNvPr id="4" name="Text Placeholder 3">
+            <a:extLst>
+              <a:ext uri="{FF2B5EF4-FFF2-40B4-BE49-F238E27FC236}">
+                <a16:creationId xmlns:a16="http://schemas.microsoft.com/office/drawing/2014/main" id="{CCB5367C-BFB6-054D-1E25-FC8CBB0DCA3E}"/>
+              </a:ext>
+            </a:extLst>
+          </p:cNvPr>
+          <p:cNvSpPr>
+            <a:spLocks noGrp="1"/>
+          </p:cNvSpPr>
+          <p:nvPr>
+            <p:ph type="body" sz="quarter" idx="13"/>
+          </p:nvPr>
+        </p:nvSpPr>
+        <p:spPr/>
+        <p:txBody>
+          <a:bodyPr/>
+          <a:lstStyle/>
+          <a:p>
+            <a:endParaRPr lang="en-US"/>
+          </a:p>
+        </p:txBody>
+      </p:sp>
+    </p:spTree>
+    <p:extLst>
+      <p:ext uri="{BB962C8B-B14F-4D97-AF65-F5344CB8AC3E}">
+        <p14:creationId xmlns:p14="http://schemas.microsoft.com/office/powerpoint/2010/main" val="3417225103"/>
+      </p:ext>
+    </p:extLst>
+  </p:cSld>
+  <p:clrMapOvr>
+    <a:masterClrMapping/>
+  </p:clrMapOvr>
+</p:sld>
+</file>
+
+<file path=ppt/slides/slide12.xml><?xml version="1.0" encoding="utf-8"?>
+<p:sld xmlns:a="http://schemas.openxmlformats.org/drawingml/2006/main" xmlns:r="http://schemas.openxmlformats.org/officeDocument/2006/relationships" xmlns:p="http://schemas.openxmlformats.org/presentationml/2006/main">
+  <p:cSld>
+    <p:spTree>
+      <p:nvGrpSpPr>
+        <p:cNvPr id="1" name=""/>
+        <p:cNvGrpSpPr/>
+        <p:nvPr/>
+      </p:nvGrpSpPr>
+      <p:grpSpPr>
+        <a:xfrm>
+          <a:off x="0" y="0"/>
+          <a:ext cx="0" cy="0"/>
+          <a:chOff x="0" y="0"/>
+          <a:chExt cx="0" cy="0"/>
+        </a:xfrm>
+      </p:grpSpPr>
+      <p:sp>
+        <p:nvSpPr>
+          <p:cNvPr id="2" name="Title 1">
+            <a:extLst>
+              <a:ext uri="{FF2B5EF4-FFF2-40B4-BE49-F238E27FC236}">
+                <a16:creationId xmlns:a16="http://schemas.microsoft.com/office/drawing/2014/main" id="{D81C52E9-D720-085B-1A16-31A7A8A90427}"/>
+              </a:ext>
+            </a:extLst>
+          </p:cNvPr>
+          <p:cNvSpPr>
+            <a:spLocks noGrp="1"/>
+          </p:cNvSpPr>
+          <p:nvPr>
+            <p:ph type="title"/>
+          </p:nvPr>
+        </p:nvSpPr>
+        <p:spPr/>
+        <p:txBody>
+          <a:bodyPr/>
+          <a:lstStyle/>
+          <a:p>
+            <a:endParaRPr lang="en-US"/>
+          </a:p>
+        </p:txBody>
+      </p:sp>
+      <p:sp>
+        <p:nvSpPr>
+          <p:cNvPr id="3" name="Text Placeholder 2">
+            <a:extLst>
+              <a:ext uri="{FF2B5EF4-FFF2-40B4-BE49-F238E27FC236}">
+                <a16:creationId xmlns:a16="http://schemas.microsoft.com/office/drawing/2014/main" id="{69ABCC34-62D1-CBAC-C4DB-2FC1762E9416}"/>
+              </a:ext>
+            </a:extLst>
+          </p:cNvPr>
+          <p:cNvSpPr>
+            <a:spLocks noGrp="1"/>
+          </p:cNvSpPr>
+          <p:nvPr>
+            <p:ph type="body" idx="1"/>
+          </p:nvPr>
+        </p:nvSpPr>
+        <p:spPr/>
+        <p:txBody>
+          <a:bodyPr/>
+          <a:lstStyle/>
+          <a:p>
+            <a:endParaRPr lang="en-US"/>
+          </a:p>
+        </p:txBody>
+      </p:sp>
+      <p:sp>
+        <p:nvSpPr>
+          <p:cNvPr id="4" name="Text Placeholder 3">
+            <a:extLst>
+              <a:ext uri="{FF2B5EF4-FFF2-40B4-BE49-F238E27FC236}">
+                <a16:creationId xmlns:a16="http://schemas.microsoft.com/office/drawing/2014/main" id="{3795E638-BBC7-2FE5-AF91-50D5DBAF80A5}"/>
+              </a:ext>
+            </a:extLst>
+          </p:cNvPr>
+          <p:cNvSpPr>
+            <a:spLocks noGrp="1"/>
+          </p:cNvSpPr>
+          <p:nvPr>
+            <p:ph type="body" sz="quarter" idx="13"/>
+          </p:nvPr>
+        </p:nvSpPr>
+        <p:spPr/>
+        <p:txBody>
+          <a:bodyPr/>
+          <a:lstStyle/>
+          <a:p>
+            <a:endParaRPr lang="en-US"/>
+          </a:p>
+        </p:txBody>
+      </p:sp>
+    </p:spTree>
+    <p:extLst>
+      <p:ext uri="{BB962C8B-B14F-4D97-AF65-F5344CB8AC3E}">
+        <p14:creationId xmlns:p14="http://schemas.microsoft.com/office/powerpoint/2010/main" val="2140171740"/>
+      </p:ext>
+    </p:extLst>
+  </p:cSld>
+  <p:clrMapOvr>
+    <a:masterClrMapping/>
+  </p:clrMapOvr>
+</p:sld>
+</file>
+
+<file path=ppt/slides/slide13.xml><?xml version="1.0" encoding="utf-8"?>
+<p:sld xmlns:a="http://schemas.openxmlformats.org/drawingml/2006/main" xmlns:r="http://schemas.openxmlformats.org/officeDocument/2006/relationships" xmlns:p="http://schemas.openxmlformats.org/presentationml/2006/main">
+  <p:cSld>
+    <p:spTree>
+      <p:nvGrpSpPr>
+        <p:cNvPr id="1" name=""/>
+        <p:cNvGrpSpPr/>
+        <p:nvPr/>
+      </p:nvGrpSpPr>
+      <p:grpSpPr>
+        <a:xfrm>
+          <a:off x="0" y="0"/>
+          <a:ext cx="0" cy="0"/>
+          <a:chOff x="0" y="0"/>
+          <a:chExt cx="0" cy="0"/>
+        </a:xfrm>
+      </p:grpSpPr>
+      <p:sp>
+        <p:nvSpPr>
+          <p:cNvPr id="2" name="Title 1">
+            <a:extLst>
+              <a:ext uri="{FF2B5EF4-FFF2-40B4-BE49-F238E27FC236}">
+                <a16:creationId xmlns:a16="http://schemas.microsoft.com/office/drawing/2014/main" id="{4F21118F-D9C2-8567-7F1B-B61EE187E7D1}"/>
+              </a:ext>
+            </a:extLst>
+          </p:cNvPr>
+          <p:cNvSpPr>
+            <a:spLocks noGrp="1"/>
+          </p:cNvSpPr>
+          <p:nvPr>
+            <p:ph type="title"/>
+          </p:nvPr>
+        </p:nvSpPr>
+        <p:spPr/>
+        <p:txBody>
+          <a:bodyPr/>
+          <a:lstStyle/>
+          <a:p>
+            <a:endParaRPr lang="en-US"/>
+          </a:p>
+        </p:txBody>
+      </p:sp>
+      <p:sp>
+        <p:nvSpPr>
+          <p:cNvPr id="3" name="Text Placeholder 2">
+            <a:extLst>
+              <a:ext uri="{FF2B5EF4-FFF2-40B4-BE49-F238E27FC236}">
+                <a16:creationId xmlns:a16="http://schemas.microsoft.com/office/drawing/2014/main" id="{FCB026AC-287D-D558-74D2-066D80E7389B}"/>
+              </a:ext>
+            </a:extLst>
+          </p:cNvPr>
+          <p:cNvSpPr>
+            <a:spLocks noGrp="1"/>
+          </p:cNvSpPr>
+          <p:nvPr>
+            <p:ph type="body" idx="1"/>
+          </p:nvPr>
+        </p:nvSpPr>
+        <p:spPr/>
+        <p:txBody>
+          <a:bodyPr/>
+          <a:lstStyle/>
+          <a:p>
+            <a:endParaRPr lang="en-US"/>
+          </a:p>
+        </p:txBody>
+      </p:sp>
+      <p:sp>
+        <p:nvSpPr>
+          <p:cNvPr id="4" name="Text Placeholder 3">
+            <a:extLst>
+              <a:ext uri="{FF2B5EF4-FFF2-40B4-BE49-F238E27FC236}">
+                <a16:creationId xmlns:a16="http://schemas.microsoft.com/office/drawing/2014/main" id="{AED843FE-8A4B-5417-F74D-3A9D65069404}"/>
+              </a:ext>
+            </a:extLst>
+          </p:cNvPr>
+          <p:cNvSpPr>
+            <a:spLocks noGrp="1"/>
+          </p:cNvSpPr>
+          <p:nvPr>
+            <p:ph type="body" sz="quarter" idx="13"/>
+          </p:nvPr>
+        </p:nvSpPr>
+        <p:spPr/>
+        <p:txBody>
+          <a:bodyPr/>
+          <a:lstStyle/>
+          <a:p>
+            <a:endParaRPr lang="en-US"/>
+          </a:p>
+        </p:txBody>
+      </p:sp>
+    </p:spTree>
+    <p:extLst>
+      <p:ext uri="{BB962C8B-B14F-4D97-AF65-F5344CB8AC3E}">
+        <p14:creationId xmlns:p14="http://schemas.microsoft.com/office/powerpoint/2010/main" val="3859873225"/>
+      </p:ext>
+    </p:extLst>
+  </p:cSld>
+  <p:clrMapOvr>
+    <a:masterClrMapping/>
+  </p:clrMapOvr>
+</p:sld>
+</file>
+
+<file path=ppt/slides/slide14.xml><?xml version="1.0" encoding="utf-8"?>
+<p:sld xmlns:a="http://schemas.openxmlformats.org/drawingml/2006/main" xmlns:r="http://schemas.openxmlformats.org/officeDocument/2006/relationships" xmlns:p="http://schemas.openxmlformats.org/presentationml/2006/main">
+  <p:cSld>
+    <p:spTree>
+      <p:nvGrpSpPr>
+        <p:cNvPr id="1" name=""/>
+        <p:cNvGrpSpPr/>
+        <p:nvPr/>
+      </p:nvGrpSpPr>
+      <p:grpSpPr>
+        <a:xfrm>
+          <a:off x="0" y="0"/>
+          <a:ext cx="0" cy="0"/>
+          <a:chOff x="0" y="0"/>
+          <a:chExt cx="0" cy="0"/>
+        </a:xfrm>
+      </p:grpSpPr>
+      <p:sp>
+        <p:nvSpPr>
+          <p:cNvPr id="2" name="Title 1">
+            <a:extLst>
+              <a:ext uri="{FF2B5EF4-FFF2-40B4-BE49-F238E27FC236}">
                 <a16:creationId xmlns:a16="http://schemas.microsoft.com/office/drawing/2014/main" id="{58ACDD3C-8F64-20B1-72FA-3CD1A4B7A3E8}"/>
               </a:ext>
             </a:extLst>
@@ -9977,221 +10399,7 @@
 </p:sld>
 </file>
 
-<file path=ppt/slides/slide11.xml><?xml version="1.0" encoding="utf-8"?>
-<p:sld xmlns:a="http://schemas.openxmlformats.org/drawingml/2006/main" xmlns:r="http://schemas.openxmlformats.org/officeDocument/2006/relationships" xmlns:p="http://schemas.openxmlformats.org/presentationml/2006/main">
-  <p:cSld>
-    <p:spTree>
-      <p:nvGrpSpPr>
-        <p:cNvPr id="1" name=""/>
-        <p:cNvGrpSpPr/>
-        <p:nvPr/>
-      </p:nvGrpSpPr>
-      <p:grpSpPr>
-        <a:xfrm>
-          <a:off x="0" y="0"/>
-          <a:ext cx="0" cy="0"/>
-          <a:chOff x="0" y="0"/>
-          <a:chExt cx="0" cy="0"/>
-        </a:xfrm>
-      </p:grpSpPr>
-      <p:sp>
-        <p:nvSpPr>
-          <p:cNvPr id="2" name="Title 1">
-            <a:extLst>
-              <a:ext uri="{FF2B5EF4-FFF2-40B4-BE49-F238E27FC236}">
-                <a16:creationId xmlns:a16="http://schemas.microsoft.com/office/drawing/2014/main" id="{01DA1016-D399-82F8-F71E-0896B423BBEE}"/>
-              </a:ext>
-            </a:extLst>
-          </p:cNvPr>
-          <p:cNvSpPr>
-            <a:spLocks noGrp="1"/>
-          </p:cNvSpPr>
-          <p:nvPr>
-            <p:ph type="title"/>
-          </p:nvPr>
-        </p:nvSpPr>
-        <p:spPr/>
-        <p:txBody>
-          <a:bodyPr/>
-          <a:lstStyle/>
-          <a:p>
-            <a:r>
-              <a:rPr lang="en-US" dirty="0"/>
-              <a:t>BIS Database Design</a:t>
-            </a:r>
-            <a:br>
-              <a:rPr lang="en-US" dirty="0"/>
-            </a:br>
-            <a:r>
-              <a:rPr lang="en-US" sz="1800" b="0" dirty="0"/>
-              <a:t>Entity Relationship Diagram (ERD)</a:t>
-            </a:r>
-          </a:p>
-        </p:txBody>
-      </p:sp>
-      <p:pic>
-        <p:nvPicPr>
-          <p:cNvPr id="5" name="Picture 4" descr="Graphical user interface, text, chat or text message&#10;&#10;Description automatically generated">
-            <a:extLst>
-              <a:ext uri="{FF2B5EF4-FFF2-40B4-BE49-F238E27FC236}">
-                <a16:creationId xmlns:a16="http://schemas.microsoft.com/office/drawing/2014/main" id="{F959423A-573B-02A6-1C5C-126E54AA94AE}"/>
-              </a:ext>
-            </a:extLst>
-          </p:cNvPr>
-          <p:cNvPicPr>
-            <a:picLocks noChangeAspect="1"/>
-          </p:cNvPicPr>
-          <p:nvPr/>
-        </p:nvPicPr>
-        <p:blipFill>
-          <a:blip r:embed="rId2"/>
-          <a:stretch>
-            <a:fillRect/>
-          </a:stretch>
-        </p:blipFill>
-        <p:spPr>
-          <a:xfrm>
-            <a:off x="685800" y="1511351"/>
-            <a:ext cx="7772400" cy="3300679"/>
-          </a:xfrm>
-          <a:prstGeom prst="rect">
-            <a:avLst/>
-          </a:prstGeom>
-        </p:spPr>
-      </p:pic>
-    </p:spTree>
-    <p:extLst>
-      <p:ext uri="{BB962C8B-B14F-4D97-AF65-F5344CB8AC3E}">
-        <p14:creationId xmlns:p14="http://schemas.microsoft.com/office/powerpoint/2010/main" val="2889169274"/>
-      </p:ext>
-    </p:extLst>
-  </p:cSld>
-  <p:clrMapOvr>
-    <a:masterClrMapping/>
-  </p:clrMapOvr>
-</p:sld>
-</file>
-
-<file path=ppt/slides/slide12.xml><?xml version="1.0" encoding="utf-8"?>
-<p:sld xmlns:a="http://schemas.openxmlformats.org/drawingml/2006/main" xmlns:r="http://schemas.openxmlformats.org/officeDocument/2006/relationships" xmlns:p="http://schemas.openxmlformats.org/presentationml/2006/main">
-  <p:cSld>
-    <p:spTree>
-      <p:nvGrpSpPr>
-        <p:cNvPr id="1" name=""/>
-        <p:cNvGrpSpPr/>
-        <p:nvPr/>
-      </p:nvGrpSpPr>
-      <p:grpSpPr>
-        <a:xfrm>
-          <a:off x="0" y="0"/>
-          <a:ext cx="0" cy="0"/>
-          <a:chOff x="0" y="0"/>
-          <a:chExt cx="0" cy="0"/>
-        </a:xfrm>
-      </p:grpSpPr>
-      <p:sp>
-        <p:nvSpPr>
-          <p:cNvPr id="2" name="Title 1">
-            <a:extLst>
-              <a:ext uri="{FF2B5EF4-FFF2-40B4-BE49-F238E27FC236}">
-                <a16:creationId xmlns:a16="http://schemas.microsoft.com/office/drawing/2014/main" id="{A3EB6526-8724-A3D5-A201-D5C7D8E3D20C}"/>
-              </a:ext>
-            </a:extLst>
-          </p:cNvPr>
-          <p:cNvSpPr>
-            <a:spLocks noGrp="1"/>
-          </p:cNvSpPr>
-          <p:nvPr>
-            <p:ph type="title"/>
-          </p:nvPr>
-        </p:nvSpPr>
-        <p:spPr/>
-        <p:txBody>
-          <a:bodyPr/>
-          <a:lstStyle/>
-          <a:p>
-            <a:r>
-              <a:rPr lang="en-US" dirty="0"/>
-              <a:t>Non-Functionals</a:t>
-            </a:r>
-          </a:p>
-        </p:txBody>
-      </p:sp>
-      <p:sp>
-        <p:nvSpPr>
-          <p:cNvPr id="3" name="Text Placeholder 2">
-            <a:extLst>
-              <a:ext uri="{FF2B5EF4-FFF2-40B4-BE49-F238E27FC236}">
-                <a16:creationId xmlns:a16="http://schemas.microsoft.com/office/drawing/2014/main" id="{B4A10F44-7EFC-FDD9-C4C1-C1F3D4D1367A}"/>
-              </a:ext>
-            </a:extLst>
-          </p:cNvPr>
-          <p:cNvSpPr>
-            <a:spLocks noGrp="1"/>
-          </p:cNvSpPr>
-          <p:nvPr>
-            <p:ph type="body" idx="1"/>
-          </p:nvPr>
-        </p:nvSpPr>
-        <p:spPr/>
-        <p:txBody>
-          <a:bodyPr/>
-          <a:lstStyle/>
-          <a:p>
-            <a:r>
-              <a:rPr lang="en-US" b="1" dirty="0">
-                <a:solidFill>
-                  <a:srgbClr val="0070C0"/>
-                </a:solidFill>
-              </a:rPr>
-              <a:t>[. . .]</a:t>
-            </a:r>
-            <a:endParaRPr lang="en-US" dirty="0"/>
-          </a:p>
-        </p:txBody>
-      </p:sp>
-      <p:sp>
-        <p:nvSpPr>
-          <p:cNvPr id="4" name="Text Placeholder 3">
-            <a:extLst>
-              <a:ext uri="{FF2B5EF4-FFF2-40B4-BE49-F238E27FC236}">
-                <a16:creationId xmlns:a16="http://schemas.microsoft.com/office/drawing/2014/main" id="{4C76ECD3-A9EC-7D3B-F7AA-177C450D1EC0}"/>
-              </a:ext>
-            </a:extLst>
-          </p:cNvPr>
-          <p:cNvSpPr>
-            <a:spLocks noGrp="1"/>
-          </p:cNvSpPr>
-          <p:nvPr>
-            <p:ph type="body" sz="quarter" idx="13"/>
-          </p:nvPr>
-        </p:nvSpPr>
-        <p:spPr/>
-        <p:txBody>
-          <a:bodyPr/>
-          <a:lstStyle/>
-          <a:p>
-            <a:r>
-              <a:rPr lang="en-US" dirty="0"/>
-              <a:t>Security, Data Integrity,  Monitoring/Logging, and Scalability</a:t>
-            </a:r>
-          </a:p>
-        </p:txBody>
-      </p:sp>
-    </p:spTree>
-    <p:extLst>
-      <p:ext uri="{BB962C8B-B14F-4D97-AF65-F5344CB8AC3E}">
-        <p14:creationId xmlns:p14="http://schemas.microsoft.com/office/powerpoint/2010/main" val="598757014"/>
-      </p:ext>
-    </p:extLst>
-  </p:cSld>
-  <p:clrMapOvr>
-    <a:masterClrMapping/>
-  </p:clrMapOvr>
-</p:sld>
-</file>
-
-<file path=ppt/slides/slide13.xml><?xml version="1.0" encoding="utf-8"?>
+<file path=ppt/slides/slide15.xml><?xml version="1.0" encoding="utf-8"?>
 <p:sld xmlns:a="http://schemas.openxmlformats.org/drawingml/2006/main" xmlns:r="http://schemas.openxmlformats.org/officeDocument/2006/relationships" xmlns:p="http://schemas.openxmlformats.org/presentationml/2006/main">
   <p:cSld>
     <p:bg>
@@ -10269,7 +10477,7 @@
 </p:sld>
 </file>
 
-<file path=ppt/slides/slide14.xml><?xml version="1.0" encoding="utf-8"?>
+<file path=ppt/slides/slide16.xml><?xml version="1.0" encoding="utf-8"?>
 <p:sld xmlns:a="http://schemas.openxmlformats.org/drawingml/2006/main" xmlns:r="http://schemas.openxmlformats.org/officeDocument/2006/relationships" xmlns:p="http://schemas.openxmlformats.org/presentationml/2006/main">
   <p:cSld>
     <p:spTree>
@@ -10389,7 +10597,7 @@
 </p:sld>
 </file>
 
-<file path=ppt/slides/slide15.xml><?xml version="1.0" encoding="utf-8"?>
+<file path=ppt/slides/slide17.xml><?xml version="1.0" encoding="utf-8"?>
 <p:sld xmlns:a="http://schemas.openxmlformats.org/drawingml/2006/main" xmlns:r="http://schemas.openxmlformats.org/officeDocument/2006/relationships" xmlns:p="http://schemas.openxmlformats.org/presentationml/2006/main">
   <p:cSld>
     <p:spTree>
@@ -13197,6 +13405,220 @@
           <p:cNvPr id="2" name="Title 1">
             <a:extLst>
               <a:ext uri="{FF2B5EF4-FFF2-40B4-BE49-F238E27FC236}">
+                <a16:creationId xmlns:a16="http://schemas.microsoft.com/office/drawing/2014/main" id="{01DA1016-D399-82F8-F71E-0896B423BBEE}"/>
+              </a:ext>
+            </a:extLst>
+          </p:cNvPr>
+          <p:cNvSpPr>
+            <a:spLocks noGrp="1"/>
+          </p:cNvSpPr>
+          <p:nvPr>
+            <p:ph type="title"/>
+          </p:nvPr>
+        </p:nvSpPr>
+        <p:spPr/>
+        <p:txBody>
+          <a:bodyPr/>
+          <a:lstStyle/>
+          <a:p>
+            <a:r>
+              <a:rPr lang="en-US" dirty="0"/>
+              <a:t>BIS Database Design</a:t>
+            </a:r>
+            <a:br>
+              <a:rPr lang="en-US" dirty="0"/>
+            </a:br>
+            <a:r>
+              <a:rPr lang="en-US" sz="1800" b="0" dirty="0"/>
+              <a:t>Entity Relationship Diagram (ERD)</a:t>
+            </a:r>
+          </a:p>
+        </p:txBody>
+      </p:sp>
+      <p:pic>
+        <p:nvPicPr>
+          <p:cNvPr id="5" name="Picture 4" descr="Graphical user interface, text, chat or text message&#10;&#10;Description automatically generated">
+            <a:extLst>
+              <a:ext uri="{FF2B5EF4-FFF2-40B4-BE49-F238E27FC236}">
+                <a16:creationId xmlns:a16="http://schemas.microsoft.com/office/drawing/2014/main" id="{F959423A-573B-02A6-1C5C-126E54AA94AE}"/>
+              </a:ext>
+            </a:extLst>
+          </p:cNvPr>
+          <p:cNvPicPr>
+            <a:picLocks noChangeAspect="1"/>
+          </p:cNvPicPr>
+          <p:nvPr/>
+        </p:nvPicPr>
+        <p:blipFill>
+          <a:blip r:embed="rId2"/>
+          <a:stretch>
+            <a:fillRect/>
+          </a:stretch>
+        </p:blipFill>
+        <p:spPr>
+          <a:xfrm>
+            <a:off x="685800" y="1511351"/>
+            <a:ext cx="7772400" cy="3300679"/>
+          </a:xfrm>
+          <a:prstGeom prst="rect">
+            <a:avLst/>
+          </a:prstGeom>
+        </p:spPr>
+      </p:pic>
+    </p:spTree>
+    <p:extLst>
+      <p:ext uri="{BB962C8B-B14F-4D97-AF65-F5344CB8AC3E}">
+        <p14:creationId xmlns:p14="http://schemas.microsoft.com/office/powerpoint/2010/main" val="402095216"/>
+      </p:ext>
+    </p:extLst>
+  </p:cSld>
+  <p:clrMapOvr>
+    <a:masterClrMapping/>
+  </p:clrMapOvr>
+</p:sld>
+</file>
+
+<file path=ppt/slides/slide7.xml><?xml version="1.0" encoding="utf-8"?>
+<p:sld xmlns:a="http://schemas.openxmlformats.org/drawingml/2006/main" xmlns:r="http://schemas.openxmlformats.org/officeDocument/2006/relationships" xmlns:p="http://schemas.openxmlformats.org/presentationml/2006/main">
+  <p:cSld>
+    <p:spTree>
+      <p:nvGrpSpPr>
+        <p:cNvPr id="1" name=""/>
+        <p:cNvGrpSpPr/>
+        <p:nvPr/>
+      </p:nvGrpSpPr>
+      <p:grpSpPr>
+        <a:xfrm>
+          <a:off x="0" y="0"/>
+          <a:ext cx="0" cy="0"/>
+          <a:chOff x="0" y="0"/>
+          <a:chExt cx="0" cy="0"/>
+        </a:xfrm>
+      </p:grpSpPr>
+      <p:sp>
+        <p:nvSpPr>
+          <p:cNvPr id="2" name="Title 1">
+            <a:extLst>
+              <a:ext uri="{FF2B5EF4-FFF2-40B4-BE49-F238E27FC236}">
+                <a16:creationId xmlns:a16="http://schemas.microsoft.com/office/drawing/2014/main" id="{A3EB6526-8724-A3D5-A201-D5C7D8E3D20C}"/>
+              </a:ext>
+            </a:extLst>
+          </p:cNvPr>
+          <p:cNvSpPr>
+            <a:spLocks noGrp="1"/>
+          </p:cNvSpPr>
+          <p:nvPr>
+            <p:ph type="title"/>
+          </p:nvPr>
+        </p:nvSpPr>
+        <p:spPr/>
+        <p:txBody>
+          <a:bodyPr/>
+          <a:lstStyle/>
+          <a:p>
+            <a:r>
+              <a:rPr lang="en-US" dirty="0"/>
+              <a:t>Non-Functionals</a:t>
+            </a:r>
+          </a:p>
+        </p:txBody>
+      </p:sp>
+      <p:sp>
+        <p:nvSpPr>
+          <p:cNvPr id="3" name="Text Placeholder 2">
+            <a:extLst>
+              <a:ext uri="{FF2B5EF4-FFF2-40B4-BE49-F238E27FC236}">
+                <a16:creationId xmlns:a16="http://schemas.microsoft.com/office/drawing/2014/main" id="{B4A10F44-7EFC-FDD9-C4C1-C1F3D4D1367A}"/>
+              </a:ext>
+            </a:extLst>
+          </p:cNvPr>
+          <p:cNvSpPr>
+            <a:spLocks noGrp="1"/>
+          </p:cNvSpPr>
+          <p:nvPr>
+            <p:ph type="body" idx="1"/>
+          </p:nvPr>
+        </p:nvSpPr>
+        <p:spPr/>
+        <p:txBody>
+          <a:bodyPr/>
+          <a:lstStyle/>
+          <a:p>
+            <a:r>
+              <a:rPr lang="en-US" b="1" dirty="0">
+                <a:solidFill>
+                  <a:srgbClr val="0070C0"/>
+                </a:solidFill>
+              </a:rPr>
+              <a:t>[. . .]</a:t>
+            </a:r>
+            <a:endParaRPr lang="en-US" dirty="0"/>
+          </a:p>
+        </p:txBody>
+      </p:sp>
+      <p:sp>
+        <p:nvSpPr>
+          <p:cNvPr id="4" name="Text Placeholder 3">
+            <a:extLst>
+              <a:ext uri="{FF2B5EF4-FFF2-40B4-BE49-F238E27FC236}">
+                <a16:creationId xmlns:a16="http://schemas.microsoft.com/office/drawing/2014/main" id="{4C76ECD3-A9EC-7D3B-F7AA-177C450D1EC0}"/>
+              </a:ext>
+            </a:extLst>
+          </p:cNvPr>
+          <p:cNvSpPr>
+            <a:spLocks noGrp="1"/>
+          </p:cNvSpPr>
+          <p:nvPr>
+            <p:ph type="body" sz="quarter" idx="13"/>
+          </p:nvPr>
+        </p:nvSpPr>
+        <p:spPr/>
+        <p:txBody>
+          <a:bodyPr/>
+          <a:lstStyle/>
+          <a:p>
+            <a:r>
+              <a:rPr lang="en-US" dirty="0"/>
+              <a:t>Security, Data Integrity,  Monitoring/Logging, and Scalability</a:t>
+            </a:r>
+          </a:p>
+        </p:txBody>
+      </p:sp>
+    </p:spTree>
+    <p:extLst>
+      <p:ext uri="{BB962C8B-B14F-4D97-AF65-F5344CB8AC3E}">
+        <p14:creationId xmlns:p14="http://schemas.microsoft.com/office/powerpoint/2010/main" val="4247825863"/>
+      </p:ext>
+    </p:extLst>
+  </p:cSld>
+  <p:clrMapOvr>
+    <a:masterClrMapping/>
+  </p:clrMapOvr>
+</p:sld>
+</file>
+
+<file path=ppt/slides/slide8.xml><?xml version="1.0" encoding="utf-8"?>
+<p:sld xmlns:a="http://schemas.openxmlformats.org/drawingml/2006/main" xmlns:r="http://schemas.openxmlformats.org/officeDocument/2006/relationships" xmlns:p="http://schemas.openxmlformats.org/presentationml/2006/main">
+  <p:cSld>
+    <p:spTree>
+      <p:nvGrpSpPr>
+        <p:cNvPr id="1" name=""/>
+        <p:cNvGrpSpPr/>
+        <p:nvPr/>
+      </p:nvGrpSpPr>
+      <p:grpSpPr>
+        <a:xfrm>
+          <a:off x="0" y="0"/>
+          <a:ext cx="0" cy="0"/>
+          <a:chOff x="0" y="0"/>
+          <a:chExt cx="0" cy="0"/>
+        </a:xfrm>
+      </p:grpSpPr>
+      <p:sp>
+        <p:nvSpPr>
+          <p:cNvPr id="2" name="Title 1">
+            <a:extLst>
+              <a:ext uri="{FF2B5EF4-FFF2-40B4-BE49-F238E27FC236}">
                 <a16:creationId xmlns:a16="http://schemas.microsoft.com/office/drawing/2014/main" id="{4072AA40-EB13-CD59-740C-8AD3DA20F805}"/>
               </a:ext>
             </a:extLst>
@@ -13280,7 +13702,7 @@
 </p:sld>
 </file>
 
-<file path=ppt/slides/slide7.xml><?xml version="1.0" encoding="utf-8"?>
+<file path=ppt/slides/slide9.xml><?xml version="1.0" encoding="utf-8"?>
 <p:sld xmlns:a="http://schemas.openxmlformats.org/drawingml/2006/main" xmlns:r="http://schemas.openxmlformats.org/officeDocument/2006/relationships" xmlns:p="http://schemas.openxmlformats.org/presentationml/2006/main">
   <p:cSld>
     <p:spTree>
@@ -13302,7 +13724,7 @@
           <p:cNvPr id="2" name="Title 1">
             <a:extLst>
               <a:ext uri="{FF2B5EF4-FFF2-40B4-BE49-F238E27FC236}">
-                <a16:creationId xmlns:a16="http://schemas.microsoft.com/office/drawing/2014/main" id="{2B44E82B-FE50-CCCF-25D2-53862CAFFBFF}"/>
+                <a16:creationId xmlns:a16="http://schemas.microsoft.com/office/drawing/2014/main" id="{63623B00-6147-0960-A07D-16F8B2504737}"/>
               </a:ext>
             </a:extLst>
           </p:cNvPr>
@@ -13327,7 +13749,7 @@
           <p:cNvPr id="3" name="Text Placeholder 2">
             <a:extLst>
               <a:ext uri="{FF2B5EF4-FFF2-40B4-BE49-F238E27FC236}">
-                <a16:creationId xmlns:a16="http://schemas.microsoft.com/office/drawing/2014/main" id="{D0A7967F-0719-7664-FDBE-E9B027F69E76}"/>
+                <a16:creationId xmlns:a16="http://schemas.microsoft.com/office/drawing/2014/main" id="{4E74595B-B7B9-30EE-553F-225901C333BC}"/>
               </a:ext>
             </a:extLst>
           </p:cNvPr>
@@ -13352,7 +13774,7 @@
           <p:cNvPr id="4" name="Text Placeholder 3">
             <a:extLst>
               <a:ext uri="{FF2B5EF4-FFF2-40B4-BE49-F238E27FC236}">
-                <a16:creationId xmlns:a16="http://schemas.microsoft.com/office/drawing/2014/main" id="{CCB5367C-BFB6-054D-1E25-FC8CBB0DCA3E}"/>
+                <a16:creationId xmlns:a16="http://schemas.microsoft.com/office/drawing/2014/main" id="{15781414-0B40-07C3-28CF-83B82076E52C}"/>
               </a:ext>
             </a:extLst>
           </p:cNvPr>
@@ -13375,217 +13797,7 @@
     </p:spTree>
     <p:extLst>
       <p:ext uri="{BB962C8B-B14F-4D97-AF65-F5344CB8AC3E}">
-        <p14:creationId xmlns:p14="http://schemas.microsoft.com/office/powerpoint/2010/main" val="3417225103"/>
-      </p:ext>
-    </p:extLst>
-  </p:cSld>
-  <p:clrMapOvr>
-    <a:masterClrMapping/>
-  </p:clrMapOvr>
-</p:sld>
-</file>
-
-<file path=ppt/slides/slide8.xml><?xml version="1.0" encoding="utf-8"?>
-<p:sld xmlns:a="http://schemas.openxmlformats.org/drawingml/2006/main" xmlns:r="http://schemas.openxmlformats.org/officeDocument/2006/relationships" xmlns:p="http://schemas.openxmlformats.org/presentationml/2006/main">
-  <p:cSld>
-    <p:spTree>
-      <p:nvGrpSpPr>
-        <p:cNvPr id="1" name=""/>
-        <p:cNvGrpSpPr/>
-        <p:nvPr/>
-      </p:nvGrpSpPr>
-      <p:grpSpPr>
-        <a:xfrm>
-          <a:off x="0" y="0"/>
-          <a:ext cx="0" cy="0"/>
-          <a:chOff x="0" y="0"/>
-          <a:chExt cx="0" cy="0"/>
-        </a:xfrm>
-      </p:grpSpPr>
-      <p:sp>
-        <p:nvSpPr>
-          <p:cNvPr id="2" name="Title 1">
-            <a:extLst>
-              <a:ext uri="{FF2B5EF4-FFF2-40B4-BE49-F238E27FC236}">
-                <a16:creationId xmlns:a16="http://schemas.microsoft.com/office/drawing/2014/main" id="{D81C52E9-D720-085B-1A16-31A7A8A90427}"/>
-              </a:ext>
-            </a:extLst>
-          </p:cNvPr>
-          <p:cNvSpPr>
-            <a:spLocks noGrp="1"/>
-          </p:cNvSpPr>
-          <p:nvPr>
-            <p:ph type="title"/>
-          </p:nvPr>
-        </p:nvSpPr>
-        <p:spPr/>
-        <p:txBody>
-          <a:bodyPr/>
-          <a:lstStyle/>
-          <a:p>
-            <a:endParaRPr lang="en-US"/>
-          </a:p>
-        </p:txBody>
-      </p:sp>
-      <p:sp>
-        <p:nvSpPr>
-          <p:cNvPr id="3" name="Text Placeholder 2">
-            <a:extLst>
-              <a:ext uri="{FF2B5EF4-FFF2-40B4-BE49-F238E27FC236}">
-                <a16:creationId xmlns:a16="http://schemas.microsoft.com/office/drawing/2014/main" id="{69ABCC34-62D1-CBAC-C4DB-2FC1762E9416}"/>
-              </a:ext>
-            </a:extLst>
-          </p:cNvPr>
-          <p:cNvSpPr>
-            <a:spLocks noGrp="1"/>
-          </p:cNvSpPr>
-          <p:nvPr>
-            <p:ph type="body" idx="1"/>
-          </p:nvPr>
-        </p:nvSpPr>
-        <p:spPr/>
-        <p:txBody>
-          <a:bodyPr/>
-          <a:lstStyle/>
-          <a:p>
-            <a:endParaRPr lang="en-US"/>
-          </a:p>
-        </p:txBody>
-      </p:sp>
-      <p:sp>
-        <p:nvSpPr>
-          <p:cNvPr id="4" name="Text Placeholder 3">
-            <a:extLst>
-              <a:ext uri="{FF2B5EF4-FFF2-40B4-BE49-F238E27FC236}">
-                <a16:creationId xmlns:a16="http://schemas.microsoft.com/office/drawing/2014/main" id="{3795E638-BBC7-2FE5-AF91-50D5DBAF80A5}"/>
-              </a:ext>
-            </a:extLst>
-          </p:cNvPr>
-          <p:cNvSpPr>
-            <a:spLocks noGrp="1"/>
-          </p:cNvSpPr>
-          <p:nvPr>
-            <p:ph type="body" sz="quarter" idx="13"/>
-          </p:nvPr>
-        </p:nvSpPr>
-        <p:spPr/>
-        <p:txBody>
-          <a:bodyPr/>
-          <a:lstStyle/>
-          <a:p>
-            <a:endParaRPr lang="en-US"/>
-          </a:p>
-        </p:txBody>
-      </p:sp>
-    </p:spTree>
-    <p:extLst>
-      <p:ext uri="{BB962C8B-B14F-4D97-AF65-F5344CB8AC3E}">
-        <p14:creationId xmlns:p14="http://schemas.microsoft.com/office/powerpoint/2010/main" val="2140171740"/>
-      </p:ext>
-    </p:extLst>
-  </p:cSld>
-  <p:clrMapOvr>
-    <a:masterClrMapping/>
-  </p:clrMapOvr>
-</p:sld>
-</file>
-
-<file path=ppt/slides/slide9.xml><?xml version="1.0" encoding="utf-8"?>
-<p:sld xmlns:a="http://schemas.openxmlformats.org/drawingml/2006/main" xmlns:r="http://schemas.openxmlformats.org/officeDocument/2006/relationships" xmlns:p="http://schemas.openxmlformats.org/presentationml/2006/main">
-  <p:cSld>
-    <p:spTree>
-      <p:nvGrpSpPr>
-        <p:cNvPr id="1" name=""/>
-        <p:cNvGrpSpPr/>
-        <p:nvPr/>
-      </p:nvGrpSpPr>
-      <p:grpSpPr>
-        <a:xfrm>
-          <a:off x="0" y="0"/>
-          <a:ext cx="0" cy="0"/>
-          <a:chOff x="0" y="0"/>
-          <a:chExt cx="0" cy="0"/>
-        </a:xfrm>
-      </p:grpSpPr>
-      <p:sp>
-        <p:nvSpPr>
-          <p:cNvPr id="2" name="Title 1">
-            <a:extLst>
-              <a:ext uri="{FF2B5EF4-FFF2-40B4-BE49-F238E27FC236}">
-                <a16:creationId xmlns:a16="http://schemas.microsoft.com/office/drawing/2014/main" id="{4F21118F-D9C2-8567-7F1B-B61EE187E7D1}"/>
-              </a:ext>
-            </a:extLst>
-          </p:cNvPr>
-          <p:cNvSpPr>
-            <a:spLocks noGrp="1"/>
-          </p:cNvSpPr>
-          <p:nvPr>
-            <p:ph type="title"/>
-          </p:nvPr>
-        </p:nvSpPr>
-        <p:spPr/>
-        <p:txBody>
-          <a:bodyPr/>
-          <a:lstStyle/>
-          <a:p>
-            <a:endParaRPr lang="en-US"/>
-          </a:p>
-        </p:txBody>
-      </p:sp>
-      <p:sp>
-        <p:nvSpPr>
-          <p:cNvPr id="3" name="Text Placeholder 2">
-            <a:extLst>
-              <a:ext uri="{FF2B5EF4-FFF2-40B4-BE49-F238E27FC236}">
-                <a16:creationId xmlns:a16="http://schemas.microsoft.com/office/drawing/2014/main" id="{FCB026AC-287D-D558-74D2-066D80E7389B}"/>
-              </a:ext>
-            </a:extLst>
-          </p:cNvPr>
-          <p:cNvSpPr>
-            <a:spLocks noGrp="1"/>
-          </p:cNvSpPr>
-          <p:nvPr>
-            <p:ph type="body" idx="1"/>
-          </p:nvPr>
-        </p:nvSpPr>
-        <p:spPr/>
-        <p:txBody>
-          <a:bodyPr/>
-          <a:lstStyle/>
-          <a:p>
-            <a:endParaRPr lang="en-US"/>
-          </a:p>
-        </p:txBody>
-      </p:sp>
-      <p:sp>
-        <p:nvSpPr>
-          <p:cNvPr id="4" name="Text Placeholder 3">
-            <a:extLst>
-              <a:ext uri="{FF2B5EF4-FFF2-40B4-BE49-F238E27FC236}">
-                <a16:creationId xmlns:a16="http://schemas.microsoft.com/office/drawing/2014/main" id="{AED843FE-8A4B-5417-F74D-3A9D65069404}"/>
-              </a:ext>
-            </a:extLst>
-          </p:cNvPr>
-          <p:cNvSpPr>
-            <a:spLocks noGrp="1"/>
-          </p:cNvSpPr>
-          <p:nvPr>
-            <p:ph type="body" sz="quarter" idx="13"/>
-          </p:nvPr>
-        </p:nvSpPr>
-        <p:spPr/>
-        <p:txBody>
-          <a:bodyPr/>
-          <a:lstStyle/>
-          <a:p>
-            <a:endParaRPr lang="en-US"/>
-          </a:p>
-        </p:txBody>
-      </p:sp>
-    </p:spTree>
-    <p:extLst>
-      <p:ext uri="{BB962C8B-B14F-4D97-AF65-F5344CB8AC3E}">
-        <p14:creationId xmlns:p14="http://schemas.microsoft.com/office/powerpoint/2010/main" val="3859873225"/>
+        <p14:creationId xmlns:p14="http://schemas.microsoft.com/office/powerpoint/2010/main" val="2227303873"/>
       </p:ext>
     </p:extLst>
   </p:cSld>

--- a/docs/ADS507-Team6-Final-Project-Presentation.pptx
+++ b/docs/ADS507-Team6-Final-Project-Presentation.pptx
@@ -11648,7 +11648,7 @@
             </a:fontRef>
           </p:style>
           <p:txBody>
-            <a:bodyPr lIns="0" tIns="0" rIns="137160" bIns="0" rtlCol="0" anchor="ctr"/>
+            <a:bodyPr lIns="0" tIns="0" rIns="0" bIns="0" rtlCol="0" anchor="ctr"/>
             <a:lstStyle/>
             <a:p>
               <a:pPr algn="ctr"/>
@@ -11668,7 +11668,15 @@
               <a:pPr algn="ctr"/>
               <a:r>
                 <a:rPr lang="en-US" sz="900" i="1" dirty="0"/>
-                <a:t>(.csv)</a:t>
+                <a:t>(</a:t>
+              </a:r>
+              <a:r>
+                <a:rPr lang="en-US" sz="900" i="1" dirty="0" err="1"/>
+                <a:t>dataframe</a:t>
+              </a:r>
+              <a:r>
+                <a:rPr lang="en-US" sz="900" i="1" dirty="0"/>
+                <a:t>(s))</a:t>
               </a:r>
             </a:p>
           </p:txBody>
@@ -11721,7 +11729,7 @@
             </a:fontRef>
           </p:style>
           <p:txBody>
-            <a:bodyPr lIns="0" tIns="0" rIns="137160" bIns="0" rtlCol="0" anchor="ctr"/>
+            <a:bodyPr lIns="0" tIns="0" rIns="0" bIns="0" rtlCol="0" anchor="ctr"/>
             <a:lstStyle/>
             <a:p>
               <a:pPr algn="ctr"/>

--- a/docs/ADS507-Team6-Final-Project-Presentation.pptx
+++ b/docs/ADS507-Team6-Final-Project-Presentation.pptx
@@ -5,7 +5,7 @@
     <p:sldMasterId id="2147483661" r:id="rId1"/>
   </p:sldMasterIdLst>
   <p:notesMasterIdLst>
-    <p:notesMasterId r:id="rId19"/>
+    <p:notesMasterId r:id="rId12"/>
   </p:notesMasterIdLst>
   <p:sldIdLst>
     <p:sldId id="335" r:id="rId2"/>
@@ -15,16 +15,9 @@
     <p:sldId id="381" r:id="rId6"/>
     <p:sldId id="382" r:id="rId7"/>
     <p:sldId id="385" r:id="rId8"/>
-    <p:sldId id="388" r:id="rId9"/>
-    <p:sldId id="393" r:id="rId10"/>
-    <p:sldId id="394" r:id="rId11"/>
-    <p:sldId id="389" r:id="rId12"/>
-    <p:sldId id="392" r:id="rId13"/>
-    <p:sldId id="390" r:id="rId14"/>
-    <p:sldId id="391" r:id="rId15"/>
-    <p:sldId id="386" r:id="rId16"/>
-    <p:sldId id="387" r:id="rId17"/>
-    <p:sldId id="367" r:id="rId18"/>
+    <p:sldId id="386" r:id="rId9"/>
+    <p:sldId id="387" r:id="rId10"/>
+    <p:sldId id="367" r:id="rId11"/>
   </p:sldIdLst>
   <p:sldSz cx="9144000" cy="5143500" type="screen16x9"/>
   <p:notesSz cx="6858000" cy="9144000"/>
@@ -9875,729 +9868,6 @@
 </file>
 
 <file path=ppt/slides/slide10.xml><?xml version="1.0" encoding="utf-8"?>
-<p:sld xmlns:a="http://schemas.openxmlformats.org/drawingml/2006/main" xmlns:r="http://schemas.openxmlformats.org/officeDocument/2006/relationships" xmlns:p="http://schemas.openxmlformats.org/presentationml/2006/main">
-  <p:cSld>
-    <p:spTree>
-      <p:nvGrpSpPr>
-        <p:cNvPr id="1" name=""/>
-        <p:cNvGrpSpPr/>
-        <p:nvPr/>
-      </p:nvGrpSpPr>
-      <p:grpSpPr>
-        <a:xfrm>
-          <a:off x="0" y="0"/>
-          <a:ext cx="0" cy="0"/>
-          <a:chOff x="0" y="0"/>
-          <a:chExt cx="0" cy="0"/>
-        </a:xfrm>
-      </p:grpSpPr>
-      <p:sp>
-        <p:nvSpPr>
-          <p:cNvPr id="2" name="Title 1">
-            <a:extLst>
-              <a:ext uri="{FF2B5EF4-FFF2-40B4-BE49-F238E27FC236}">
-                <a16:creationId xmlns:a16="http://schemas.microsoft.com/office/drawing/2014/main" id="{D0C27350-FE75-4AA5-B47F-D983BA54FCAA}"/>
-              </a:ext>
-            </a:extLst>
-          </p:cNvPr>
-          <p:cNvSpPr>
-            <a:spLocks noGrp="1"/>
-          </p:cNvSpPr>
-          <p:nvPr>
-            <p:ph type="title"/>
-          </p:nvPr>
-        </p:nvSpPr>
-        <p:spPr/>
-        <p:txBody>
-          <a:bodyPr/>
-          <a:lstStyle/>
-          <a:p>
-            <a:endParaRPr lang="en-US"/>
-          </a:p>
-        </p:txBody>
-      </p:sp>
-      <p:sp>
-        <p:nvSpPr>
-          <p:cNvPr id="3" name="Text Placeholder 2">
-            <a:extLst>
-              <a:ext uri="{FF2B5EF4-FFF2-40B4-BE49-F238E27FC236}">
-                <a16:creationId xmlns:a16="http://schemas.microsoft.com/office/drawing/2014/main" id="{60C0CB7C-7680-4211-8B46-21EB4280DE1C}"/>
-              </a:ext>
-            </a:extLst>
-          </p:cNvPr>
-          <p:cNvSpPr>
-            <a:spLocks noGrp="1"/>
-          </p:cNvSpPr>
-          <p:nvPr>
-            <p:ph type="body" idx="1"/>
-          </p:nvPr>
-        </p:nvSpPr>
-        <p:spPr/>
-        <p:txBody>
-          <a:bodyPr/>
-          <a:lstStyle/>
-          <a:p>
-            <a:endParaRPr lang="en-US"/>
-          </a:p>
-        </p:txBody>
-      </p:sp>
-      <p:sp>
-        <p:nvSpPr>
-          <p:cNvPr id="4" name="Text Placeholder 3">
-            <a:extLst>
-              <a:ext uri="{FF2B5EF4-FFF2-40B4-BE49-F238E27FC236}">
-                <a16:creationId xmlns:a16="http://schemas.microsoft.com/office/drawing/2014/main" id="{32492311-84CB-5A87-1C76-6126A878EF02}"/>
-              </a:ext>
-            </a:extLst>
-          </p:cNvPr>
-          <p:cNvSpPr>
-            <a:spLocks noGrp="1"/>
-          </p:cNvSpPr>
-          <p:nvPr>
-            <p:ph type="body" sz="quarter" idx="13"/>
-          </p:nvPr>
-        </p:nvSpPr>
-        <p:spPr/>
-        <p:txBody>
-          <a:bodyPr/>
-          <a:lstStyle/>
-          <a:p>
-            <a:endParaRPr lang="en-US"/>
-          </a:p>
-        </p:txBody>
-      </p:sp>
-    </p:spTree>
-    <p:extLst>
-      <p:ext uri="{BB962C8B-B14F-4D97-AF65-F5344CB8AC3E}">
-        <p14:creationId xmlns:p14="http://schemas.microsoft.com/office/powerpoint/2010/main" val="463853195"/>
-      </p:ext>
-    </p:extLst>
-  </p:cSld>
-  <p:clrMapOvr>
-    <a:masterClrMapping/>
-  </p:clrMapOvr>
-</p:sld>
-</file>
-
-<file path=ppt/slides/slide11.xml><?xml version="1.0" encoding="utf-8"?>
-<p:sld xmlns:a="http://schemas.openxmlformats.org/drawingml/2006/main" xmlns:r="http://schemas.openxmlformats.org/officeDocument/2006/relationships" xmlns:p="http://schemas.openxmlformats.org/presentationml/2006/main">
-  <p:cSld>
-    <p:spTree>
-      <p:nvGrpSpPr>
-        <p:cNvPr id="1" name=""/>
-        <p:cNvGrpSpPr/>
-        <p:nvPr/>
-      </p:nvGrpSpPr>
-      <p:grpSpPr>
-        <a:xfrm>
-          <a:off x="0" y="0"/>
-          <a:ext cx="0" cy="0"/>
-          <a:chOff x="0" y="0"/>
-          <a:chExt cx="0" cy="0"/>
-        </a:xfrm>
-      </p:grpSpPr>
-      <p:sp>
-        <p:nvSpPr>
-          <p:cNvPr id="2" name="Title 1">
-            <a:extLst>
-              <a:ext uri="{FF2B5EF4-FFF2-40B4-BE49-F238E27FC236}">
-                <a16:creationId xmlns:a16="http://schemas.microsoft.com/office/drawing/2014/main" id="{2B44E82B-FE50-CCCF-25D2-53862CAFFBFF}"/>
-              </a:ext>
-            </a:extLst>
-          </p:cNvPr>
-          <p:cNvSpPr>
-            <a:spLocks noGrp="1"/>
-          </p:cNvSpPr>
-          <p:nvPr>
-            <p:ph type="title"/>
-          </p:nvPr>
-        </p:nvSpPr>
-        <p:spPr/>
-        <p:txBody>
-          <a:bodyPr/>
-          <a:lstStyle/>
-          <a:p>
-            <a:endParaRPr lang="en-US"/>
-          </a:p>
-        </p:txBody>
-      </p:sp>
-      <p:sp>
-        <p:nvSpPr>
-          <p:cNvPr id="3" name="Text Placeholder 2">
-            <a:extLst>
-              <a:ext uri="{FF2B5EF4-FFF2-40B4-BE49-F238E27FC236}">
-                <a16:creationId xmlns:a16="http://schemas.microsoft.com/office/drawing/2014/main" id="{D0A7967F-0719-7664-FDBE-E9B027F69E76}"/>
-              </a:ext>
-            </a:extLst>
-          </p:cNvPr>
-          <p:cNvSpPr>
-            <a:spLocks noGrp="1"/>
-          </p:cNvSpPr>
-          <p:nvPr>
-            <p:ph type="body" idx="1"/>
-          </p:nvPr>
-        </p:nvSpPr>
-        <p:spPr/>
-        <p:txBody>
-          <a:bodyPr/>
-          <a:lstStyle/>
-          <a:p>
-            <a:endParaRPr lang="en-US"/>
-          </a:p>
-        </p:txBody>
-      </p:sp>
-      <p:sp>
-        <p:nvSpPr>
-          <p:cNvPr id="4" name="Text Placeholder 3">
-            <a:extLst>
-              <a:ext uri="{FF2B5EF4-FFF2-40B4-BE49-F238E27FC236}">
-                <a16:creationId xmlns:a16="http://schemas.microsoft.com/office/drawing/2014/main" id="{CCB5367C-BFB6-054D-1E25-FC8CBB0DCA3E}"/>
-              </a:ext>
-            </a:extLst>
-          </p:cNvPr>
-          <p:cNvSpPr>
-            <a:spLocks noGrp="1"/>
-          </p:cNvSpPr>
-          <p:nvPr>
-            <p:ph type="body" sz="quarter" idx="13"/>
-          </p:nvPr>
-        </p:nvSpPr>
-        <p:spPr/>
-        <p:txBody>
-          <a:bodyPr/>
-          <a:lstStyle/>
-          <a:p>
-            <a:endParaRPr lang="en-US"/>
-          </a:p>
-        </p:txBody>
-      </p:sp>
-    </p:spTree>
-    <p:extLst>
-      <p:ext uri="{BB962C8B-B14F-4D97-AF65-F5344CB8AC3E}">
-        <p14:creationId xmlns:p14="http://schemas.microsoft.com/office/powerpoint/2010/main" val="3417225103"/>
-      </p:ext>
-    </p:extLst>
-  </p:cSld>
-  <p:clrMapOvr>
-    <a:masterClrMapping/>
-  </p:clrMapOvr>
-</p:sld>
-</file>
-
-<file path=ppt/slides/slide12.xml><?xml version="1.0" encoding="utf-8"?>
-<p:sld xmlns:a="http://schemas.openxmlformats.org/drawingml/2006/main" xmlns:r="http://schemas.openxmlformats.org/officeDocument/2006/relationships" xmlns:p="http://schemas.openxmlformats.org/presentationml/2006/main">
-  <p:cSld>
-    <p:spTree>
-      <p:nvGrpSpPr>
-        <p:cNvPr id="1" name=""/>
-        <p:cNvGrpSpPr/>
-        <p:nvPr/>
-      </p:nvGrpSpPr>
-      <p:grpSpPr>
-        <a:xfrm>
-          <a:off x="0" y="0"/>
-          <a:ext cx="0" cy="0"/>
-          <a:chOff x="0" y="0"/>
-          <a:chExt cx="0" cy="0"/>
-        </a:xfrm>
-      </p:grpSpPr>
-      <p:sp>
-        <p:nvSpPr>
-          <p:cNvPr id="2" name="Title 1">
-            <a:extLst>
-              <a:ext uri="{FF2B5EF4-FFF2-40B4-BE49-F238E27FC236}">
-                <a16:creationId xmlns:a16="http://schemas.microsoft.com/office/drawing/2014/main" id="{D81C52E9-D720-085B-1A16-31A7A8A90427}"/>
-              </a:ext>
-            </a:extLst>
-          </p:cNvPr>
-          <p:cNvSpPr>
-            <a:spLocks noGrp="1"/>
-          </p:cNvSpPr>
-          <p:nvPr>
-            <p:ph type="title"/>
-          </p:nvPr>
-        </p:nvSpPr>
-        <p:spPr/>
-        <p:txBody>
-          <a:bodyPr/>
-          <a:lstStyle/>
-          <a:p>
-            <a:endParaRPr lang="en-US"/>
-          </a:p>
-        </p:txBody>
-      </p:sp>
-      <p:sp>
-        <p:nvSpPr>
-          <p:cNvPr id="3" name="Text Placeholder 2">
-            <a:extLst>
-              <a:ext uri="{FF2B5EF4-FFF2-40B4-BE49-F238E27FC236}">
-                <a16:creationId xmlns:a16="http://schemas.microsoft.com/office/drawing/2014/main" id="{69ABCC34-62D1-CBAC-C4DB-2FC1762E9416}"/>
-              </a:ext>
-            </a:extLst>
-          </p:cNvPr>
-          <p:cNvSpPr>
-            <a:spLocks noGrp="1"/>
-          </p:cNvSpPr>
-          <p:nvPr>
-            <p:ph type="body" idx="1"/>
-          </p:nvPr>
-        </p:nvSpPr>
-        <p:spPr/>
-        <p:txBody>
-          <a:bodyPr/>
-          <a:lstStyle/>
-          <a:p>
-            <a:endParaRPr lang="en-US"/>
-          </a:p>
-        </p:txBody>
-      </p:sp>
-      <p:sp>
-        <p:nvSpPr>
-          <p:cNvPr id="4" name="Text Placeholder 3">
-            <a:extLst>
-              <a:ext uri="{FF2B5EF4-FFF2-40B4-BE49-F238E27FC236}">
-                <a16:creationId xmlns:a16="http://schemas.microsoft.com/office/drawing/2014/main" id="{3795E638-BBC7-2FE5-AF91-50D5DBAF80A5}"/>
-              </a:ext>
-            </a:extLst>
-          </p:cNvPr>
-          <p:cNvSpPr>
-            <a:spLocks noGrp="1"/>
-          </p:cNvSpPr>
-          <p:nvPr>
-            <p:ph type="body" sz="quarter" idx="13"/>
-          </p:nvPr>
-        </p:nvSpPr>
-        <p:spPr/>
-        <p:txBody>
-          <a:bodyPr/>
-          <a:lstStyle/>
-          <a:p>
-            <a:endParaRPr lang="en-US"/>
-          </a:p>
-        </p:txBody>
-      </p:sp>
-    </p:spTree>
-    <p:extLst>
-      <p:ext uri="{BB962C8B-B14F-4D97-AF65-F5344CB8AC3E}">
-        <p14:creationId xmlns:p14="http://schemas.microsoft.com/office/powerpoint/2010/main" val="2140171740"/>
-      </p:ext>
-    </p:extLst>
-  </p:cSld>
-  <p:clrMapOvr>
-    <a:masterClrMapping/>
-  </p:clrMapOvr>
-</p:sld>
-</file>
-
-<file path=ppt/slides/slide13.xml><?xml version="1.0" encoding="utf-8"?>
-<p:sld xmlns:a="http://schemas.openxmlformats.org/drawingml/2006/main" xmlns:r="http://schemas.openxmlformats.org/officeDocument/2006/relationships" xmlns:p="http://schemas.openxmlformats.org/presentationml/2006/main">
-  <p:cSld>
-    <p:spTree>
-      <p:nvGrpSpPr>
-        <p:cNvPr id="1" name=""/>
-        <p:cNvGrpSpPr/>
-        <p:nvPr/>
-      </p:nvGrpSpPr>
-      <p:grpSpPr>
-        <a:xfrm>
-          <a:off x="0" y="0"/>
-          <a:ext cx="0" cy="0"/>
-          <a:chOff x="0" y="0"/>
-          <a:chExt cx="0" cy="0"/>
-        </a:xfrm>
-      </p:grpSpPr>
-      <p:sp>
-        <p:nvSpPr>
-          <p:cNvPr id="2" name="Title 1">
-            <a:extLst>
-              <a:ext uri="{FF2B5EF4-FFF2-40B4-BE49-F238E27FC236}">
-                <a16:creationId xmlns:a16="http://schemas.microsoft.com/office/drawing/2014/main" id="{4F21118F-D9C2-8567-7F1B-B61EE187E7D1}"/>
-              </a:ext>
-            </a:extLst>
-          </p:cNvPr>
-          <p:cNvSpPr>
-            <a:spLocks noGrp="1"/>
-          </p:cNvSpPr>
-          <p:nvPr>
-            <p:ph type="title"/>
-          </p:nvPr>
-        </p:nvSpPr>
-        <p:spPr/>
-        <p:txBody>
-          <a:bodyPr/>
-          <a:lstStyle/>
-          <a:p>
-            <a:endParaRPr lang="en-US"/>
-          </a:p>
-        </p:txBody>
-      </p:sp>
-      <p:sp>
-        <p:nvSpPr>
-          <p:cNvPr id="3" name="Text Placeholder 2">
-            <a:extLst>
-              <a:ext uri="{FF2B5EF4-FFF2-40B4-BE49-F238E27FC236}">
-                <a16:creationId xmlns:a16="http://schemas.microsoft.com/office/drawing/2014/main" id="{FCB026AC-287D-D558-74D2-066D80E7389B}"/>
-              </a:ext>
-            </a:extLst>
-          </p:cNvPr>
-          <p:cNvSpPr>
-            <a:spLocks noGrp="1"/>
-          </p:cNvSpPr>
-          <p:nvPr>
-            <p:ph type="body" idx="1"/>
-          </p:nvPr>
-        </p:nvSpPr>
-        <p:spPr/>
-        <p:txBody>
-          <a:bodyPr/>
-          <a:lstStyle/>
-          <a:p>
-            <a:endParaRPr lang="en-US"/>
-          </a:p>
-        </p:txBody>
-      </p:sp>
-      <p:sp>
-        <p:nvSpPr>
-          <p:cNvPr id="4" name="Text Placeholder 3">
-            <a:extLst>
-              <a:ext uri="{FF2B5EF4-FFF2-40B4-BE49-F238E27FC236}">
-                <a16:creationId xmlns:a16="http://schemas.microsoft.com/office/drawing/2014/main" id="{AED843FE-8A4B-5417-F74D-3A9D65069404}"/>
-              </a:ext>
-            </a:extLst>
-          </p:cNvPr>
-          <p:cNvSpPr>
-            <a:spLocks noGrp="1"/>
-          </p:cNvSpPr>
-          <p:nvPr>
-            <p:ph type="body" sz="quarter" idx="13"/>
-          </p:nvPr>
-        </p:nvSpPr>
-        <p:spPr/>
-        <p:txBody>
-          <a:bodyPr/>
-          <a:lstStyle/>
-          <a:p>
-            <a:endParaRPr lang="en-US"/>
-          </a:p>
-        </p:txBody>
-      </p:sp>
-    </p:spTree>
-    <p:extLst>
-      <p:ext uri="{BB962C8B-B14F-4D97-AF65-F5344CB8AC3E}">
-        <p14:creationId xmlns:p14="http://schemas.microsoft.com/office/powerpoint/2010/main" val="3859873225"/>
-      </p:ext>
-    </p:extLst>
-  </p:cSld>
-  <p:clrMapOvr>
-    <a:masterClrMapping/>
-  </p:clrMapOvr>
-</p:sld>
-</file>
-
-<file path=ppt/slides/slide14.xml><?xml version="1.0" encoding="utf-8"?>
-<p:sld xmlns:a="http://schemas.openxmlformats.org/drawingml/2006/main" xmlns:r="http://schemas.openxmlformats.org/officeDocument/2006/relationships" xmlns:p="http://schemas.openxmlformats.org/presentationml/2006/main">
-  <p:cSld>
-    <p:spTree>
-      <p:nvGrpSpPr>
-        <p:cNvPr id="1" name=""/>
-        <p:cNvGrpSpPr/>
-        <p:nvPr/>
-      </p:nvGrpSpPr>
-      <p:grpSpPr>
-        <a:xfrm>
-          <a:off x="0" y="0"/>
-          <a:ext cx="0" cy="0"/>
-          <a:chOff x="0" y="0"/>
-          <a:chExt cx="0" cy="0"/>
-        </a:xfrm>
-      </p:grpSpPr>
-      <p:sp>
-        <p:nvSpPr>
-          <p:cNvPr id="2" name="Title 1">
-            <a:extLst>
-              <a:ext uri="{FF2B5EF4-FFF2-40B4-BE49-F238E27FC236}">
-                <a16:creationId xmlns:a16="http://schemas.microsoft.com/office/drawing/2014/main" id="{58ACDD3C-8F64-20B1-72FA-3CD1A4B7A3E8}"/>
-              </a:ext>
-            </a:extLst>
-          </p:cNvPr>
-          <p:cNvSpPr>
-            <a:spLocks noGrp="1"/>
-          </p:cNvSpPr>
-          <p:nvPr>
-            <p:ph type="title"/>
-          </p:nvPr>
-        </p:nvSpPr>
-        <p:spPr/>
-        <p:txBody>
-          <a:bodyPr/>
-          <a:lstStyle/>
-          <a:p>
-            <a:endParaRPr lang="en-US"/>
-          </a:p>
-        </p:txBody>
-      </p:sp>
-      <p:sp>
-        <p:nvSpPr>
-          <p:cNvPr id="3" name="Text Placeholder 2">
-            <a:extLst>
-              <a:ext uri="{FF2B5EF4-FFF2-40B4-BE49-F238E27FC236}">
-                <a16:creationId xmlns:a16="http://schemas.microsoft.com/office/drawing/2014/main" id="{67D63B6E-3E17-A3FB-27F9-8E81F30EF60E}"/>
-              </a:ext>
-            </a:extLst>
-          </p:cNvPr>
-          <p:cNvSpPr>
-            <a:spLocks noGrp="1"/>
-          </p:cNvSpPr>
-          <p:nvPr>
-            <p:ph type="body" idx="1"/>
-          </p:nvPr>
-        </p:nvSpPr>
-        <p:spPr/>
-        <p:txBody>
-          <a:bodyPr/>
-          <a:lstStyle/>
-          <a:p>
-            <a:endParaRPr lang="en-US"/>
-          </a:p>
-        </p:txBody>
-      </p:sp>
-      <p:sp>
-        <p:nvSpPr>
-          <p:cNvPr id="4" name="Text Placeholder 3">
-            <a:extLst>
-              <a:ext uri="{FF2B5EF4-FFF2-40B4-BE49-F238E27FC236}">
-                <a16:creationId xmlns:a16="http://schemas.microsoft.com/office/drawing/2014/main" id="{CC73258B-5721-F60F-84BF-4F5EF2898F4E}"/>
-              </a:ext>
-            </a:extLst>
-          </p:cNvPr>
-          <p:cNvSpPr>
-            <a:spLocks noGrp="1"/>
-          </p:cNvSpPr>
-          <p:nvPr>
-            <p:ph type="body" sz="quarter" idx="13"/>
-          </p:nvPr>
-        </p:nvSpPr>
-        <p:spPr/>
-        <p:txBody>
-          <a:bodyPr/>
-          <a:lstStyle/>
-          <a:p>
-            <a:endParaRPr lang="en-US"/>
-          </a:p>
-        </p:txBody>
-      </p:sp>
-    </p:spTree>
-    <p:extLst>
-      <p:ext uri="{BB962C8B-B14F-4D97-AF65-F5344CB8AC3E}">
-        <p14:creationId xmlns:p14="http://schemas.microsoft.com/office/powerpoint/2010/main" val="3213545645"/>
-      </p:ext>
-    </p:extLst>
-  </p:cSld>
-  <p:clrMapOvr>
-    <a:masterClrMapping/>
-  </p:clrMapOvr>
-</p:sld>
-</file>
-
-<file path=ppt/slides/slide15.xml><?xml version="1.0" encoding="utf-8"?>
-<p:sld xmlns:a="http://schemas.openxmlformats.org/drawingml/2006/main" xmlns:r="http://schemas.openxmlformats.org/officeDocument/2006/relationships" xmlns:p="http://schemas.openxmlformats.org/presentationml/2006/main">
-  <p:cSld>
-    <p:bg>
-      <p:bgPr>
-        <a:solidFill>
-          <a:srgbClr val="0070C0"/>
-        </a:solidFill>
-        <a:effectLst/>
-      </p:bgPr>
-    </p:bg>
-    <p:spTree>
-      <p:nvGrpSpPr>
-        <p:cNvPr id="1" name=""/>
-        <p:cNvGrpSpPr/>
-        <p:nvPr/>
-      </p:nvGrpSpPr>
-      <p:grpSpPr>
-        <a:xfrm>
-          <a:off x="0" y="0"/>
-          <a:ext cx="0" cy="0"/>
-          <a:chOff x="0" y="0"/>
-          <a:chExt cx="0" cy="0"/>
-        </a:xfrm>
-      </p:grpSpPr>
-      <p:sp>
-        <p:nvSpPr>
-          <p:cNvPr id="6" name="Text Placeholder 5">
-            <a:extLst>
-              <a:ext uri="{FF2B5EF4-FFF2-40B4-BE49-F238E27FC236}">
-                <a16:creationId xmlns:a16="http://schemas.microsoft.com/office/drawing/2014/main" id="{76E1A64D-88C5-7154-6D66-8D8FBD6AC959}"/>
-              </a:ext>
-            </a:extLst>
-          </p:cNvPr>
-          <p:cNvSpPr>
-            <a:spLocks noGrp="1"/>
-          </p:cNvSpPr>
-          <p:nvPr>
-            <p:ph type="body" idx="1"/>
-          </p:nvPr>
-        </p:nvSpPr>
-        <p:spPr>
-          <a:xfrm>
-            <a:off x="609600" y="1108710"/>
-            <a:ext cx="7924800" cy="2933700"/>
-          </a:xfrm>
-        </p:spPr>
-        <p:txBody>
-          <a:bodyPr anchor="ctr"/>
-          <a:lstStyle/>
-          <a:p>
-            <a:pPr marL="114300" indent="0" algn="ctr">
-              <a:buNone/>
-            </a:pPr>
-            <a:r>
-              <a:rPr lang="en-US" sz="5400" b="1" dirty="0">
-                <a:solidFill>
-                  <a:schemeClr val="bg1"/>
-                </a:solidFill>
-              </a:rPr>
-              <a:t>Demo</a:t>
-            </a:r>
-          </a:p>
-        </p:txBody>
-      </p:sp>
-    </p:spTree>
-    <p:extLst>
-      <p:ext uri="{BB962C8B-B14F-4D97-AF65-F5344CB8AC3E}">
-        <p14:creationId xmlns:p14="http://schemas.microsoft.com/office/powerpoint/2010/main" val="3855147692"/>
-      </p:ext>
-    </p:extLst>
-  </p:cSld>
-  <p:clrMapOvr>
-    <a:masterClrMapping/>
-  </p:clrMapOvr>
-</p:sld>
-</file>
-
-<file path=ppt/slides/slide16.xml><?xml version="1.0" encoding="utf-8"?>
-<p:sld xmlns:a="http://schemas.openxmlformats.org/drawingml/2006/main" xmlns:r="http://schemas.openxmlformats.org/officeDocument/2006/relationships" xmlns:p="http://schemas.openxmlformats.org/presentationml/2006/main">
-  <p:cSld>
-    <p:spTree>
-      <p:nvGrpSpPr>
-        <p:cNvPr id="1" name=""/>
-        <p:cNvGrpSpPr/>
-        <p:nvPr/>
-      </p:nvGrpSpPr>
-      <p:grpSpPr>
-        <a:xfrm>
-          <a:off x="0" y="0"/>
-          <a:ext cx="0" cy="0"/>
-          <a:chOff x="0" y="0"/>
-          <a:chExt cx="0" cy="0"/>
-        </a:xfrm>
-      </p:grpSpPr>
-      <p:sp>
-        <p:nvSpPr>
-          <p:cNvPr id="2" name="Title 1">
-            <a:extLst>
-              <a:ext uri="{FF2B5EF4-FFF2-40B4-BE49-F238E27FC236}">
-                <a16:creationId xmlns:a16="http://schemas.microsoft.com/office/drawing/2014/main" id="{29B56964-9D4C-6884-2DC5-721286929ED9}"/>
-              </a:ext>
-            </a:extLst>
-          </p:cNvPr>
-          <p:cNvSpPr>
-            <a:spLocks noGrp="1"/>
-          </p:cNvSpPr>
-          <p:nvPr>
-            <p:ph type="title"/>
-          </p:nvPr>
-        </p:nvSpPr>
-        <p:spPr/>
-        <p:txBody>
-          <a:bodyPr/>
-          <a:lstStyle/>
-          <a:p>
-            <a:r>
-              <a:rPr lang="en-US" dirty="0"/>
-              <a:t>Wrap-up</a:t>
-            </a:r>
-          </a:p>
-        </p:txBody>
-      </p:sp>
-      <p:sp>
-        <p:nvSpPr>
-          <p:cNvPr id="3" name="Text Placeholder 2">
-            <a:extLst>
-              <a:ext uri="{FF2B5EF4-FFF2-40B4-BE49-F238E27FC236}">
-                <a16:creationId xmlns:a16="http://schemas.microsoft.com/office/drawing/2014/main" id="{44621436-45F4-61DA-39DC-7652C20CBFB9}"/>
-              </a:ext>
-            </a:extLst>
-          </p:cNvPr>
-          <p:cNvSpPr>
-            <a:spLocks noGrp="1"/>
-          </p:cNvSpPr>
-          <p:nvPr>
-            <p:ph type="body" idx="1"/>
-          </p:nvPr>
-        </p:nvSpPr>
-        <p:spPr/>
-        <p:txBody>
-          <a:bodyPr/>
-          <a:lstStyle/>
-          <a:p>
-            <a:r>
-              <a:rPr lang="en-US" dirty="0"/>
-              <a:t>[. . .]</a:t>
-            </a:r>
-          </a:p>
-        </p:txBody>
-      </p:sp>
-      <p:sp>
-        <p:nvSpPr>
-          <p:cNvPr id="4" name="Text Placeholder 3">
-            <a:extLst>
-              <a:ext uri="{FF2B5EF4-FFF2-40B4-BE49-F238E27FC236}">
-                <a16:creationId xmlns:a16="http://schemas.microsoft.com/office/drawing/2014/main" id="{602DA5C9-7D0B-F552-7ACC-2C6B73997A14}"/>
-              </a:ext>
-            </a:extLst>
-          </p:cNvPr>
-          <p:cNvSpPr>
-            <a:spLocks noGrp="1"/>
-          </p:cNvSpPr>
-          <p:nvPr>
-            <p:ph type="body" sz="quarter" idx="13"/>
-          </p:nvPr>
-        </p:nvSpPr>
-        <p:spPr/>
-        <p:txBody>
-          <a:bodyPr/>
-          <a:lstStyle/>
-          <a:p>
-            <a:r>
-              <a:rPr lang="en-US" dirty="0"/>
-              <a:t>Gaps and</a:t>
-            </a:r>
-          </a:p>
-          <a:p>
-            <a:r>
-              <a:rPr lang="en-US" dirty="0"/>
-              <a:t>extensibility</a:t>
-            </a:r>
-          </a:p>
-        </p:txBody>
-      </p:sp>
-    </p:spTree>
-    <p:extLst>
-      <p:ext uri="{BB962C8B-B14F-4D97-AF65-F5344CB8AC3E}">
-        <p14:creationId xmlns:p14="http://schemas.microsoft.com/office/powerpoint/2010/main" val="3241294105"/>
-      </p:ext>
-    </p:extLst>
-  </p:cSld>
-  <p:clrMapOvr>
-    <a:masterClrMapping/>
-  </p:clrMapOvr>
-</p:sld>
-</file>
-
-<file path=ppt/slides/slide17.xml><?xml version="1.0" encoding="utf-8"?>
 <p:sld xmlns:a="http://schemas.openxmlformats.org/drawingml/2006/main" xmlns:r="http://schemas.openxmlformats.org/officeDocument/2006/relationships" xmlns:p="http://schemas.openxmlformats.org/presentationml/2006/main">
   <p:cSld>
     <p:spTree>
@@ -13553,14 +12823,180 @@
           <a:lstStyle/>
           <a:p>
             <a:r>
+              <a:rPr lang="en-US" dirty="0">
+                <a:solidFill>
+                  <a:srgbClr val="595959"/>
+                </a:solidFill>
+              </a:rPr>
+              <a:t>Ensuring </a:t>
+            </a:r>
+            <a:r>
               <a:rPr lang="en-US" b="1" dirty="0">
                 <a:solidFill>
                   <a:srgbClr val="0070C0"/>
                 </a:solidFill>
               </a:rPr>
-              <a:t>[. . .]</a:t>
+              <a:t>data integrity is focus</a:t>
             </a:r>
-            <a:endParaRPr lang="en-US" dirty="0"/>
+            <a:r>
+              <a:rPr lang="en-US" dirty="0">
+                <a:solidFill>
+                  <a:srgbClr val="595959"/>
+                </a:solidFill>
+              </a:rPr>
+              <a:t> (given no PII) </a:t>
+            </a:r>
+            <a:r>
+              <a:rPr lang="en-US" dirty="0">
+                <a:solidFill>
+                  <a:srgbClr val="595959"/>
+                </a:solidFill>
+                <a:sym typeface="Wingdings" pitchFamily="2" charset="2"/>
+              </a:rPr>
+              <a:t> </a:t>
+            </a:r>
+            <a:r>
+              <a:rPr lang="en-US" b="1" dirty="0">
+                <a:solidFill>
+                  <a:srgbClr val="0070C0"/>
+                </a:solidFill>
+                <a:sym typeface="Wingdings" pitchFamily="2" charset="2"/>
+              </a:rPr>
+              <a:t>best practices</a:t>
+            </a:r>
+            <a:r>
+              <a:rPr lang="en-US" dirty="0">
+                <a:solidFill>
+                  <a:srgbClr val="595959"/>
+                </a:solidFill>
+                <a:sym typeface="Wingdings" pitchFamily="2" charset="2"/>
+              </a:rPr>
+              <a:t> include </a:t>
+            </a:r>
+            <a:r>
+              <a:rPr lang="en-US" b="1" dirty="0">
+                <a:solidFill>
+                  <a:srgbClr val="0070C0"/>
+                </a:solidFill>
+                <a:sym typeface="Wingdings" pitchFamily="2" charset="2"/>
+              </a:rPr>
+              <a:t>least privilege</a:t>
+            </a:r>
+            <a:r>
+              <a:rPr lang="en-US" dirty="0">
+                <a:solidFill>
+                  <a:srgbClr val="595959"/>
+                </a:solidFill>
+                <a:sym typeface="Wingdings" pitchFamily="2" charset="2"/>
+              </a:rPr>
+              <a:t>, </a:t>
+            </a:r>
+            <a:r>
+              <a:rPr lang="en-US" b="1" dirty="0">
+                <a:solidFill>
+                  <a:srgbClr val="0070C0"/>
+                </a:solidFill>
+                <a:sym typeface="Wingdings" pitchFamily="2" charset="2"/>
+              </a:rPr>
+              <a:t>secured credentials</a:t>
+            </a:r>
+            <a:r>
+              <a:rPr lang="en-US" dirty="0">
+                <a:solidFill>
+                  <a:srgbClr val="595959"/>
+                </a:solidFill>
+                <a:sym typeface="Wingdings" pitchFamily="2" charset="2"/>
+              </a:rPr>
+              <a:t>; </a:t>
+            </a:r>
+            <a:r>
+              <a:rPr lang="en-US" b="1" dirty="0">
+                <a:solidFill>
+                  <a:srgbClr val="0070C0"/>
+                </a:solidFill>
+                <a:sym typeface="Wingdings" pitchFamily="2" charset="2"/>
+              </a:rPr>
+              <a:t>extensible</a:t>
+            </a:r>
+            <a:r>
+              <a:rPr lang="en-US" dirty="0">
+                <a:solidFill>
+                  <a:srgbClr val="595959"/>
+                </a:solidFill>
+                <a:sym typeface="Wingdings" pitchFamily="2" charset="2"/>
+              </a:rPr>
+              <a:t> to finer-grained security</a:t>
+            </a:r>
+          </a:p>
+          <a:p>
+            <a:endParaRPr lang="en-US" dirty="0">
+              <a:solidFill>
+                <a:srgbClr val="595959"/>
+              </a:solidFill>
+              <a:sym typeface="Wingdings" pitchFamily="2" charset="2"/>
+            </a:endParaRPr>
+          </a:p>
+          <a:p>
+            <a:r>
+              <a:rPr lang="en-US" dirty="0">
+                <a:solidFill>
+                  <a:srgbClr val="595959"/>
+                </a:solidFill>
+                <a:sym typeface="Wingdings" pitchFamily="2" charset="2"/>
+              </a:rPr>
+              <a:t>Data integrity further supported through </a:t>
+            </a:r>
+            <a:r>
+              <a:rPr lang="en-US" b="1" dirty="0">
+                <a:solidFill>
+                  <a:srgbClr val="0070C0"/>
+                </a:solidFill>
+                <a:sym typeface="Wingdings" pitchFamily="2" charset="2"/>
+              </a:rPr>
+              <a:t>completeness controls and logging</a:t>
+            </a:r>
+          </a:p>
+          <a:p>
+            <a:endParaRPr lang="en-US" dirty="0">
+              <a:solidFill>
+                <a:srgbClr val="595959"/>
+              </a:solidFill>
+              <a:sym typeface="Wingdings" pitchFamily="2" charset="2"/>
+            </a:endParaRPr>
+          </a:p>
+          <a:p>
+            <a:r>
+              <a:rPr lang="en-US" b="1" dirty="0">
+                <a:solidFill>
+                  <a:srgbClr val="0070C0"/>
+                </a:solidFill>
+                <a:sym typeface="Wingdings" pitchFamily="2" charset="2"/>
+              </a:rPr>
+              <a:t>Scalability is inherently supported</a:t>
+            </a:r>
+            <a:r>
+              <a:rPr lang="en-US" dirty="0">
+                <a:solidFill>
+                  <a:srgbClr val="595959"/>
+                </a:solidFill>
+                <a:sym typeface="Wingdings" pitchFamily="2" charset="2"/>
+              </a:rPr>
+              <a:t> through </a:t>
+            </a:r>
+            <a:r>
+              <a:rPr lang="en-US" b="1" dirty="0">
+                <a:solidFill>
+                  <a:srgbClr val="0070C0"/>
+                </a:solidFill>
+                <a:sym typeface="Wingdings" pitchFamily="2" charset="2"/>
+              </a:rPr>
+              <a:t>architecture, relational data, and “cloud-compatible” tooling</a:t>
+            </a:r>
+            <a:endParaRPr lang="en-US" b="1" dirty="0">
+              <a:solidFill>
+                <a:srgbClr val="0070C0"/>
+              </a:solidFill>
+            </a:endParaRPr>
           </a:p>
         </p:txBody>
       </p:sp>
@@ -13608,6 +13044,14 @@
 <file path=ppt/slides/slide8.xml><?xml version="1.0" encoding="utf-8"?>
 <p:sld xmlns:a="http://schemas.openxmlformats.org/drawingml/2006/main" xmlns:r="http://schemas.openxmlformats.org/officeDocument/2006/relationships" xmlns:p="http://schemas.openxmlformats.org/presentationml/2006/main">
   <p:cSld>
+    <p:bg>
+      <p:bgPr>
+        <a:solidFill>
+          <a:srgbClr val="0070C0"/>
+        </a:solidFill>
+        <a:effectLst/>
+      </p:bgPr>
+    </p:bg>
     <p:spTree>
       <p:nvGrpSpPr>
         <p:cNvPr id="1" name=""/>
@@ -13624,35 +13068,10 @@
       </p:grpSpPr>
       <p:sp>
         <p:nvSpPr>
-          <p:cNvPr id="2" name="Title 1">
+          <p:cNvPr id="6" name="Text Placeholder 5">
             <a:extLst>
               <a:ext uri="{FF2B5EF4-FFF2-40B4-BE49-F238E27FC236}">
-                <a16:creationId xmlns:a16="http://schemas.microsoft.com/office/drawing/2014/main" id="{4072AA40-EB13-CD59-740C-8AD3DA20F805}"/>
-              </a:ext>
-            </a:extLst>
-          </p:cNvPr>
-          <p:cNvSpPr>
-            <a:spLocks noGrp="1"/>
-          </p:cNvSpPr>
-          <p:nvPr>
-            <p:ph type="title"/>
-          </p:nvPr>
-        </p:nvSpPr>
-        <p:spPr/>
-        <p:txBody>
-          <a:bodyPr/>
-          <a:lstStyle/>
-          <a:p>
-            <a:endParaRPr lang="en-US"/>
-          </a:p>
-        </p:txBody>
-      </p:sp>
-      <p:sp>
-        <p:nvSpPr>
-          <p:cNvPr id="3" name="Text Placeholder 2">
-            <a:extLst>
-              <a:ext uri="{FF2B5EF4-FFF2-40B4-BE49-F238E27FC236}">
-                <a16:creationId xmlns:a16="http://schemas.microsoft.com/office/drawing/2014/main" id="{F7869030-B99E-DF6D-C0E1-0095E60F8139}"/>
+                <a16:creationId xmlns:a16="http://schemas.microsoft.com/office/drawing/2014/main" id="{76E1A64D-88C5-7154-6D66-8D8FBD6AC959}"/>
               </a:ext>
             </a:extLst>
           </p:cNvPr>
@@ -13663,44 +13082,34 @@
             <p:ph type="body" idx="1"/>
           </p:nvPr>
         </p:nvSpPr>
-        <p:spPr/>
+        <p:spPr>
+          <a:xfrm>
+            <a:off x="609600" y="1108710"/>
+            <a:ext cx="7924800" cy="2933700"/>
+          </a:xfrm>
+        </p:spPr>
         <p:txBody>
-          <a:bodyPr/>
+          <a:bodyPr anchor="ctr"/>
           <a:lstStyle/>
           <a:p>
-            <a:endParaRPr lang="en-US"/>
-          </a:p>
-        </p:txBody>
-      </p:sp>
-      <p:sp>
-        <p:nvSpPr>
-          <p:cNvPr id="4" name="Text Placeholder 3">
-            <a:extLst>
-              <a:ext uri="{FF2B5EF4-FFF2-40B4-BE49-F238E27FC236}">
-                <a16:creationId xmlns:a16="http://schemas.microsoft.com/office/drawing/2014/main" id="{B1E8FA9F-7980-050E-A6BE-BAD89F293B58}"/>
-              </a:ext>
-            </a:extLst>
-          </p:cNvPr>
-          <p:cNvSpPr>
-            <a:spLocks noGrp="1"/>
-          </p:cNvSpPr>
-          <p:nvPr>
-            <p:ph type="body" sz="quarter" idx="13"/>
-          </p:nvPr>
-        </p:nvSpPr>
-        <p:spPr/>
-        <p:txBody>
-          <a:bodyPr/>
-          <a:lstStyle/>
-          <a:p>
-            <a:endParaRPr lang="en-US"/>
+            <a:pPr marL="114300" indent="0" algn="ctr">
+              <a:buNone/>
+            </a:pPr>
+            <a:r>
+              <a:rPr lang="en-US" sz="5400" b="1" dirty="0">
+                <a:solidFill>
+                  <a:schemeClr val="bg1"/>
+                </a:solidFill>
+              </a:rPr>
+              <a:t>Demo</a:t>
+            </a:r>
           </a:p>
         </p:txBody>
       </p:sp>
     </p:spTree>
     <p:extLst>
       <p:ext uri="{BB962C8B-B14F-4D97-AF65-F5344CB8AC3E}">
-        <p14:creationId xmlns:p14="http://schemas.microsoft.com/office/powerpoint/2010/main" val="1670365207"/>
+        <p14:creationId xmlns:p14="http://schemas.microsoft.com/office/powerpoint/2010/main" val="3855147692"/>
       </p:ext>
     </p:extLst>
   </p:cSld>
@@ -13732,7 +13141,7 @@
           <p:cNvPr id="2" name="Title 1">
             <a:extLst>
               <a:ext uri="{FF2B5EF4-FFF2-40B4-BE49-F238E27FC236}">
-                <a16:creationId xmlns:a16="http://schemas.microsoft.com/office/drawing/2014/main" id="{63623B00-6147-0960-A07D-16F8B2504737}"/>
+                <a16:creationId xmlns:a16="http://schemas.microsoft.com/office/drawing/2014/main" id="{29B56964-9D4C-6884-2DC5-721286929ED9}"/>
               </a:ext>
             </a:extLst>
           </p:cNvPr>
@@ -13748,7 +13157,10 @@
           <a:bodyPr/>
           <a:lstStyle/>
           <a:p>
-            <a:endParaRPr lang="en-US"/>
+            <a:r>
+              <a:rPr lang="en-US" dirty="0"/>
+              <a:t>Wrap-up</a:t>
+            </a:r>
           </a:p>
         </p:txBody>
       </p:sp>
@@ -13757,7 +13169,7 @@
           <p:cNvPr id="3" name="Text Placeholder 2">
             <a:extLst>
               <a:ext uri="{FF2B5EF4-FFF2-40B4-BE49-F238E27FC236}">
-                <a16:creationId xmlns:a16="http://schemas.microsoft.com/office/drawing/2014/main" id="{4E74595B-B7B9-30EE-553F-225901C333BC}"/>
+                <a16:creationId xmlns:a16="http://schemas.microsoft.com/office/drawing/2014/main" id="{44621436-45F4-61DA-39DC-7652C20CBFB9}"/>
               </a:ext>
             </a:extLst>
           </p:cNvPr>
@@ -13773,7 +13185,44 @@
           <a:bodyPr/>
           <a:lstStyle/>
           <a:p>
-            <a:endParaRPr lang="en-US"/>
+            <a:r>
+              <a:rPr lang="en-US" dirty="0"/>
+              <a:t>As highlighted above, __*BIS Pipeline*__ was created as an automated </a:t>
+            </a:r>
+            <a:r>
+              <a:rPr lang="en-US" dirty="0" err="1"/>
+              <a:t>pipline</a:t>
+            </a:r>
+            <a:r>
+              <a:rPr lang="en-US" dirty="0"/>
+              <a:t> framework for BIS - and, prospectively, complementary - data. Considering this, output examples are limited to *baseline* data and analytical visualizations. That said, pipeline extensibility was considered in design and implementation, and is encouraged.</a:t>
+            </a:r>
+          </a:p>
+          <a:p>
+            <a:endParaRPr lang="en-US" dirty="0"/>
+          </a:p>
+          <a:p>
+            <a:r>
+              <a:rPr lang="en-US" dirty="0"/>
+              <a:t>Regarding potential environment limitations, executing the pipeline on a local (e.g., vs. scalable cloud) environment may limit options when expanding the scope of the database to include most or all the datasets housed on BIS’s website. For instance, that substantial increase in data will result in more space to house the data which may lead to further investment in hardware. So, while the pipeline itself will be highly scalable moving forward, the limitations of on-site hardware could potentially put hold on materially expanding the database.</a:t>
+            </a:r>
+          </a:p>
+          <a:p>
+            <a:endParaRPr lang="en-US" dirty="0"/>
+          </a:p>
+          <a:p>
+            <a:r>
+              <a:rPr lang="en-US" dirty="0"/>
+              <a:t>In conclusion, __*BIS </a:t>
+            </a:r>
+            <a:r>
+              <a:rPr lang="en-US" dirty="0" err="1"/>
+              <a:t>Pipline</a:t>
+            </a:r>
+            <a:r>
+              <a:rPr lang="en-US" dirty="0"/>
+              <a:t>*__ was developed as a *base* framework to enable and extend analytics and other usage of global financial data provided by the Bank of International Settlements. As noted above under *Opportunity and Solution*, possibilities range from descriptive analytics and visualization to advanced predictive models and others. The pipeline's architecture,  implementation approach, and automation support data and consumption pattern extensions limited only by user interest and ambition.</a:t>
+            </a:r>
           </a:p>
         </p:txBody>
       </p:sp>
@@ -13782,7 +13231,7 @@
           <p:cNvPr id="4" name="Text Placeholder 3">
             <a:extLst>
               <a:ext uri="{FF2B5EF4-FFF2-40B4-BE49-F238E27FC236}">
-                <a16:creationId xmlns:a16="http://schemas.microsoft.com/office/drawing/2014/main" id="{15781414-0B40-07C3-28CF-83B82076E52C}"/>
+                <a16:creationId xmlns:a16="http://schemas.microsoft.com/office/drawing/2014/main" id="{602DA5C9-7D0B-F552-7ACC-2C6B73997A14}"/>
               </a:ext>
             </a:extLst>
           </p:cNvPr>
@@ -13798,14 +13247,23 @@
           <a:bodyPr/>
           <a:lstStyle/>
           <a:p>
-            <a:endParaRPr lang="en-US"/>
+            <a:r>
+              <a:rPr lang="en-US" dirty="0"/>
+              <a:t>Gaps and</a:t>
+            </a:r>
+          </a:p>
+          <a:p>
+            <a:r>
+              <a:rPr lang="en-US" dirty="0"/>
+              <a:t>extensibility</a:t>
+            </a:r>
           </a:p>
         </p:txBody>
       </p:sp>
     </p:spTree>
     <p:extLst>
       <p:ext uri="{BB962C8B-B14F-4D97-AF65-F5344CB8AC3E}">
-        <p14:creationId xmlns:p14="http://schemas.microsoft.com/office/powerpoint/2010/main" val="2227303873"/>
+        <p14:creationId xmlns:p14="http://schemas.microsoft.com/office/powerpoint/2010/main" val="3241294105"/>
       </p:ext>
     </p:extLst>
   </p:cSld>

--- a/docs/ADS507-Team6-Final-Project-Presentation.pptx
+++ b/docs/ADS507-Team6-Final-Project-Presentation.pptx
@@ -13186,16 +13186,49 @@
           <a:lstStyle/>
           <a:p>
             <a:r>
-              <a:rPr lang="en-US" dirty="0"/>
-              <a:t>As highlighted above, __*BIS Pipeline*__ was created as an automated </a:t>
+              <a:rPr lang="en-US" b="1" dirty="0">
+                <a:solidFill>
+                  <a:srgbClr val="0070C0"/>
+                </a:solidFill>
+              </a:rPr>
+              <a:t>Automated pipeline </a:t>
             </a:r>
             <a:r>
-              <a:rPr lang="en-US" dirty="0" err="1"/>
-              <a:t>pipline</a:t>
+              <a:rPr lang="en-US" b="1" i="1" dirty="0">
+                <a:solidFill>
+                  <a:srgbClr val="0070C0"/>
+                </a:solidFill>
+              </a:rPr>
+              <a:t>framework</a:t>
             </a:r>
             <a:r>
               <a:rPr lang="en-US" dirty="0"/>
-              <a:t> framework for BIS - and, prospectively, complementary - data. Considering this, output examples are limited to *baseline* data and analytical visualizations. That said, pipeline extensibility was considered in design and implementation, and is encouraged.</a:t>
+              <a:t> for BIS (and other) data </a:t>
+            </a:r>
+            <a:r>
+              <a:rPr lang="en-US" dirty="0">
+                <a:sym typeface="Wingdings" pitchFamily="2" charset="2"/>
+              </a:rPr>
+              <a:t> </a:t>
+            </a:r>
+            <a:r>
+              <a:rPr lang="en-US" b="1" dirty="0">
+                <a:solidFill>
+                  <a:srgbClr val="0070C0"/>
+                </a:solidFill>
+                <a:sym typeface="Wingdings" pitchFamily="2" charset="2"/>
+              </a:rPr>
+              <a:t>extensible</a:t>
+            </a:r>
+            <a:r>
+              <a:rPr lang="en-US" dirty="0">
+                <a:sym typeface="Wingdings" pitchFamily="2" charset="2"/>
+              </a:rPr>
+              <a:t> by </a:t>
+            </a:r>
+            <a:r>
+              <a:rPr lang="en-US" dirty="0"/>
+              <a:t>design and implementation</a:t>
             </a:r>
           </a:p>
           <a:p>
@@ -13204,7 +13237,15 @@
           <a:p>
             <a:r>
               <a:rPr lang="en-US" dirty="0"/>
-              <a:t>Regarding potential environment limitations, executing the pipeline on a local (e.g., vs. scalable cloud) environment may limit options when expanding the scope of the database to include most or all the datasets housed on BIS’s website. For instance, that substantial increase in data will result in more space to house the data which may lead to further investment in hardware. So, while the pipeline itself will be highly scalable moving forward, the limitations of on-site hardware could potentially put hold on materially expanding the database.</a:t>
+              <a:t>Limitations include </a:t>
+            </a:r>
+            <a:r>
+              <a:rPr lang="en-US" i="1" dirty="0"/>
+              <a:t>baseline</a:t>
+            </a:r>
+            <a:r>
+              <a:rPr lang="en-US" dirty="0"/>
+              <a:t> scope and potentially environmental (e.g., “local” execution)</a:t>
             </a:r>
           </a:p>
           <a:p>
@@ -13213,15 +13254,19 @@
           <a:p>
             <a:r>
               <a:rPr lang="en-US" dirty="0"/>
-              <a:t>In conclusion, __*BIS </a:t>
+              <a:t>Net: </a:t>
             </a:r>
             <a:r>
-              <a:rPr lang="en-US" dirty="0" err="1"/>
-              <a:t>Pipline</a:t>
+              <a:rPr lang="en-US" b="1" dirty="0">
+                <a:solidFill>
+                  <a:srgbClr val="0070C0"/>
+                </a:solidFill>
+              </a:rPr>
+              <a:t>BIS Pipeline provides a framework to enable and extend global financial analytics</a:t>
             </a:r>
             <a:r>
               <a:rPr lang="en-US" dirty="0"/>
-              <a:t>*__ was developed as a *base* framework to enable and extend analytics and other usage of global financial data provided by the Bank of International Settlements. As noted above under *Opportunity and Solution*, possibilities range from descriptive analytics and visualization to advanced predictive models and others. The pipeline's architecture,  implementation approach, and automation support data and consumption pattern extensions limited only by user interest and ambition.</a:t>
+              <a:t>; possibilities range from descriptive analytics to advanced predictive models and more</a:t>
             </a:r>
           </a:p>
         </p:txBody>

--- a/docs/ADS507-Team6-Final-Project-Presentation.pptx
+++ b/docs/ADS507-Team6-Final-Project-Presentation.pptx
@@ -9918,7 +9918,11 @@
             </a:br>
             <a:r>
               <a:rPr lang="en-US" sz="1800" b="0" dirty="0"/>
-              <a:t>Ecosystem and data flow</a:t>
+              <a:t>Consumption </a:t>
+            </a:r>
+            <a:r>
+              <a:rPr lang="en-US" sz="1800" b="0" i="1" dirty="0"/>
+              <a:t>(example)</a:t>
             </a:r>
           </a:p>
         </p:txBody>
@@ -15567,7 +15571,7 @@
             </a:br>
             <a:r>
               <a:rPr lang="en-US" sz="1800" b="0" dirty="0"/>
-              <a:t>Ecosystem and data flow</a:t>
+              <a:t>Sourcing data</a:t>
             </a:r>
           </a:p>
         </p:txBody>
@@ -17718,7 +17722,7 @@
             </a:br>
             <a:r>
               <a:rPr lang="en-US" sz="1800" b="0" dirty="0"/>
-              <a:t>Ecosystem and data flow</a:t>
+              <a:t>Extraction and load</a:t>
             </a:r>
           </a:p>
         </p:txBody>
@@ -19869,7 +19873,7 @@
             </a:br>
             <a:r>
               <a:rPr lang="en-US" sz="1800" b="0" dirty="0"/>
-              <a:t>Ecosystem and data flow</a:t>
+              <a:t>Transformation</a:t>
             </a:r>
           </a:p>
         </p:txBody>

--- a/docs/ADS507-Team6-Final-Project-Presentation.pptx
+++ b/docs/ADS507-Team6-Final-Project-Presentation.pptx
@@ -9843,7 +9843,7 @@
           <p:nvPr/>
         </p:nvPicPr>
         <p:blipFill>
-          <a:blip r:embed="rId2"/>
+          <a:blip r:embed="rId4"/>
           <a:stretch>
             <a:fillRect/>
           </a:stretch>
@@ -9852,6 +9852,44 @@
           <a:xfrm>
             <a:off x="5806440" y="894080"/>
             <a:ext cx="2744470" cy="2744470"/>
+          </a:xfrm>
+          <a:prstGeom prst="rect">
+            <a:avLst/>
+          </a:prstGeom>
+        </p:spPr>
+      </p:pic>
+      <p:pic>
+        <p:nvPicPr>
+          <p:cNvPr id="20" name="Audio 19">
+            <a:hlinkClick r:id="" action="ppaction://media"/>
+            <a:extLst>
+              <a:ext uri="{FF2B5EF4-FFF2-40B4-BE49-F238E27FC236}">
+                <a16:creationId xmlns:a16="http://schemas.microsoft.com/office/drawing/2014/main" id="{08144056-E39B-EB03-7CCA-2E0882C4C6E1}"/>
+              </a:ext>
+            </a:extLst>
+          </p:cNvPr>
+          <p:cNvPicPr>
+            <a:picLocks noChangeAspect="1"/>
+          </p:cNvPicPr>
+          <p:nvPr>
+            <a:audioFile r:link="rId2"/>
+            <p:extLst>
+              <p:ext uri="{DAA4B4D4-6D71-4841-9C94-3DE7FCFB9230}">
+                <p14:media xmlns:p14="http://schemas.microsoft.com/office/powerpoint/2010/main" r:embed="rId1"/>
+              </p:ext>
+            </p:extLst>
+          </p:nvPr>
+        </p:nvPicPr>
+        <p:blipFill>
+          <a:blip r:embed="rId5"/>
+          <a:stretch>
+            <a:fillRect/>
+          </a:stretch>
+        </p:blipFill>
+        <p:spPr>
+          <a:xfrm>
+            <a:off x="8148638" y="4148138"/>
+            <a:ext cx="812800" cy="812800"/>
           </a:xfrm>
           <a:prstGeom prst="rect">
             <a:avLst/>
@@ -9868,6 +9906,101 @@
   <p:clrMapOvr>
     <a:masterClrMapping/>
   </p:clrMapOvr>
+  <mc:AlternateContent xmlns:mc="http://schemas.openxmlformats.org/markup-compatibility/2006">
+    <mc:Choice xmlns:p14="http://schemas.microsoft.com/office/powerpoint/2010/main" Requires="p14">
+      <p:transition spd="slow" p14:dur="2000" advTm="16522"/>
+    </mc:Choice>
+    <mc:Fallback>
+      <p:transition spd="slow" advTm="16522"/>
+    </mc:Fallback>
+  </mc:AlternateContent>
+  <p:timing>
+    <p:tnLst>
+      <p:par>
+        <p:cTn id="1" dur="indefinite" restart="never" nodeType="tmRoot">
+          <p:childTnLst>
+            <p:seq concurrent="1" nextAc="seek">
+              <p:cTn id="2" dur="indefinite" nodeType="mainSeq">
+                <p:childTnLst>
+                  <p:par>
+                    <p:cTn id="3" fill="hold">
+                      <p:stCondLst>
+                        <p:cond delay="indefinite"/>
+                        <p:cond evt="onBegin" delay="0">
+                          <p:tn val="2"/>
+                        </p:cond>
+                      </p:stCondLst>
+                      <p:childTnLst>
+                        <p:par>
+                          <p:cTn id="4" fill="hold">
+                            <p:stCondLst>
+                              <p:cond delay="0"/>
+                            </p:stCondLst>
+                            <p:childTnLst>
+                              <p:par>
+                                <p:cTn id="5" presetID="1" presetClass="mediacall" presetSubtype="0" fill="hold" nodeType="afterEffect">
+                                  <p:stCondLst>
+                                    <p:cond delay="0"/>
+                                  </p:stCondLst>
+                                  <p:childTnLst>
+                                    <p:cmd type="call" cmd="playFrom(0.0)">
+                                      <p:cBhvr>
+                                        <p:cTn id="6" dur="1" fill="hold"/>
+                                        <p:tgtEl>
+                                          <p:spTgt spid="20"/>
+                                        </p:tgtEl>
+                                      </p:cBhvr>
+                                    </p:cmd>
+                                  </p:childTnLst>
+                                </p:cTn>
+                              </p:par>
+                            </p:childTnLst>
+                          </p:cTn>
+                        </p:par>
+                      </p:childTnLst>
+                    </p:cTn>
+                  </p:par>
+                </p:childTnLst>
+              </p:cTn>
+              <p:prevCondLst>
+                <p:cond evt="onPrev" delay="0">
+                  <p:tgtEl>
+                    <p:sldTgt/>
+                  </p:tgtEl>
+                </p:cond>
+              </p:prevCondLst>
+              <p:nextCondLst>
+                <p:cond evt="onNext" delay="0">
+                  <p:tgtEl>
+                    <p:sldTgt/>
+                  </p:tgtEl>
+                </p:cond>
+              </p:nextCondLst>
+            </p:seq>
+            <p:audio isNarration="1">
+              <p:cMediaNode vol="80000" showWhenStopped="0">
+                <p:cTn id="7" fill="hold" display="0">
+                  <p:stCondLst>
+                    <p:cond delay="indefinite"/>
+                  </p:stCondLst>
+                  <p:endCondLst>
+                    <p:cond evt="onStopAudio" delay="0">
+                      <p:tgtEl>
+                        <p:sldTgt/>
+                      </p:tgtEl>
+                    </p:cond>
+                  </p:endCondLst>
+                </p:cTn>
+                <p:tgtEl>
+                  <p:spTgt spid="20"/>
+                </p:tgtEl>
+              </p:cMediaNode>
+            </p:audio>
+          </p:childTnLst>
+        </p:cTn>
+      </p:par>
+    </p:tnLst>
+  </p:timing>
 </p:sld>
 </file>
 
@@ -11818,6 +11951,44 @@
           </a:p>
         </p:txBody>
       </p:sp>
+      <p:pic>
+        <p:nvPicPr>
+          <p:cNvPr id="44" name="Audio 43">
+            <a:hlinkClick r:id="" action="ppaction://media"/>
+            <a:extLst>
+              <a:ext uri="{FF2B5EF4-FFF2-40B4-BE49-F238E27FC236}">
+                <a16:creationId xmlns:a16="http://schemas.microsoft.com/office/drawing/2014/main" id="{3D35F960-070A-CCA9-E395-6ED07E24C7DF}"/>
+              </a:ext>
+            </a:extLst>
+          </p:cNvPr>
+          <p:cNvPicPr>
+            <a:picLocks noChangeAspect="1"/>
+          </p:cNvPicPr>
+          <p:nvPr>
+            <a:audioFile r:link="rId2"/>
+            <p:extLst>
+              <p:ext uri="{DAA4B4D4-6D71-4841-9C94-3DE7FCFB9230}">
+                <p14:media xmlns:p14="http://schemas.microsoft.com/office/powerpoint/2010/main" r:embed="rId1"/>
+              </p:ext>
+            </p:extLst>
+          </p:nvPr>
+        </p:nvPicPr>
+        <p:blipFill>
+          <a:blip r:embed="rId4"/>
+          <a:stretch>
+            <a:fillRect/>
+          </a:stretch>
+        </p:blipFill>
+        <p:spPr>
+          <a:xfrm>
+            <a:off x="8148638" y="4148138"/>
+            <a:ext cx="812800" cy="812800"/>
+          </a:xfrm>
+          <a:prstGeom prst="rect">
+            <a:avLst/>
+          </a:prstGeom>
+        </p:spPr>
+      </p:pic>
     </p:spTree>
     <p:extLst>
       <p:ext uri="{BB962C8B-B14F-4D97-AF65-F5344CB8AC3E}">
@@ -11828,6 +11999,14 @@
   <p:clrMapOvr>
     <a:masterClrMapping/>
   </p:clrMapOvr>
+  <mc:AlternateContent xmlns:mc="http://schemas.openxmlformats.org/markup-compatibility/2006">
+    <mc:Choice xmlns:p14="http://schemas.microsoft.com/office/powerpoint/2010/main" Requires="p14">
+      <p:transition spd="slow" p14:dur="2000" advTm="41002"/>
+    </mc:Choice>
+    <mc:Fallback>
+      <p:transition spd="slow" advTm="41002"/>
+    </mc:Fallback>
+  </mc:AlternateContent>
   <p:timing>
     <p:tnLst>
       <p:par>
@@ -11852,14 +12031,31 @@
                             </p:stCondLst>
                             <p:childTnLst>
                               <p:par>
-                                <p:cTn id="5" presetID="9" presetClass="emph" presetSubtype="0" nodeType="withEffect">
+                                <p:cTn id="5" presetID="1" presetClass="mediacall" presetSubtype="0" fill="hold" nodeType="afterEffect">
+                                  <p:stCondLst>
+                                    <p:cond delay="0"/>
+                                  </p:stCondLst>
+                                  <p:childTnLst>
+                                    <p:cmd type="call" cmd="playFrom(0.0)">
+                                      <p:cBhvr>
+                                        <p:cTn id="6" dur="1" fill="hold"/>
+                                        <p:tgtEl>
+                                          <p:spTgt spid="44"/>
+                                        </p:tgtEl>
+                                      </p:cBhvr>
+                                    </p:cmd>
+                                  </p:childTnLst>
+                                </p:cTn>
+                              </p:par>
+                              <p:par>
+                                <p:cTn id="7" presetID="9" presetClass="emph" presetSubtype="0" nodeType="withEffect">
                                   <p:stCondLst>
                                     <p:cond delay="0"/>
                                   </p:stCondLst>
                                   <p:childTnLst>
                                     <p:set>
                                       <p:cBhvr>
-                                        <p:cTn id="6" dur="indefinite"/>
+                                        <p:cTn id="8" dur="indefinite"/>
                                         <p:tgtEl>
                                           <p:spTgt spid="31"/>
                                         </p:tgtEl>
@@ -11873,7 +12069,7 @@
                                     </p:set>
                                     <p:animEffect filter="image" prLst="opacity: 0.2">
                                       <p:cBhvr rctx="IE">
-                                        <p:cTn id="7" dur="indefinite"/>
+                                        <p:cTn id="9" dur="indefinite"/>
                                         <p:tgtEl>
                                           <p:spTgt spid="31"/>
                                         </p:tgtEl>
@@ -11883,14 +12079,14 @@
                                 </p:cTn>
                               </p:par>
                               <p:par>
-                                <p:cTn id="8" presetID="9" presetClass="emph" presetSubtype="0" nodeType="withEffect">
+                                <p:cTn id="10" presetID="9" presetClass="emph" presetSubtype="0" nodeType="withEffect">
                                   <p:stCondLst>
                                     <p:cond delay="0"/>
                                   </p:stCondLst>
                                   <p:childTnLst>
                                     <p:set>
                                       <p:cBhvr>
-                                        <p:cTn id="9" dur="indefinite"/>
+                                        <p:cTn id="11" dur="indefinite"/>
                                         <p:tgtEl>
                                           <p:spTgt spid="30"/>
                                         </p:tgtEl>
@@ -11904,7 +12100,7 @@
                                     </p:set>
                                     <p:animEffect filter="image" prLst="opacity: 0.2">
                                       <p:cBhvr rctx="IE">
-                                        <p:cTn id="10" dur="indefinite"/>
+                                        <p:cTn id="12" dur="indefinite"/>
                                         <p:tgtEl>
                                           <p:spTgt spid="30"/>
                                         </p:tgtEl>
@@ -11914,14 +12110,14 @@
                                 </p:cTn>
                               </p:par>
                               <p:par>
-                                <p:cTn id="11" presetID="9" presetClass="emph" presetSubtype="0" grpId="0" nodeType="withEffect">
+                                <p:cTn id="13" presetID="9" presetClass="emph" presetSubtype="0" grpId="0" nodeType="withEffect">
                                   <p:stCondLst>
                                     <p:cond delay="0"/>
                                   </p:stCondLst>
                                   <p:childTnLst>
                                     <p:set>
                                       <p:cBhvr>
-                                        <p:cTn id="12" dur="indefinite"/>
+                                        <p:cTn id="14" dur="indefinite"/>
                                         <p:tgtEl>
                                           <p:spTgt spid="16"/>
                                         </p:tgtEl>
@@ -11935,7 +12131,7 @@
                                     </p:set>
                                     <p:animEffect filter="image" prLst="opacity: 0.2">
                                       <p:cBhvr rctx="IE">
-                                        <p:cTn id="13" dur="indefinite"/>
+                                        <p:cTn id="15" dur="indefinite"/>
                                         <p:tgtEl>
                                           <p:spTgt spid="16"/>
                                         </p:tgtEl>
@@ -11945,14 +12141,14 @@
                                 </p:cTn>
                               </p:par>
                               <p:par>
-                                <p:cTn id="14" presetID="9" presetClass="emph" presetSubtype="0" grpId="0" nodeType="withEffect">
+                                <p:cTn id="16" presetID="9" presetClass="emph" presetSubtype="0" grpId="0" nodeType="withEffect">
                                   <p:stCondLst>
                                     <p:cond delay="0"/>
                                   </p:stCondLst>
                                   <p:childTnLst>
                                     <p:set>
                                       <p:cBhvr>
-                                        <p:cTn id="15" dur="indefinite"/>
+                                        <p:cTn id="17" dur="indefinite"/>
                                         <p:tgtEl>
                                           <p:spTgt spid="23"/>
                                         </p:tgtEl>
@@ -11966,7 +12162,7 @@
                                     </p:set>
                                     <p:animEffect filter="image" prLst="opacity: 0.2">
                                       <p:cBhvr rctx="IE">
-                                        <p:cTn id="16" dur="indefinite"/>
+                                        <p:cTn id="18" dur="indefinite"/>
                                         <p:tgtEl>
                                           <p:spTgt spid="23"/>
                                         </p:tgtEl>
@@ -11976,14 +12172,14 @@
                                 </p:cTn>
                               </p:par>
                               <p:par>
-                                <p:cTn id="17" presetID="9" presetClass="emph" presetSubtype="0" grpId="0" nodeType="withEffect">
+                                <p:cTn id="19" presetID="9" presetClass="emph" presetSubtype="0" grpId="0" nodeType="withEffect">
                                   <p:stCondLst>
                                     <p:cond delay="0"/>
                                   </p:stCondLst>
                                   <p:childTnLst>
                                     <p:set>
                                       <p:cBhvr>
-                                        <p:cTn id="18" dur="indefinite"/>
+                                        <p:cTn id="20" dur="indefinite"/>
                                         <p:tgtEl>
                                           <p:spTgt spid="40"/>
                                         </p:tgtEl>
@@ -11997,7 +12193,7 @@
                                     </p:set>
                                     <p:animEffect filter="image" prLst="opacity: 0.2">
                                       <p:cBhvr rctx="IE">
-                                        <p:cTn id="19" dur="indefinite"/>
+                                        <p:cTn id="21" dur="indefinite"/>
                                         <p:tgtEl>
                                           <p:spTgt spid="40"/>
                                         </p:tgtEl>
@@ -12007,14 +12203,14 @@
                                 </p:cTn>
                               </p:par>
                               <p:par>
-                                <p:cTn id="20" presetID="9" presetClass="emph" presetSubtype="0" grpId="0" nodeType="withEffect">
+                                <p:cTn id="22" presetID="9" presetClass="emph" presetSubtype="0" grpId="0" nodeType="withEffect">
                                   <p:stCondLst>
                                     <p:cond delay="0"/>
                                   </p:stCondLst>
                                   <p:childTnLst>
                                     <p:set>
                                       <p:cBhvr>
-                                        <p:cTn id="21" dur="indefinite"/>
+                                        <p:cTn id="23" dur="indefinite"/>
                                         <p:tgtEl>
                                           <p:spTgt spid="41"/>
                                         </p:tgtEl>
@@ -12028,7 +12224,7 @@
                                     </p:set>
                                     <p:animEffect filter="image" prLst="opacity: 0.2">
                                       <p:cBhvr rctx="IE">
-                                        <p:cTn id="22" dur="indefinite"/>
+                                        <p:cTn id="24" dur="indefinite"/>
                                         <p:tgtEl>
                                           <p:spTgt spid="41"/>
                                         </p:tgtEl>
@@ -12038,14 +12234,14 @@
                                 </p:cTn>
                               </p:par>
                               <p:par>
-                                <p:cTn id="23" presetID="1" presetClass="entr" presetSubtype="0" fill="hold" grpId="0" nodeType="withEffect">
+                                <p:cTn id="25" presetID="1" presetClass="entr" presetSubtype="0" fill="hold" grpId="0" nodeType="withEffect">
                                   <p:stCondLst>
                                     <p:cond delay="0"/>
                                   </p:stCondLst>
                                   <p:childTnLst>
                                     <p:set>
                                       <p:cBhvr>
-                                        <p:cTn id="24" dur="1" fill="hold">
+                                        <p:cTn id="26" dur="1" fill="hold">
                                           <p:stCondLst>
                                             <p:cond delay="0"/>
                                           </p:stCondLst>
@@ -12087,6 +12283,25 @@
                 </p:cond>
               </p:nextCondLst>
             </p:seq>
+            <p:audio isNarration="1">
+              <p:cMediaNode vol="80000" showWhenStopped="0">
+                <p:cTn id="27" fill="hold" display="0">
+                  <p:stCondLst>
+                    <p:cond delay="indefinite"/>
+                  </p:stCondLst>
+                  <p:endCondLst>
+                    <p:cond evt="onStopAudio" delay="0">
+                      <p:tgtEl>
+                        <p:sldTgt/>
+                      </p:tgtEl>
+                    </p:cond>
+                  </p:endCondLst>
+                </p:cTn>
+                <p:tgtEl>
+                  <p:spTgt spid="44"/>
+                </p:tgtEl>
+              </p:cMediaNode>
+            </p:audio>
           </p:childTnLst>
         </p:cTn>
       </p:par>
@@ -12356,6 +12571,44 @@
           </a:p>
         </p:txBody>
       </p:sp>
+      <p:pic>
+        <p:nvPicPr>
+          <p:cNvPr id="18" name="Audio 17">
+            <a:hlinkClick r:id="" action="ppaction://media"/>
+            <a:extLst>
+              <a:ext uri="{FF2B5EF4-FFF2-40B4-BE49-F238E27FC236}">
+                <a16:creationId xmlns:a16="http://schemas.microsoft.com/office/drawing/2014/main" id="{BC877C54-06EA-5C10-F417-484BB5F592A9}"/>
+              </a:ext>
+            </a:extLst>
+          </p:cNvPr>
+          <p:cNvPicPr>
+            <a:picLocks noChangeAspect="1"/>
+          </p:cNvPicPr>
+          <p:nvPr>
+            <a:audioFile r:link="rId2"/>
+            <p:extLst>
+              <p:ext uri="{DAA4B4D4-6D71-4841-9C94-3DE7FCFB9230}">
+                <p14:media xmlns:p14="http://schemas.microsoft.com/office/powerpoint/2010/main" r:embed="rId1"/>
+              </p:ext>
+            </p:extLst>
+          </p:nvPr>
+        </p:nvPicPr>
+        <p:blipFill>
+          <a:blip r:embed="rId4"/>
+          <a:stretch>
+            <a:fillRect/>
+          </a:stretch>
+        </p:blipFill>
+        <p:spPr>
+          <a:xfrm>
+            <a:off x="8148638" y="4148138"/>
+            <a:ext cx="812800" cy="812800"/>
+          </a:xfrm>
+          <a:prstGeom prst="rect">
+            <a:avLst/>
+          </a:prstGeom>
+        </p:spPr>
+      </p:pic>
     </p:spTree>
     <p:extLst>
       <p:ext uri="{BB962C8B-B14F-4D97-AF65-F5344CB8AC3E}">
@@ -12366,6 +12619,101 @@
   <p:clrMapOvr>
     <a:masterClrMapping/>
   </p:clrMapOvr>
+  <mc:AlternateContent xmlns:mc="http://schemas.openxmlformats.org/markup-compatibility/2006">
+    <mc:Choice xmlns:p14="http://schemas.microsoft.com/office/powerpoint/2010/main" Requires="p14">
+      <p:transition spd="slow" p14:dur="2000" advTm="48522"/>
+    </mc:Choice>
+    <mc:Fallback>
+      <p:transition spd="slow" advTm="48522"/>
+    </mc:Fallback>
+  </mc:AlternateContent>
+  <p:timing>
+    <p:tnLst>
+      <p:par>
+        <p:cTn id="1" dur="indefinite" restart="never" nodeType="tmRoot">
+          <p:childTnLst>
+            <p:seq concurrent="1" nextAc="seek">
+              <p:cTn id="2" dur="indefinite" nodeType="mainSeq">
+                <p:childTnLst>
+                  <p:par>
+                    <p:cTn id="3" fill="hold">
+                      <p:stCondLst>
+                        <p:cond delay="indefinite"/>
+                        <p:cond evt="onBegin" delay="0">
+                          <p:tn val="2"/>
+                        </p:cond>
+                      </p:stCondLst>
+                      <p:childTnLst>
+                        <p:par>
+                          <p:cTn id="4" fill="hold">
+                            <p:stCondLst>
+                              <p:cond delay="0"/>
+                            </p:stCondLst>
+                            <p:childTnLst>
+                              <p:par>
+                                <p:cTn id="5" presetID="1" presetClass="mediacall" presetSubtype="0" fill="hold" nodeType="afterEffect">
+                                  <p:stCondLst>
+                                    <p:cond delay="0"/>
+                                  </p:stCondLst>
+                                  <p:childTnLst>
+                                    <p:cmd type="call" cmd="playFrom(0.0)">
+                                      <p:cBhvr>
+                                        <p:cTn id="6" dur="1" fill="hold"/>
+                                        <p:tgtEl>
+                                          <p:spTgt spid="18"/>
+                                        </p:tgtEl>
+                                      </p:cBhvr>
+                                    </p:cmd>
+                                  </p:childTnLst>
+                                </p:cTn>
+                              </p:par>
+                            </p:childTnLst>
+                          </p:cTn>
+                        </p:par>
+                      </p:childTnLst>
+                    </p:cTn>
+                  </p:par>
+                </p:childTnLst>
+              </p:cTn>
+              <p:prevCondLst>
+                <p:cond evt="onPrev" delay="0">
+                  <p:tgtEl>
+                    <p:sldTgt/>
+                  </p:tgtEl>
+                </p:cond>
+              </p:prevCondLst>
+              <p:nextCondLst>
+                <p:cond evt="onNext" delay="0">
+                  <p:tgtEl>
+                    <p:sldTgt/>
+                  </p:tgtEl>
+                </p:cond>
+              </p:nextCondLst>
+            </p:seq>
+            <p:audio isNarration="1">
+              <p:cMediaNode vol="80000" showWhenStopped="0">
+                <p:cTn id="7" fill="hold" display="0">
+                  <p:stCondLst>
+                    <p:cond delay="indefinite"/>
+                  </p:stCondLst>
+                  <p:endCondLst>
+                    <p:cond evt="onStopAudio" delay="0">
+                      <p:tgtEl>
+                        <p:sldTgt/>
+                      </p:tgtEl>
+                    </p:cond>
+                  </p:endCondLst>
+                </p:cTn>
+                <p:tgtEl>
+                  <p:spTgt spid="18"/>
+                </p:tgtEl>
+              </p:cMediaNode>
+            </p:audio>
+          </p:childTnLst>
+        </p:cTn>
+      </p:par>
+    </p:tnLst>
+  </p:timing>
 </p:sld>
 </file>
 
@@ -12969,6 +13317,44 @@
           </a:p>
         </p:txBody>
       </p:sp>
+      <p:pic>
+        <p:nvPicPr>
+          <p:cNvPr id="54" name="Audio 53">
+            <a:hlinkClick r:id="" action="ppaction://media"/>
+            <a:extLst>
+              <a:ext uri="{FF2B5EF4-FFF2-40B4-BE49-F238E27FC236}">
+                <a16:creationId xmlns:a16="http://schemas.microsoft.com/office/drawing/2014/main" id="{25DAA1D8-0DF7-91CE-5348-AF9E081DF961}"/>
+              </a:ext>
+            </a:extLst>
+          </p:cNvPr>
+          <p:cNvPicPr>
+            <a:picLocks noChangeAspect="1"/>
+          </p:cNvPicPr>
+          <p:nvPr>
+            <a:audioFile r:link="rId2"/>
+            <p:extLst>
+              <p:ext uri="{DAA4B4D4-6D71-4841-9C94-3DE7FCFB9230}">
+                <p14:media xmlns:p14="http://schemas.microsoft.com/office/powerpoint/2010/main" r:embed="rId1"/>
+              </p:ext>
+            </p:extLst>
+          </p:nvPr>
+        </p:nvPicPr>
+        <p:blipFill>
+          <a:blip r:embed="rId4"/>
+          <a:stretch>
+            <a:fillRect/>
+          </a:stretch>
+        </p:blipFill>
+        <p:spPr>
+          <a:xfrm>
+            <a:off x="8148638" y="4148138"/>
+            <a:ext cx="812800" cy="812800"/>
+          </a:xfrm>
+          <a:prstGeom prst="rect">
+            <a:avLst/>
+          </a:prstGeom>
+        </p:spPr>
+      </p:pic>
     </p:spTree>
     <p:extLst>
       <p:ext uri="{BB962C8B-B14F-4D97-AF65-F5344CB8AC3E}">
@@ -12979,6 +13365,101 @@
   <p:clrMapOvr>
     <a:masterClrMapping/>
   </p:clrMapOvr>
+  <mc:AlternateContent xmlns:mc="http://schemas.openxmlformats.org/markup-compatibility/2006">
+    <mc:Choice xmlns:p14="http://schemas.microsoft.com/office/powerpoint/2010/main" Requires="p14">
+      <p:transition spd="slow" p14:dur="2000" advTm="39402"/>
+    </mc:Choice>
+    <mc:Fallback>
+      <p:transition spd="slow" advTm="39402"/>
+    </mc:Fallback>
+  </mc:AlternateContent>
+  <p:timing>
+    <p:tnLst>
+      <p:par>
+        <p:cTn id="1" dur="indefinite" restart="never" nodeType="tmRoot">
+          <p:childTnLst>
+            <p:seq concurrent="1" nextAc="seek">
+              <p:cTn id="2" dur="indefinite" nodeType="mainSeq">
+                <p:childTnLst>
+                  <p:par>
+                    <p:cTn id="3" fill="hold">
+                      <p:stCondLst>
+                        <p:cond delay="indefinite"/>
+                        <p:cond evt="onBegin" delay="0">
+                          <p:tn val="2"/>
+                        </p:cond>
+                      </p:stCondLst>
+                      <p:childTnLst>
+                        <p:par>
+                          <p:cTn id="4" fill="hold">
+                            <p:stCondLst>
+                              <p:cond delay="0"/>
+                            </p:stCondLst>
+                            <p:childTnLst>
+                              <p:par>
+                                <p:cTn id="5" presetID="1" presetClass="mediacall" presetSubtype="0" fill="hold" nodeType="afterEffect">
+                                  <p:stCondLst>
+                                    <p:cond delay="0"/>
+                                  </p:stCondLst>
+                                  <p:childTnLst>
+                                    <p:cmd type="call" cmd="playFrom(0.0)">
+                                      <p:cBhvr>
+                                        <p:cTn id="6" dur="1" fill="hold"/>
+                                        <p:tgtEl>
+                                          <p:spTgt spid="54"/>
+                                        </p:tgtEl>
+                                      </p:cBhvr>
+                                    </p:cmd>
+                                  </p:childTnLst>
+                                </p:cTn>
+                              </p:par>
+                            </p:childTnLst>
+                          </p:cTn>
+                        </p:par>
+                      </p:childTnLst>
+                    </p:cTn>
+                  </p:par>
+                </p:childTnLst>
+              </p:cTn>
+              <p:prevCondLst>
+                <p:cond evt="onPrev" delay="0">
+                  <p:tgtEl>
+                    <p:sldTgt/>
+                  </p:tgtEl>
+                </p:cond>
+              </p:prevCondLst>
+              <p:nextCondLst>
+                <p:cond evt="onNext" delay="0">
+                  <p:tgtEl>
+                    <p:sldTgt/>
+                  </p:tgtEl>
+                </p:cond>
+              </p:nextCondLst>
+            </p:seq>
+            <p:audio isNarration="1">
+              <p:cMediaNode vol="80000" showWhenStopped="0">
+                <p:cTn id="7" fill="hold" display="0">
+                  <p:stCondLst>
+                    <p:cond delay="indefinite"/>
+                  </p:stCondLst>
+                  <p:endCondLst>
+                    <p:cond evt="onStopAudio" delay="0">
+                      <p:tgtEl>
+                        <p:sldTgt/>
+                      </p:tgtEl>
+                    </p:cond>
+                  </p:endCondLst>
+                </p:cTn>
+                <p:tgtEl>
+                  <p:spTgt spid="54"/>
+                </p:tgtEl>
+              </p:cMediaNode>
+            </p:audio>
+          </p:childTnLst>
+        </p:cTn>
+      </p:par>
+    </p:tnLst>
+  </p:timing>
 </p:sld>
 </file>
 
@@ -13228,6 +13709,44 @@
           </a:p>
         </p:txBody>
       </p:sp>
+      <p:pic>
+        <p:nvPicPr>
+          <p:cNvPr id="32" name="Audio 31">
+            <a:hlinkClick r:id="" action="ppaction://media"/>
+            <a:extLst>
+              <a:ext uri="{FF2B5EF4-FFF2-40B4-BE49-F238E27FC236}">
+                <a16:creationId xmlns:a16="http://schemas.microsoft.com/office/drawing/2014/main" id="{877E3E9B-C4BB-93E6-C707-023CC04F6771}"/>
+              </a:ext>
+            </a:extLst>
+          </p:cNvPr>
+          <p:cNvPicPr>
+            <a:picLocks noChangeAspect="1"/>
+          </p:cNvPicPr>
+          <p:nvPr>
+            <a:audioFile r:link="rId2"/>
+            <p:extLst>
+              <p:ext uri="{DAA4B4D4-6D71-4841-9C94-3DE7FCFB9230}">
+                <p14:media xmlns:p14="http://schemas.microsoft.com/office/powerpoint/2010/main" r:embed="rId1"/>
+              </p:ext>
+            </p:extLst>
+          </p:nvPr>
+        </p:nvPicPr>
+        <p:blipFill>
+          <a:blip r:embed="rId4"/>
+          <a:stretch>
+            <a:fillRect/>
+          </a:stretch>
+        </p:blipFill>
+        <p:spPr>
+          <a:xfrm>
+            <a:off x="8148638" y="4148138"/>
+            <a:ext cx="812800" cy="812800"/>
+          </a:xfrm>
+          <a:prstGeom prst="rect">
+            <a:avLst/>
+          </a:prstGeom>
+        </p:spPr>
+      </p:pic>
     </p:spTree>
     <p:extLst>
       <p:ext uri="{BB962C8B-B14F-4D97-AF65-F5344CB8AC3E}">
@@ -13238,6 +13757,101 @@
   <p:clrMapOvr>
     <a:masterClrMapping/>
   </p:clrMapOvr>
+  <mc:AlternateContent xmlns:mc="http://schemas.openxmlformats.org/markup-compatibility/2006">
+    <mc:Choice xmlns:p14="http://schemas.microsoft.com/office/powerpoint/2010/main" Requires="p14">
+      <p:transition spd="slow" p14:dur="2000" advTm="44021"/>
+    </mc:Choice>
+    <mc:Fallback>
+      <p:transition spd="slow" advTm="44021"/>
+    </mc:Fallback>
+  </mc:AlternateContent>
+  <p:timing>
+    <p:tnLst>
+      <p:par>
+        <p:cTn id="1" dur="indefinite" restart="never" nodeType="tmRoot">
+          <p:childTnLst>
+            <p:seq concurrent="1" nextAc="seek">
+              <p:cTn id="2" dur="indefinite" nodeType="mainSeq">
+                <p:childTnLst>
+                  <p:par>
+                    <p:cTn id="3" fill="hold">
+                      <p:stCondLst>
+                        <p:cond delay="indefinite"/>
+                        <p:cond evt="onBegin" delay="0">
+                          <p:tn val="2"/>
+                        </p:cond>
+                      </p:stCondLst>
+                      <p:childTnLst>
+                        <p:par>
+                          <p:cTn id="4" fill="hold">
+                            <p:stCondLst>
+                              <p:cond delay="0"/>
+                            </p:stCondLst>
+                            <p:childTnLst>
+                              <p:par>
+                                <p:cTn id="5" presetID="1" presetClass="mediacall" presetSubtype="0" fill="hold" nodeType="afterEffect">
+                                  <p:stCondLst>
+                                    <p:cond delay="0"/>
+                                  </p:stCondLst>
+                                  <p:childTnLst>
+                                    <p:cmd type="call" cmd="playFrom(0.0)">
+                                      <p:cBhvr>
+                                        <p:cTn id="6" dur="1" fill="hold"/>
+                                        <p:tgtEl>
+                                          <p:spTgt spid="32"/>
+                                        </p:tgtEl>
+                                      </p:cBhvr>
+                                    </p:cmd>
+                                  </p:childTnLst>
+                                </p:cTn>
+                              </p:par>
+                            </p:childTnLst>
+                          </p:cTn>
+                        </p:par>
+                      </p:childTnLst>
+                    </p:cTn>
+                  </p:par>
+                </p:childTnLst>
+              </p:cTn>
+              <p:prevCondLst>
+                <p:cond evt="onPrev" delay="0">
+                  <p:tgtEl>
+                    <p:sldTgt/>
+                  </p:tgtEl>
+                </p:cond>
+              </p:prevCondLst>
+              <p:nextCondLst>
+                <p:cond evt="onNext" delay="0">
+                  <p:tgtEl>
+                    <p:sldTgt/>
+                  </p:tgtEl>
+                </p:cond>
+              </p:nextCondLst>
+            </p:seq>
+            <p:audio isNarration="1">
+              <p:cMediaNode vol="80000" showWhenStopped="0">
+                <p:cTn id="7" fill="hold" display="0">
+                  <p:stCondLst>
+                    <p:cond delay="indefinite"/>
+                  </p:stCondLst>
+                  <p:endCondLst>
+                    <p:cond evt="onStopAudio" delay="0">
+                      <p:tgtEl>
+                        <p:sldTgt/>
+                      </p:tgtEl>
+                    </p:cond>
+                  </p:endCondLst>
+                </p:cTn>
+                <p:tgtEl>
+                  <p:spTgt spid="32"/>
+                </p:tgtEl>
+              </p:cMediaNode>
+            </p:audio>
+          </p:childTnLst>
+        </p:cTn>
+      </p:par>
+    </p:tnLst>
+  </p:timing>
 </p:sld>
 </file>
 
@@ -13520,6 +14134,44 @@
           </a:p>
         </p:txBody>
       </p:sp>
+      <p:pic>
+        <p:nvPicPr>
+          <p:cNvPr id="18" name="Audio 17">
+            <a:hlinkClick r:id="" action="ppaction://media"/>
+            <a:extLst>
+              <a:ext uri="{FF2B5EF4-FFF2-40B4-BE49-F238E27FC236}">
+                <a16:creationId xmlns:a16="http://schemas.microsoft.com/office/drawing/2014/main" id="{05A4BC01-381B-2573-38AA-4731AE7E575F}"/>
+              </a:ext>
+            </a:extLst>
+          </p:cNvPr>
+          <p:cNvPicPr>
+            <a:picLocks noChangeAspect="1"/>
+          </p:cNvPicPr>
+          <p:nvPr>
+            <a:audioFile r:link="rId2"/>
+            <p:extLst>
+              <p:ext uri="{DAA4B4D4-6D71-4841-9C94-3DE7FCFB9230}">
+                <p14:media xmlns:p14="http://schemas.microsoft.com/office/powerpoint/2010/main" r:embed="rId1"/>
+              </p:ext>
+            </p:extLst>
+          </p:nvPr>
+        </p:nvPicPr>
+        <p:blipFill>
+          <a:blip r:embed="rId4"/>
+          <a:stretch>
+            <a:fillRect/>
+          </a:stretch>
+        </p:blipFill>
+        <p:spPr>
+          <a:xfrm>
+            <a:off x="8148638" y="4148138"/>
+            <a:ext cx="812800" cy="812800"/>
+          </a:xfrm>
+          <a:prstGeom prst="rect">
+            <a:avLst/>
+          </a:prstGeom>
+        </p:spPr>
+      </p:pic>
     </p:spTree>
     <p:extLst>
       <p:ext uri="{BB962C8B-B14F-4D97-AF65-F5344CB8AC3E}">
@@ -13530,6 +14182,101 @@
   <p:clrMapOvr>
     <a:masterClrMapping/>
   </p:clrMapOvr>
+  <mc:AlternateContent xmlns:mc="http://schemas.openxmlformats.org/markup-compatibility/2006">
+    <mc:Choice xmlns:p14="http://schemas.microsoft.com/office/powerpoint/2010/main" Requires="p14">
+      <p:transition spd="slow" p14:dur="2000" advTm="37845"/>
+    </mc:Choice>
+    <mc:Fallback>
+      <p:transition spd="slow" advTm="37845"/>
+    </mc:Fallback>
+  </mc:AlternateContent>
+  <p:timing>
+    <p:tnLst>
+      <p:par>
+        <p:cTn id="1" dur="indefinite" restart="never" nodeType="tmRoot">
+          <p:childTnLst>
+            <p:seq concurrent="1" nextAc="seek">
+              <p:cTn id="2" dur="indefinite" nodeType="mainSeq">
+                <p:childTnLst>
+                  <p:par>
+                    <p:cTn id="3" fill="hold">
+                      <p:stCondLst>
+                        <p:cond delay="indefinite"/>
+                        <p:cond evt="onBegin" delay="0">
+                          <p:tn val="2"/>
+                        </p:cond>
+                      </p:stCondLst>
+                      <p:childTnLst>
+                        <p:par>
+                          <p:cTn id="4" fill="hold">
+                            <p:stCondLst>
+                              <p:cond delay="0"/>
+                            </p:stCondLst>
+                            <p:childTnLst>
+                              <p:par>
+                                <p:cTn id="5" presetID="1" presetClass="mediacall" presetSubtype="0" fill="hold" nodeType="afterEffect">
+                                  <p:stCondLst>
+                                    <p:cond delay="0"/>
+                                  </p:stCondLst>
+                                  <p:childTnLst>
+                                    <p:cmd type="call" cmd="playFrom(0.0)">
+                                      <p:cBhvr>
+                                        <p:cTn id="6" dur="1" fill="hold"/>
+                                        <p:tgtEl>
+                                          <p:spTgt spid="18"/>
+                                        </p:tgtEl>
+                                      </p:cBhvr>
+                                    </p:cmd>
+                                  </p:childTnLst>
+                                </p:cTn>
+                              </p:par>
+                            </p:childTnLst>
+                          </p:cTn>
+                        </p:par>
+                      </p:childTnLst>
+                    </p:cTn>
+                  </p:par>
+                </p:childTnLst>
+              </p:cTn>
+              <p:prevCondLst>
+                <p:cond evt="onPrev" delay="0">
+                  <p:tgtEl>
+                    <p:sldTgt/>
+                  </p:tgtEl>
+                </p:cond>
+              </p:prevCondLst>
+              <p:nextCondLst>
+                <p:cond evt="onNext" delay="0">
+                  <p:tgtEl>
+                    <p:sldTgt/>
+                  </p:tgtEl>
+                </p:cond>
+              </p:nextCondLst>
+            </p:seq>
+            <p:audio isNarration="1">
+              <p:cMediaNode vol="80000" showWhenStopped="0">
+                <p:cTn id="7" fill="hold" display="0">
+                  <p:stCondLst>
+                    <p:cond delay="indefinite"/>
+                  </p:stCondLst>
+                  <p:endCondLst>
+                    <p:cond evt="onStopAudio" delay="0">
+                      <p:tgtEl>
+                        <p:sldTgt/>
+                      </p:tgtEl>
+                    </p:cond>
+                  </p:endCondLst>
+                </p:cTn>
+                <p:tgtEl>
+                  <p:spTgt spid="18"/>
+                </p:tgtEl>
+              </p:cMediaNode>
+            </p:audio>
+          </p:childTnLst>
+        </p:cTn>
+      </p:par>
+    </p:tnLst>
+  </p:timing>
 </p:sld>
 </file>
 
@@ -15511,6 +16258,44 @@
           </a:p>
         </p:txBody>
       </p:sp>
+      <p:pic>
+        <p:nvPicPr>
+          <p:cNvPr id="66" name="Audio 65">
+            <a:hlinkClick r:id="" action="ppaction://media"/>
+            <a:extLst>
+              <a:ext uri="{FF2B5EF4-FFF2-40B4-BE49-F238E27FC236}">
+                <a16:creationId xmlns:a16="http://schemas.microsoft.com/office/drawing/2014/main" id="{E3F1A741-7735-D532-C0BD-1DB86EFA5F72}"/>
+              </a:ext>
+            </a:extLst>
+          </p:cNvPr>
+          <p:cNvPicPr>
+            <a:picLocks noChangeAspect="1"/>
+          </p:cNvPicPr>
+          <p:nvPr>
+            <a:audioFile r:link="rId2"/>
+            <p:extLst>
+              <p:ext uri="{DAA4B4D4-6D71-4841-9C94-3DE7FCFB9230}">
+                <p14:media xmlns:p14="http://schemas.microsoft.com/office/powerpoint/2010/main" r:embed="rId1"/>
+              </p:ext>
+            </p:extLst>
+          </p:nvPr>
+        </p:nvPicPr>
+        <p:blipFill>
+          <a:blip r:embed="rId4"/>
+          <a:stretch>
+            <a:fillRect/>
+          </a:stretch>
+        </p:blipFill>
+        <p:spPr>
+          <a:xfrm>
+            <a:off x="8148638" y="4148138"/>
+            <a:ext cx="812800" cy="812800"/>
+          </a:xfrm>
+          <a:prstGeom prst="rect">
+            <a:avLst/>
+          </a:prstGeom>
+        </p:spPr>
+      </p:pic>
     </p:spTree>
     <p:extLst>
       <p:ext uri="{BB962C8B-B14F-4D97-AF65-F5344CB8AC3E}">
@@ -15521,6 +16306,101 @@
   <p:clrMapOvr>
     <a:masterClrMapping/>
   </p:clrMapOvr>
+  <mc:AlternateContent xmlns:mc="http://schemas.openxmlformats.org/markup-compatibility/2006">
+    <mc:Choice xmlns:p14="http://schemas.microsoft.com/office/powerpoint/2010/main" Requires="p14">
+      <p:transition spd="slow" p14:dur="2000" advTm="20192"/>
+    </mc:Choice>
+    <mc:Fallback>
+      <p:transition spd="slow" advTm="20192"/>
+    </mc:Fallback>
+  </mc:AlternateContent>
+  <p:timing>
+    <p:tnLst>
+      <p:par>
+        <p:cTn id="1" dur="indefinite" restart="never" nodeType="tmRoot">
+          <p:childTnLst>
+            <p:seq concurrent="1" nextAc="seek">
+              <p:cTn id="2" dur="indefinite" nodeType="mainSeq">
+                <p:childTnLst>
+                  <p:par>
+                    <p:cTn id="3" fill="hold">
+                      <p:stCondLst>
+                        <p:cond delay="indefinite"/>
+                        <p:cond evt="onBegin" delay="0">
+                          <p:tn val="2"/>
+                        </p:cond>
+                      </p:stCondLst>
+                      <p:childTnLst>
+                        <p:par>
+                          <p:cTn id="4" fill="hold">
+                            <p:stCondLst>
+                              <p:cond delay="0"/>
+                            </p:stCondLst>
+                            <p:childTnLst>
+                              <p:par>
+                                <p:cTn id="5" presetID="1" presetClass="mediacall" presetSubtype="0" fill="hold" nodeType="afterEffect">
+                                  <p:stCondLst>
+                                    <p:cond delay="0"/>
+                                  </p:stCondLst>
+                                  <p:childTnLst>
+                                    <p:cmd type="call" cmd="playFrom(0.0)">
+                                      <p:cBhvr>
+                                        <p:cTn id="6" dur="1" fill="hold"/>
+                                        <p:tgtEl>
+                                          <p:spTgt spid="66"/>
+                                        </p:tgtEl>
+                                      </p:cBhvr>
+                                    </p:cmd>
+                                  </p:childTnLst>
+                                </p:cTn>
+                              </p:par>
+                            </p:childTnLst>
+                          </p:cTn>
+                        </p:par>
+                      </p:childTnLst>
+                    </p:cTn>
+                  </p:par>
+                </p:childTnLst>
+              </p:cTn>
+              <p:prevCondLst>
+                <p:cond evt="onPrev" delay="0">
+                  <p:tgtEl>
+                    <p:sldTgt/>
+                  </p:tgtEl>
+                </p:cond>
+              </p:prevCondLst>
+              <p:nextCondLst>
+                <p:cond evt="onNext" delay="0">
+                  <p:tgtEl>
+                    <p:sldTgt/>
+                  </p:tgtEl>
+                </p:cond>
+              </p:nextCondLst>
+            </p:seq>
+            <p:audio isNarration="1">
+              <p:cMediaNode vol="80000" showWhenStopped="0">
+                <p:cTn id="7" fill="hold" display="0">
+                  <p:stCondLst>
+                    <p:cond delay="indefinite"/>
+                  </p:stCondLst>
+                  <p:endCondLst>
+                    <p:cond evt="onStopAudio" delay="0">
+                      <p:tgtEl>
+                        <p:sldTgt/>
+                      </p:tgtEl>
+                    </p:cond>
+                  </p:endCondLst>
+                </p:cTn>
+                <p:tgtEl>
+                  <p:spTgt spid="66"/>
+                </p:tgtEl>
+              </p:cMediaNode>
+            </p:audio>
+          </p:childTnLst>
+        </p:cTn>
+      </p:par>
+    </p:tnLst>
+  </p:timing>
 </p:sld>
 </file>
 
@@ -17488,6 +18368,44 @@
           </a:p>
         </p:txBody>
       </p:sp>
+      <p:pic>
+        <p:nvPicPr>
+          <p:cNvPr id="75" name="Audio 74">
+            <a:hlinkClick r:id="" action="ppaction://media"/>
+            <a:extLst>
+              <a:ext uri="{FF2B5EF4-FFF2-40B4-BE49-F238E27FC236}">
+                <a16:creationId xmlns:a16="http://schemas.microsoft.com/office/drawing/2014/main" id="{DB53A4CF-0E35-0951-6A7E-84646D109BD8}"/>
+              </a:ext>
+            </a:extLst>
+          </p:cNvPr>
+          <p:cNvPicPr>
+            <a:picLocks noChangeAspect="1"/>
+          </p:cNvPicPr>
+          <p:nvPr>
+            <a:audioFile r:link="rId2"/>
+            <p:extLst>
+              <p:ext uri="{DAA4B4D4-6D71-4841-9C94-3DE7FCFB9230}">
+                <p14:media xmlns:p14="http://schemas.microsoft.com/office/powerpoint/2010/main" r:embed="rId1"/>
+              </p:ext>
+            </p:extLst>
+          </p:nvPr>
+        </p:nvPicPr>
+        <p:blipFill>
+          <a:blip r:embed="rId4"/>
+          <a:stretch>
+            <a:fillRect/>
+          </a:stretch>
+        </p:blipFill>
+        <p:spPr>
+          <a:xfrm>
+            <a:off x="8148638" y="4148138"/>
+            <a:ext cx="812800" cy="812800"/>
+          </a:xfrm>
+          <a:prstGeom prst="rect">
+            <a:avLst/>
+          </a:prstGeom>
+        </p:spPr>
+      </p:pic>
     </p:spTree>
     <p:extLst>
       <p:ext uri="{BB962C8B-B14F-4D97-AF65-F5344CB8AC3E}">
@@ -17498,6 +18416,14 @@
   <p:clrMapOvr>
     <a:masterClrMapping/>
   </p:clrMapOvr>
+  <mc:AlternateContent xmlns:mc="http://schemas.openxmlformats.org/markup-compatibility/2006">
+    <mc:Choice xmlns:p14="http://schemas.microsoft.com/office/powerpoint/2010/main" Requires="p14">
+      <p:transition spd="slow" p14:dur="2000" advTm="40480"/>
+    </mc:Choice>
+    <mc:Fallback>
+      <p:transition spd="slow" advTm="40480"/>
+    </mc:Fallback>
+  </mc:AlternateContent>
   <p:timing>
     <p:tnLst>
       <p:par>
@@ -17522,14 +18448,31 @@
                             </p:stCondLst>
                             <p:childTnLst>
                               <p:par>
-                                <p:cTn id="5" presetID="9" presetClass="emph" presetSubtype="0" nodeType="withEffect">
+                                <p:cTn id="5" presetID="1" presetClass="mediacall" presetSubtype="0" fill="hold" nodeType="afterEffect">
+                                  <p:stCondLst>
+                                    <p:cond delay="0"/>
+                                  </p:stCondLst>
+                                  <p:childTnLst>
+                                    <p:cmd type="call" cmd="playFrom(0.0)">
+                                      <p:cBhvr>
+                                        <p:cTn id="6" dur="1" fill="hold"/>
+                                        <p:tgtEl>
+                                          <p:spTgt spid="75"/>
+                                        </p:tgtEl>
+                                      </p:cBhvr>
+                                    </p:cmd>
+                                  </p:childTnLst>
+                                </p:cTn>
+                              </p:par>
+                              <p:par>
+                                <p:cTn id="7" presetID="9" presetClass="emph" presetSubtype="0" nodeType="withEffect">
                                   <p:stCondLst>
                                     <p:cond delay="0"/>
                                   </p:stCondLst>
                                   <p:childTnLst>
                                     <p:set>
                                       <p:cBhvr>
-                                        <p:cTn id="6" dur="indefinite"/>
+                                        <p:cTn id="8" dur="indefinite"/>
                                         <p:tgtEl>
                                           <p:spTgt spid="30"/>
                                         </p:tgtEl>
@@ -17543,7 +18486,7 @@
                                     </p:set>
                                     <p:animEffect filter="image" prLst="opacity: 0.2">
                                       <p:cBhvr rctx="IE">
-                                        <p:cTn id="7" dur="indefinite"/>
+                                        <p:cTn id="9" dur="indefinite"/>
                                         <p:tgtEl>
                                           <p:spTgt spid="30"/>
                                         </p:tgtEl>
@@ -17553,14 +18496,14 @@
                                 </p:cTn>
                               </p:par>
                               <p:par>
-                                <p:cTn id="8" presetID="9" presetClass="emph" presetSubtype="0" nodeType="withEffect">
+                                <p:cTn id="10" presetID="9" presetClass="emph" presetSubtype="0" nodeType="withEffect">
                                   <p:stCondLst>
                                     <p:cond delay="0"/>
                                   </p:stCondLst>
                                   <p:childTnLst>
                                     <p:set>
                                       <p:cBhvr>
-                                        <p:cTn id="9" dur="indefinite"/>
+                                        <p:cTn id="11" dur="indefinite"/>
                                         <p:tgtEl>
                                           <p:spTgt spid="29"/>
                                         </p:tgtEl>
@@ -17574,7 +18517,7 @@
                                     </p:set>
                                     <p:animEffect filter="image" prLst="opacity: 0.2">
                                       <p:cBhvr rctx="IE">
-                                        <p:cTn id="10" dur="indefinite"/>
+                                        <p:cTn id="12" dur="indefinite"/>
                                         <p:tgtEl>
                                           <p:spTgt spid="29"/>
                                         </p:tgtEl>
@@ -17584,14 +18527,14 @@
                                 </p:cTn>
                               </p:par>
                               <p:par>
-                                <p:cTn id="11" presetID="9" presetClass="emph" presetSubtype="0" nodeType="withEffect">
+                                <p:cTn id="13" presetID="9" presetClass="emph" presetSubtype="0" nodeType="withEffect">
                                   <p:stCondLst>
                                     <p:cond delay="0"/>
                                   </p:stCondLst>
                                   <p:childTnLst>
                                     <p:set>
                                       <p:cBhvr>
-                                        <p:cTn id="12" dur="indefinite"/>
+                                        <p:cTn id="14" dur="indefinite"/>
                                         <p:tgtEl>
                                           <p:spTgt spid="26"/>
                                         </p:tgtEl>
@@ -17605,7 +18548,7 @@
                                     </p:set>
                                     <p:animEffect filter="image" prLst="opacity: 0.2">
                                       <p:cBhvr rctx="IE">
-                                        <p:cTn id="13" dur="indefinite"/>
+                                        <p:cTn id="15" dur="indefinite"/>
                                         <p:tgtEl>
                                           <p:spTgt spid="26"/>
                                         </p:tgtEl>
@@ -17615,14 +18558,14 @@
                                 </p:cTn>
                               </p:par>
                               <p:par>
-                                <p:cTn id="14" presetID="1" presetClass="entr" presetSubtype="0" fill="hold" grpId="0" nodeType="withEffect">
+                                <p:cTn id="16" presetID="1" presetClass="entr" presetSubtype="0" fill="hold" grpId="0" nodeType="withEffect">
                                   <p:stCondLst>
                                     <p:cond delay="0"/>
                                   </p:stCondLst>
                                   <p:childTnLst>
                                     <p:set>
                                       <p:cBhvr>
-                                        <p:cTn id="15" dur="1" fill="hold">
+                                        <p:cTn id="17" dur="1" fill="hold">
                                           <p:stCondLst>
                                             <p:cond delay="0"/>
                                           </p:stCondLst>
@@ -17664,6 +18607,25 @@
                 </p:cond>
               </p:nextCondLst>
             </p:seq>
+            <p:audio isNarration="1">
+              <p:cMediaNode vol="80000" showWhenStopped="0">
+                <p:cTn id="18" fill="hold" display="0">
+                  <p:stCondLst>
+                    <p:cond delay="indefinite"/>
+                  </p:stCondLst>
+                  <p:endCondLst>
+                    <p:cond evt="onStopAudio" delay="0">
+                      <p:tgtEl>
+                        <p:sldTgt/>
+                      </p:tgtEl>
+                    </p:cond>
+                  </p:endCondLst>
+                </p:cTn>
+                <p:tgtEl>
+                  <p:spTgt spid="75"/>
+                </p:tgtEl>
+              </p:cMediaNode>
+            </p:audio>
           </p:childTnLst>
         </p:cTn>
       </p:par>
@@ -19639,6 +20601,44 @@
           </a:p>
         </p:txBody>
       </p:sp>
+      <p:pic>
+        <p:nvPicPr>
+          <p:cNvPr id="52" name="Audio 51">
+            <a:hlinkClick r:id="" action="ppaction://media"/>
+            <a:extLst>
+              <a:ext uri="{FF2B5EF4-FFF2-40B4-BE49-F238E27FC236}">
+                <a16:creationId xmlns:a16="http://schemas.microsoft.com/office/drawing/2014/main" id="{0D26A250-3348-233C-07F6-3D2BF913643F}"/>
+              </a:ext>
+            </a:extLst>
+          </p:cNvPr>
+          <p:cNvPicPr>
+            <a:picLocks noChangeAspect="1"/>
+          </p:cNvPicPr>
+          <p:nvPr>
+            <a:audioFile r:link="rId2"/>
+            <p:extLst>
+              <p:ext uri="{DAA4B4D4-6D71-4841-9C94-3DE7FCFB9230}">
+                <p14:media xmlns:p14="http://schemas.microsoft.com/office/powerpoint/2010/main" r:embed="rId1"/>
+              </p:ext>
+            </p:extLst>
+          </p:nvPr>
+        </p:nvPicPr>
+        <p:blipFill>
+          <a:blip r:embed="rId4"/>
+          <a:stretch>
+            <a:fillRect/>
+          </a:stretch>
+        </p:blipFill>
+        <p:spPr>
+          <a:xfrm>
+            <a:off x="8148638" y="4148138"/>
+            <a:ext cx="812800" cy="812800"/>
+          </a:xfrm>
+          <a:prstGeom prst="rect">
+            <a:avLst/>
+          </a:prstGeom>
+        </p:spPr>
+      </p:pic>
     </p:spTree>
     <p:extLst>
       <p:ext uri="{BB962C8B-B14F-4D97-AF65-F5344CB8AC3E}">
@@ -19649,6 +20649,14 @@
   <p:clrMapOvr>
     <a:masterClrMapping/>
   </p:clrMapOvr>
+  <mc:AlternateContent xmlns:mc="http://schemas.openxmlformats.org/markup-compatibility/2006">
+    <mc:Choice xmlns:p14="http://schemas.microsoft.com/office/powerpoint/2010/main" Requires="p14">
+      <p:transition spd="slow" p14:dur="2000" advTm="75701"/>
+    </mc:Choice>
+    <mc:Fallback>
+      <p:transition spd="slow" advTm="75701"/>
+    </mc:Fallback>
+  </mc:AlternateContent>
   <p:timing>
     <p:tnLst>
       <p:par>
@@ -19673,14 +20681,31 @@
                             </p:stCondLst>
                             <p:childTnLst>
                               <p:par>
-                                <p:cTn id="5" presetID="9" presetClass="emph" presetSubtype="0" nodeType="withEffect">
+                                <p:cTn id="5" presetID="1" presetClass="mediacall" presetSubtype="0" fill="hold" nodeType="afterEffect">
+                                  <p:stCondLst>
+                                    <p:cond delay="0"/>
+                                  </p:stCondLst>
+                                  <p:childTnLst>
+                                    <p:cmd type="call" cmd="playFrom(0.0)">
+                                      <p:cBhvr>
+                                        <p:cTn id="6" dur="1" fill="hold"/>
+                                        <p:tgtEl>
+                                          <p:spTgt spid="52"/>
+                                        </p:tgtEl>
+                                      </p:cBhvr>
+                                    </p:cmd>
+                                  </p:childTnLst>
+                                </p:cTn>
+                              </p:par>
+                              <p:par>
+                                <p:cTn id="7" presetID="9" presetClass="emph" presetSubtype="0" nodeType="withEffect">
                                   <p:stCondLst>
                                     <p:cond delay="0"/>
                                   </p:stCondLst>
                                   <p:childTnLst>
                                     <p:set>
                                       <p:cBhvr>
-                                        <p:cTn id="6" dur="indefinite"/>
+                                        <p:cTn id="8" dur="indefinite"/>
                                         <p:tgtEl>
                                           <p:spTgt spid="31"/>
                                         </p:tgtEl>
@@ -19694,7 +20719,7 @@
                                     </p:set>
                                     <p:animEffect filter="image" prLst="opacity: 0.2">
                                       <p:cBhvr rctx="IE">
-                                        <p:cTn id="7" dur="indefinite"/>
+                                        <p:cTn id="9" dur="indefinite"/>
                                         <p:tgtEl>
                                           <p:spTgt spid="31"/>
                                         </p:tgtEl>
@@ -19704,14 +20729,14 @@
                                 </p:cTn>
                               </p:par>
                               <p:par>
-                                <p:cTn id="8" presetID="9" presetClass="emph" presetSubtype="0" nodeType="withEffect">
+                                <p:cTn id="10" presetID="9" presetClass="emph" presetSubtype="0" nodeType="withEffect">
                                   <p:stCondLst>
                                     <p:cond delay="0"/>
                                   </p:stCondLst>
                                   <p:childTnLst>
                                     <p:set>
                                       <p:cBhvr>
-                                        <p:cTn id="9" dur="indefinite"/>
+                                        <p:cTn id="11" dur="indefinite"/>
                                         <p:tgtEl>
                                           <p:spTgt spid="29"/>
                                         </p:tgtEl>
@@ -19725,7 +20750,7 @@
                                     </p:set>
                                     <p:animEffect filter="image" prLst="opacity: 0.2">
                                       <p:cBhvr rctx="IE">
-                                        <p:cTn id="10" dur="indefinite"/>
+                                        <p:cTn id="12" dur="indefinite"/>
                                         <p:tgtEl>
                                           <p:spTgt spid="29"/>
                                         </p:tgtEl>
@@ -19735,14 +20760,14 @@
                                 </p:cTn>
                               </p:par>
                               <p:par>
-                                <p:cTn id="11" presetID="9" presetClass="emph" presetSubtype="0" nodeType="withEffect">
+                                <p:cTn id="13" presetID="9" presetClass="emph" presetSubtype="0" nodeType="withEffect">
                                   <p:stCondLst>
                                     <p:cond delay="0"/>
                                   </p:stCondLst>
                                   <p:childTnLst>
                                     <p:set>
                                       <p:cBhvr>
-                                        <p:cTn id="12" dur="indefinite"/>
+                                        <p:cTn id="14" dur="indefinite"/>
                                         <p:tgtEl>
                                           <p:spTgt spid="26"/>
                                         </p:tgtEl>
@@ -19756,7 +20781,7 @@
                                     </p:set>
                                     <p:animEffect filter="image" prLst="opacity: 0.2">
                                       <p:cBhvr rctx="IE">
-                                        <p:cTn id="13" dur="indefinite"/>
+                                        <p:cTn id="15" dur="indefinite"/>
                                         <p:tgtEl>
                                           <p:spTgt spid="26"/>
                                         </p:tgtEl>
@@ -19766,14 +20791,14 @@
                                 </p:cTn>
                               </p:par>
                               <p:par>
-                                <p:cTn id="14" presetID="1" presetClass="entr" presetSubtype="0" fill="hold" grpId="0" nodeType="withEffect">
+                                <p:cTn id="16" presetID="1" presetClass="entr" presetSubtype="0" fill="hold" grpId="0" nodeType="withEffect">
                                   <p:stCondLst>
                                     <p:cond delay="0"/>
                                   </p:stCondLst>
                                   <p:childTnLst>
                                     <p:set>
                                       <p:cBhvr>
-                                        <p:cTn id="15" dur="1" fill="hold">
+                                        <p:cTn id="17" dur="1" fill="hold">
                                           <p:stCondLst>
                                             <p:cond delay="0"/>
                                           </p:stCondLst>
@@ -19815,6 +20840,25 @@
                 </p:cond>
               </p:nextCondLst>
             </p:seq>
+            <p:audio isNarration="1">
+              <p:cMediaNode vol="80000" showWhenStopped="0">
+                <p:cTn id="18" fill="hold" display="0">
+                  <p:stCondLst>
+                    <p:cond delay="indefinite"/>
+                  </p:stCondLst>
+                  <p:endCondLst>
+                    <p:cond evt="onStopAudio" delay="0">
+                      <p:tgtEl>
+                        <p:sldTgt/>
+                      </p:tgtEl>
+                    </p:cond>
+                  </p:endCondLst>
+                </p:cTn>
+                <p:tgtEl>
+                  <p:spTgt spid="52"/>
+                </p:tgtEl>
+              </p:cMediaNode>
+            </p:audio>
           </p:childTnLst>
         </p:cTn>
       </p:par>
@@ -21790,6 +22834,44 @@
           </a:p>
         </p:txBody>
       </p:sp>
+      <p:pic>
+        <p:nvPicPr>
+          <p:cNvPr id="42" name="Audio 41">
+            <a:hlinkClick r:id="" action="ppaction://media"/>
+            <a:extLst>
+              <a:ext uri="{FF2B5EF4-FFF2-40B4-BE49-F238E27FC236}">
+                <a16:creationId xmlns:a16="http://schemas.microsoft.com/office/drawing/2014/main" id="{5792CAE8-E2DE-0BC4-2A55-4DDEB61700A4}"/>
+              </a:ext>
+            </a:extLst>
+          </p:cNvPr>
+          <p:cNvPicPr>
+            <a:picLocks noChangeAspect="1"/>
+          </p:cNvPicPr>
+          <p:nvPr>
+            <a:audioFile r:link="rId2"/>
+            <p:extLst>
+              <p:ext uri="{DAA4B4D4-6D71-4841-9C94-3DE7FCFB9230}">
+                <p14:media xmlns:p14="http://schemas.microsoft.com/office/powerpoint/2010/main" r:embed="rId1"/>
+              </p:ext>
+            </p:extLst>
+          </p:nvPr>
+        </p:nvPicPr>
+        <p:blipFill>
+          <a:blip r:embed="rId4"/>
+          <a:stretch>
+            <a:fillRect/>
+          </a:stretch>
+        </p:blipFill>
+        <p:spPr>
+          <a:xfrm>
+            <a:off x="8148638" y="4148138"/>
+            <a:ext cx="812800" cy="812800"/>
+          </a:xfrm>
+          <a:prstGeom prst="rect">
+            <a:avLst/>
+          </a:prstGeom>
+        </p:spPr>
+      </p:pic>
     </p:spTree>
     <p:extLst>
       <p:ext uri="{BB962C8B-B14F-4D97-AF65-F5344CB8AC3E}">
@@ -21800,6 +22882,14 @@
   <p:clrMapOvr>
     <a:masterClrMapping/>
   </p:clrMapOvr>
+  <mc:AlternateContent xmlns:mc="http://schemas.openxmlformats.org/markup-compatibility/2006">
+    <mc:Choice xmlns:p14="http://schemas.microsoft.com/office/powerpoint/2010/main" Requires="p14">
+      <p:transition spd="slow" p14:dur="2000" advTm="32277"/>
+    </mc:Choice>
+    <mc:Fallback>
+      <p:transition spd="slow" advTm="32277"/>
+    </mc:Fallback>
+  </mc:AlternateContent>
   <p:timing>
     <p:tnLst>
       <p:par>
@@ -21824,14 +22914,31 @@
                             </p:stCondLst>
                             <p:childTnLst>
                               <p:par>
-                                <p:cTn id="5" presetID="9" presetClass="emph" presetSubtype="0" nodeType="withEffect">
+                                <p:cTn id="5" presetID="1" presetClass="mediacall" presetSubtype="0" fill="hold" nodeType="afterEffect">
+                                  <p:stCondLst>
+                                    <p:cond delay="0"/>
+                                  </p:stCondLst>
+                                  <p:childTnLst>
+                                    <p:cmd type="call" cmd="playFrom(0.0)">
+                                      <p:cBhvr>
+                                        <p:cTn id="6" dur="1" fill="hold"/>
+                                        <p:tgtEl>
+                                          <p:spTgt spid="42"/>
+                                        </p:tgtEl>
+                                      </p:cBhvr>
+                                    </p:cmd>
+                                  </p:childTnLst>
+                                </p:cTn>
+                              </p:par>
+                              <p:par>
+                                <p:cTn id="7" presetID="9" presetClass="emph" presetSubtype="0" nodeType="withEffect">
                                   <p:stCondLst>
                                     <p:cond delay="0"/>
                                   </p:stCondLst>
                                   <p:childTnLst>
                                     <p:set>
                                       <p:cBhvr>
-                                        <p:cTn id="6" dur="indefinite"/>
+                                        <p:cTn id="8" dur="indefinite"/>
                                         <p:tgtEl>
                                           <p:spTgt spid="31"/>
                                         </p:tgtEl>
@@ -21845,7 +22952,7 @@
                                     </p:set>
                                     <p:animEffect filter="image" prLst="opacity: 0.2">
                                       <p:cBhvr rctx="IE">
-                                        <p:cTn id="7" dur="indefinite"/>
+                                        <p:cTn id="9" dur="indefinite"/>
                                         <p:tgtEl>
                                           <p:spTgt spid="31"/>
                                         </p:tgtEl>
@@ -21855,14 +22962,14 @@
                                 </p:cTn>
                               </p:par>
                               <p:par>
-                                <p:cTn id="8" presetID="9" presetClass="emph" presetSubtype="0" nodeType="withEffect">
+                                <p:cTn id="10" presetID="9" presetClass="emph" presetSubtype="0" nodeType="withEffect">
                                   <p:stCondLst>
                                     <p:cond delay="0"/>
                                   </p:stCondLst>
                                   <p:childTnLst>
                                     <p:set>
                                       <p:cBhvr>
-                                        <p:cTn id="9" dur="indefinite"/>
+                                        <p:cTn id="11" dur="indefinite"/>
                                         <p:tgtEl>
                                           <p:spTgt spid="30"/>
                                         </p:tgtEl>
@@ -21876,7 +22983,7 @@
                                     </p:set>
                                     <p:animEffect filter="image" prLst="opacity: 0.2">
                                       <p:cBhvr rctx="IE">
-                                        <p:cTn id="10" dur="indefinite"/>
+                                        <p:cTn id="12" dur="indefinite"/>
                                         <p:tgtEl>
                                           <p:spTgt spid="30"/>
                                         </p:tgtEl>
@@ -21886,14 +22993,14 @@
                                 </p:cTn>
                               </p:par>
                               <p:par>
-                                <p:cTn id="11" presetID="9" presetClass="emph" presetSubtype="0" nodeType="withEffect">
+                                <p:cTn id="13" presetID="9" presetClass="emph" presetSubtype="0" nodeType="withEffect">
                                   <p:stCondLst>
                                     <p:cond delay="0"/>
                                   </p:stCondLst>
                                   <p:childTnLst>
                                     <p:set>
                                       <p:cBhvr>
-                                        <p:cTn id="12" dur="indefinite"/>
+                                        <p:cTn id="14" dur="indefinite"/>
                                         <p:tgtEl>
                                           <p:spTgt spid="26"/>
                                         </p:tgtEl>
@@ -21907,7 +23014,7 @@
                                     </p:set>
                                     <p:animEffect filter="image" prLst="opacity: 0.2">
                                       <p:cBhvr rctx="IE">
-                                        <p:cTn id="13" dur="indefinite"/>
+                                        <p:cTn id="15" dur="indefinite"/>
                                         <p:tgtEl>
                                           <p:spTgt spid="26"/>
                                         </p:tgtEl>
@@ -21917,14 +23024,14 @@
                                 </p:cTn>
                               </p:par>
                               <p:par>
-                                <p:cTn id="14" presetID="1" presetClass="entr" presetSubtype="0" fill="hold" grpId="0" nodeType="withEffect">
+                                <p:cTn id="16" presetID="1" presetClass="entr" presetSubtype="0" fill="hold" grpId="0" nodeType="withEffect">
                                   <p:stCondLst>
                                     <p:cond delay="0"/>
                                   </p:stCondLst>
                                   <p:childTnLst>
                                     <p:set>
                                       <p:cBhvr>
-                                        <p:cTn id="15" dur="1" fill="hold">
+                                        <p:cTn id="17" dur="1" fill="hold">
                                           <p:stCondLst>
                                             <p:cond delay="0"/>
                                           </p:stCondLst>
@@ -21966,6 +23073,25 @@
                 </p:cond>
               </p:nextCondLst>
             </p:seq>
+            <p:audio isNarration="1">
+              <p:cMediaNode vol="80000" showWhenStopped="0">
+                <p:cTn id="18" fill="hold" display="0">
+                  <p:stCondLst>
+                    <p:cond delay="indefinite"/>
+                  </p:stCondLst>
+                  <p:endCondLst>
+                    <p:cond evt="onStopAudio" delay="0">
+                      <p:tgtEl>
+                        <p:sldTgt/>
+                      </p:tgtEl>
+                    </p:cond>
+                  </p:endCondLst>
+                </p:cTn>
+                <p:tgtEl>
+                  <p:spTgt spid="42"/>
+                </p:tgtEl>
+              </p:cMediaNode>
+            </p:audio>
           </p:childTnLst>
         </p:cTn>
       </p:par>
@@ -22044,7 +23170,7 @@
           <p:nvPr/>
         </p:nvPicPr>
         <p:blipFill>
-          <a:blip r:embed="rId2"/>
+          <a:blip r:embed="rId4"/>
           <a:stretch>
             <a:fillRect/>
           </a:stretch>
@@ -22053,6 +23179,44 @@
           <a:xfrm>
             <a:off x="685800" y="1511351"/>
             <a:ext cx="7772400" cy="3300679"/>
+          </a:xfrm>
+          <a:prstGeom prst="rect">
+            <a:avLst/>
+          </a:prstGeom>
+        </p:spPr>
+      </p:pic>
+      <p:pic>
+        <p:nvPicPr>
+          <p:cNvPr id="30" name="Audio 29">
+            <a:hlinkClick r:id="" action="ppaction://media"/>
+            <a:extLst>
+              <a:ext uri="{FF2B5EF4-FFF2-40B4-BE49-F238E27FC236}">
+                <a16:creationId xmlns:a16="http://schemas.microsoft.com/office/drawing/2014/main" id="{634BC34B-B829-9222-0BF0-A68EA5A916B9}"/>
+              </a:ext>
+            </a:extLst>
+          </p:cNvPr>
+          <p:cNvPicPr>
+            <a:picLocks noChangeAspect="1"/>
+          </p:cNvPicPr>
+          <p:nvPr>
+            <a:audioFile r:link="rId2"/>
+            <p:extLst>
+              <p:ext uri="{DAA4B4D4-6D71-4841-9C94-3DE7FCFB9230}">
+                <p14:media xmlns:p14="http://schemas.microsoft.com/office/powerpoint/2010/main" r:embed="rId1"/>
+              </p:ext>
+            </p:extLst>
+          </p:nvPr>
+        </p:nvPicPr>
+        <p:blipFill>
+          <a:blip r:embed="rId5"/>
+          <a:stretch>
+            <a:fillRect/>
+          </a:stretch>
+        </p:blipFill>
+        <p:spPr>
+          <a:xfrm>
+            <a:off x="8148638" y="4148138"/>
+            <a:ext cx="812800" cy="812800"/>
           </a:xfrm>
           <a:prstGeom prst="rect">
             <a:avLst/>
@@ -22069,6 +23233,101 @@
   <p:clrMapOvr>
     <a:masterClrMapping/>
   </p:clrMapOvr>
+  <mc:AlternateContent xmlns:mc="http://schemas.openxmlformats.org/markup-compatibility/2006">
+    <mc:Choice xmlns:p14="http://schemas.microsoft.com/office/powerpoint/2010/main" Requires="p14">
+      <p:transition spd="slow" p14:dur="2000" advTm="36853"/>
+    </mc:Choice>
+    <mc:Fallback>
+      <p:transition spd="slow" advTm="36853"/>
+    </mc:Fallback>
+  </mc:AlternateContent>
+  <p:timing>
+    <p:tnLst>
+      <p:par>
+        <p:cTn id="1" dur="indefinite" restart="never" nodeType="tmRoot">
+          <p:childTnLst>
+            <p:seq concurrent="1" nextAc="seek">
+              <p:cTn id="2" dur="indefinite" nodeType="mainSeq">
+                <p:childTnLst>
+                  <p:par>
+                    <p:cTn id="3" fill="hold">
+                      <p:stCondLst>
+                        <p:cond delay="indefinite"/>
+                        <p:cond evt="onBegin" delay="0">
+                          <p:tn val="2"/>
+                        </p:cond>
+                      </p:stCondLst>
+                      <p:childTnLst>
+                        <p:par>
+                          <p:cTn id="4" fill="hold">
+                            <p:stCondLst>
+                              <p:cond delay="0"/>
+                            </p:stCondLst>
+                            <p:childTnLst>
+                              <p:par>
+                                <p:cTn id="5" presetID="1" presetClass="mediacall" presetSubtype="0" fill="hold" nodeType="afterEffect">
+                                  <p:stCondLst>
+                                    <p:cond delay="0"/>
+                                  </p:stCondLst>
+                                  <p:childTnLst>
+                                    <p:cmd type="call" cmd="playFrom(0.0)">
+                                      <p:cBhvr>
+                                        <p:cTn id="6" dur="1" fill="hold"/>
+                                        <p:tgtEl>
+                                          <p:spTgt spid="30"/>
+                                        </p:tgtEl>
+                                      </p:cBhvr>
+                                    </p:cmd>
+                                  </p:childTnLst>
+                                </p:cTn>
+                              </p:par>
+                            </p:childTnLst>
+                          </p:cTn>
+                        </p:par>
+                      </p:childTnLst>
+                    </p:cTn>
+                  </p:par>
+                </p:childTnLst>
+              </p:cTn>
+              <p:prevCondLst>
+                <p:cond evt="onPrev" delay="0">
+                  <p:tgtEl>
+                    <p:sldTgt/>
+                  </p:tgtEl>
+                </p:cond>
+              </p:prevCondLst>
+              <p:nextCondLst>
+                <p:cond evt="onNext" delay="0">
+                  <p:tgtEl>
+                    <p:sldTgt/>
+                  </p:tgtEl>
+                </p:cond>
+              </p:nextCondLst>
+            </p:seq>
+            <p:audio isNarration="1">
+              <p:cMediaNode vol="80000" showWhenStopped="0">
+                <p:cTn id="7" fill="hold" display="0">
+                  <p:stCondLst>
+                    <p:cond delay="indefinite"/>
+                  </p:stCondLst>
+                  <p:endCondLst>
+                    <p:cond evt="onStopAudio" delay="0">
+                      <p:tgtEl>
+                        <p:sldTgt/>
+                      </p:tgtEl>
+                    </p:cond>
+                  </p:endCondLst>
+                </p:cTn>
+                <p:tgtEl>
+                  <p:spTgt spid="30"/>
+                </p:tgtEl>
+              </p:cMediaNode>
+            </p:audio>
+          </p:childTnLst>
+        </p:cTn>
+      </p:par>
+    </p:tnLst>
+  </p:timing>
 </p:sld>
 </file>
 
